--- a/Notebooks/EngineeringNotebook/MS-PowerPoint-Files/tsWxGTUI_PyVx/UseCase_4_Command_Line_Interface.pptx
+++ b/Notebooks/EngineeringNotebook/MS-PowerPoint-Files/tsWxGTUI_PyVx/UseCase_4_Command_Line_Interface.pptx
@@ -314,7 +314,7 @@
               <a:pPr>
                 <a:defRPr/>
               </a:pPr>
-              <a:t>11/29/2015</a:t>
+              <a:t>12/23/2016</a:t>
             </a:fld>
             <a:endParaRPr lang="en-US"/>
           </a:p>
@@ -551,7 +551,7 @@
               <a:pPr>
                 <a:defRPr/>
               </a:pPr>
-              <a:t>11/29/2015</a:t>
+              <a:t>12/23/2016</a:t>
             </a:fld>
             <a:endParaRPr lang="en-US"/>
           </a:p>
@@ -623,35 +623,35 @@
           <a:p>
             <a:pPr lvl="0"/>
             <a:r>
-              <a:rPr lang="en-US" noProof="0" smtClean="0"/>
+              <a:rPr lang="en-US" noProof="0"/>
               <a:t>Click to edit Master text styles</a:t>
             </a:r>
           </a:p>
           <a:p>
             <a:pPr lvl="1"/>
             <a:r>
-              <a:rPr lang="en-US" noProof="0" smtClean="0"/>
+              <a:rPr lang="en-US" noProof="0"/>
               <a:t>Second level</a:t>
             </a:r>
           </a:p>
           <a:p>
             <a:pPr lvl="2"/>
             <a:r>
-              <a:rPr lang="en-US" noProof="0" smtClean="0"/>
+              <a:rPr lang="en-US" noProof="0"/>
               <a:t>Third level</a:t>
             </a:r>
           </a:p>
           <a:p>
             <a:pPr lvl="3"/>
             <a:r>
-              <a:rPr lang="en-US" noProof="0" smtClean="0"/>
+              <a:rPr lang="en-US" noProof="0"/>
               <a:t>Fourth level</a:t>
             </a:r>
           </a:p>
           <a:p>
             <a:pPr lvl="4"/>
             <a:r>
-              <a:rPr lang="en-US" noProof="0" smtClean="0"/>
+              <a:rPr lang="en-US" noProof="0"/>
               <a:t>Fifth level</a:t>
             </a:r>
           </a:p>
@@ -938,7 +938,7 @@
           <a:lstStyle/>
           <a:p>
             <a:pPr eaLnBrk="1" hangingPunct="1"/>
-            <a:endParaRPr lang="en-US" smtClean="0"/>
+            <a:endParaRPr lang="en-US"/>
           </a:p>
         </p:txBody>
       </p:sp>
@@ -1005,7 +1005,7 @@
           <a:lstStyle/>
           <a:p>
             <a:pPr eaLnBrk="1" hangingPunct="1"/>
-            <a:endParaRPr lang="en-US" smtClean="0"/>
+            <a:endParaRPr lang="en-US"/>
           </a:p>
         </p:txBody>
       </p:sp>
@@ -1072,7 +1072,7 @@
           <a:lstStyle/>
           <a:p>
             <a:pPr eaLnBrk="1" hangingPunct="1"/>
-            <a:endParaRPr lang="en-US" smtClean="0"/>
+            <a:endParaRPr lang="en-US"/>
           </a:p>
         </p:txBody>
       </p:sp>
@@ -1139,7 +1139,7 @@
           <a:lstStyle/>
           <a:p>
             <a:pPr eaLnBrk="1" hangingPunct="1"/>
-            <a:endParaRPr lang="en-US" smtClean="0"/>
+            <a:endParaRPr lang="en-US"/>
           </a:p>
         </p:txBody>
       </p:sp>
@@ -1206,7 +1206,7 @@
           <a:lstStyle/>
           <a:p>
             <a:pPr eaLnBrk="1" hangingPunct="1"/>
-            <a:endParaRPr lang="en-US" smtClean="0"/>
+            <a:endParaRPr lang="en-US"/>
           </a:p>
         </p:txBody>
       </p:sp>
@@ -1273,7 +1273,7 @@
           <a:lstStyle/>
           <a:p>
             <a:pPr eaLnBrk="1" hangingPunct="1"/>
-            <a:endParaRPr lang="en-US" smtClean="0"/>
+            <a:endParaRPr lang="en-US"/>
           </a:p>
         </p:txBody>
       </p:sp>
@@ -1340,7 +1340,7 @@
           <a:lstStyle/>
           <a:p>
             <a:pPr eaLnBrk="1" hangingPunct="1"/>
-            <a:endParaRPr lang="en-US" smtClean="0"/>
+            <a:endParaRPr lang="en-US"/>
           </a:p>
         </p:txBody>
       </p:sp>
@@ -1407,7 +1407,7 @@
           <a:lstStyle/>
           <a:p>
             <a:pPr eaLnBrk="1" hangingPunct="1"/>
-            <a:endParaRPr lang="en-US" smtClean="0"/>
+            <a:endParaRPr lang="en-US"/>
           </a:p>
         </p:txBody>
       </p:sp>
@@ -1474,7 +1474,7 @@
           <a:lstStyle/>
           <a:p>
             <a:pPr eaLnBrk="1" hangingPunct="1"/>
-            <a:endParaRPr lang="en-US" smtClean="0"/>
+            <a:endParaRPr lang="en-US"/>
           </a:p>
         </p:txBody>
       </p:sp>
@@ -1541,7 +1541,7 @@
           <a:lstStyle/>
           <a:p>
             <a:pPr eaLnBrk="1" hangingPunct="1"/>
-            <a:endParaRPr lang="en-US" smtClean="0"/>
+            <a:endParaRPr lang="en-US"/>
           </a:p>
         </p:txBody>
       </p:sp>
@@ -1608,7 +1608,7 @@
           <a:lstStyle/>
           <a:p>
             <a:pPr eaLnBrk="1" hangingPunct="1"/>
-            <a:endParaRPr lang="en-US" smtClean="0"/>
+            <a:endParaRPr lang="en-US"/>
           </a:p>
         </p:txBody>
       </p:sp>
@@ -1675,7 +1675,7 @@
           <a:lstStyle/>
           <a:p>
             <a:pPr eaLnBrk="1" hangingPunct="1"/>
-            <a:endParaRPr lang="en-US" smtClean="0"/>
+            <a:endParaRPr lang="en-US"/>
           </a:p>
         </p:txBody>
       </p:sp>
@@ -1742,7 +1742,7 @@
           <a:lstStyle/>
           <a:p>
             <a:pPr eaLnBrk="1" hangingPunct="1"/>
-            <a:endParaRPr lang="en-US" smtClean="0"/>
+            <a:endParaRPr lang="en-US"/>
           </a:p>
         </p:txBody>
       </p:sp>
@@ -2201,7 +2201,7 @@
             </a:pPr>
             <a:fld id="{B5B52024-79AA-4062-8229-397D9E214550}" type="datetime1">
               <a:rPr lang="en-US" smtClean="0"/>
-              <a:t>11/29/2015</a:t>
+              <a:t>12/23/2016</a:t>
             </a:fld>
             <a:endParaRPr lang="en-US"/>
           </a:p>
@@ -2239,10 +2239,9 @@
               <a:defRPr/>
             </a:pPr>
             <a:r>
-              <a:rPr lang="en-US" dirty="0" smtClean="0"/>
+              <a:rPr lang="en-US" dirty="0"/>
               <a:t>TeamSTARS "tsWxGTUI_PyVx" Toolkit prepared &amp; presented by Richard S. Gordon</a:t>
             </a:r>
-            <a:endParaRPr lang="en-US" dirty="0"/>
           </a:p>
         </p:txBody>
       </p:sp>
@@ -2407,7 +2406,7 @@
             </a:pPr>
             <a:fld id="{5534B48B-48D4-4D1F-B98F-2ED8E1B04ED0}" type="datetime1">
               <a:rPr lang="en-US" smtClean="0"/>
-              <a:t>11/29/2015</a:t>
+              <a:t>12/23/2016</a:t>
             </a:fld>
             <a:endParaRPr lang="en-US"/>
           </a:p>
@@ -2438,10 +2437,9 @@
               <a:defRPr/>
             </a:pPr>
             <a:r>
-              <a:rPr lang="en-US" dirty="0" smtClean="0"/>
+              <a:rPr lang="en-US" dirty="0"/>
               <a:t>TeamSTARS "tsWxGTUI_PyVx" Toolkit prepared &amp; presented by Richard S. Gordon</a:t>
             </a:r>
-            <a:endParaRPr lang="en-US" dirty="0"/>
           </a:p>
         </p:txBody>
       </p:sp>
@@ -2609,7 +2607,7 @@
             </a:pPr>
             <a:fld id="{C3557E2B-7DD4-4DCF-9DDD-7786167218C6}" type="datetime1">
               <a:rPr lang="en-US" smtClean="0"/>
-              <a:t>11/29/2015</a:t>
+              <a:t>12/23/2016</a:t>
             </a:fld>
             <a:endParaRPr lang="en-US"/>
           </a:p>
@@ -2640,10 +2638,9 @@
               <a:defRPr/>
             </a:pPr>
             <a:r>
-              <a:rPr lang="en-US" dirty="0" smtClean="0"/>
+              <a:rPr lang="en-US" dirty="0"/>
               <a:t>TeamSTARS "tsWxGTUI_PyVx" Toolkit prepared &amp; presented by Richard S. Gordon</a:t>
             </a:r>
-            <a:endParaRPr lang="en-US" dirty="0"/>
           </a:p>
         </p:txBody>
       </p:sp>
@@ -2801,7 +2798,7 @@
             </a:pPr>
             <a:fld id="{65B11A62-63AA-4067-ACEB-AA6A42CE3A38}" type="datetime1">
               <a:rPr lang="en-US" smtClean="0"/>
-              <a:t>11/29/2015</a:t>
+              <a:t>12/23/2016</a:t>
             </a:fld>
             <a:endParaRPr lang="en-US"/>
           </a:p>
@@ -2832,10 +2829,9 @@
               <a:defRPr/>
             </a:pPr>
             <a:r>
-              <a:rPr lang="en-US" dirty="0" smtClean="0"/>
+              <a:rPr lang="en-US" dirty="0"/>
               <a:t>TeamSTARS "tsWxGTUI_PyVx" Toolkit prepared &amp; presented by Richard S. Gordon</a:t>
             </a:r>
-            <a:endParaRPr lang="en-US" dirty="0"/>
           </a:p>
         </p:txBody>
       </p:sp>
@@ -3016,7 +3012,7 @@
             </a:pPr>
             <a:fld id="{013FB6F9-CFEF-47AA-A08B-D90CED01DE9A}" type="datetime1">
               <a:rPr lang="en-US" smtClean="0"/>
-              <a:t>11/29/2015</a:t>
+              <a:t>12/23/2016</a:t>
             </a:fld>
             <a:endParaRPr lang="en-US"/>
           </a:p>
@@ -3047,10 +3043,9 @@
               <a:defRPr/>
             </a:pPr>
             <a:r>
-              <a:rPr lang="en-US" dirty="0" smtClean="0"/>
+              <a:rPr lang="en-US" dirty="0"/>
               <a:t>TeamSTARS "tsWxGTUI_PyVx" Toolkit prepared &amp; presented by Richard S. Gordon</a:t>
             </a:r>
-            <a:endParaRPr lang="en-US" dirty="0"/>
           </a:p>
         </p:txBody>
       </p:sp>
@@ -3325,7 +3320,7 @@
             </a:pPr>
             <a:fld id="{44D06F95-D493-494F-B0EB-3EDFAA385886}" type="datetime1">
               <a:rPr lang="en-US" smtClean="0"/>
-              <a:t>11/29/2015</a:t>
+              <a:t>12/23/2016</a:t>
             </a:fld>
             <a:endParaRPr lang="en-US"/>
           </a:p>
@@ -3356,10 +3351,9 @@
               <a:defRPr/>
             </a:pPr>
             <a:r>
-              <a:rPr lang="en-US" dirty="0" smtClean="0"/>
+              <a:rPr lang="en-US" dirty="0"/>
               <a:t>TeamSTARS "tsWxGTUI_PyVx" Toolkit prepared &amp; presented by Richard S. Gordon</a:t>
             </a:r>
-            <a:endParaRPr lang="en-US" dirty="0"/>
           </a:p>
         </p:txBody>
       </p:sp>
@@ -3773,7 +3767,7 @@
             </a:pPr>
             <a:fld id="{26FA81D3-96E1-4758-9306-72CE9F6E2F25}" type="datetime1">
               <a:rPr lang="en-US" smtClean="0"/>
-              <a:t>11/29/2015</a:t>
+              <a:t>12/23/2016</a:t>
             </a:fld>
             <a:endParaRPr lang="en-US"/>
           </a:p>
@@ -3804,10 +3798,9 @@
               <a:defRPr/>
             </a:pPr>
             <a:r>
-              <a:rPr lang="en-US" dirty="0" smtClean="0"/>
+              <a:rPr lang="en-US" dirty="0"/>
               <a:t>TeamSTARS "tsWxGTUI_PyVx" Toolkit prepared &amp; presented by Richard S. Gordon</a:t>
             </a:r>
-            <a:endParaRPr lang="en-US" dirty="0"/>
           </a:p>
         </p:txBody>
       </p:sp>
@@ -3914,7 +3907,7 @@
             </a:pPr>
             <a:fld id="{C22C02A3-FDB2-4B02-8110-311DDD8475C2}" type="datetime1">
               <a:rPr lang="en-US" smtClean="0"/>
-              <a:t>11/29/2015</a:t>
+              <a:t>12/23/2016</a:t>
             </a:fld>
             <a:endParaRPr lang="en-US"/>
           </a:p>
@@ -3945,10 +3938,9 @@
               <a:defRPr/>
             </a:pPr>
             <a:r>
-              <a:rPr lang="en-US" dirty="0" smtClean="0"/>
+              <a:rPr lang="en-US" dirty="0"/>
               <a:t>TeamSTARS "tsWxGTUI_PyVx" Toolkit prepared &amp; presented by Richard S. Gordon</a:t>
             </a:r>
-            <a:endParaRPr lang="en-US" dirty="0"/>
           </a:p>
         </p:txBody>
       </p:sp>
@@ -4031,7 +4023,7 @@
             </a:pPr>
             <a:fld id="{FB277746-3C8E-4161-A66B-B97D4FD5213A}" type="datetime1">
               <a:rPr lang="en-US" smtClean="0"/>
-              <a:t>11/29/2015</a:t>
+              <a:t>12/23/2016</a:t>
             </a:fld>
             <a:endParaRPr lang="en-US"/>
           </a:p>
@@ -4325,7 +4317,7 @@
             </a:pPr>
             <a:fld id="{86B778C6-FEB5-4910-BBA7-BBA76466D3B2}" type="datetime1">
               <a:rPr lang="en-US" smtClean="0"/>
-              <a:t>11/29/2015</a:t>
+              <a:t>12/23/2016</a:t>
             </a:fld>
             <a:endParaRPr lang="en-US"/>
           </a:p>
@@ -4356,10 +4348,9 @@
               <a:defRPr/>
             </a:pPr>
             <a:r>
-              <a:rPr lang="en-US" dirty="0" smtClean="0"/>
+              <a:rPr lang="en-US" dirty="0"/>
               <a:t>TeamSTARS "tsWxGTUI_PyVx" Toolkit prepared &amp; presented by Richard S. Gordon</a:t>
             </a:r>
-            <a:endParaRPr lang="en-US" dirty="0"/>
           </a:p>
         </p:txBody>
       </p:sp>
@@ -4602,7 +4593,7 @@
             </a:pPr>
             <a:fld id="{7A68BEE5-7335-4799-9F53-F65CFD274630}" type="datetime1">
               <a:rPr lang="en-US" smtClean="0"/>
-              <a:t>11/29/2015</a:t>
+              <a:t>12/23/2016</a:t>
             </a:fld>
             <a:endParaRPr lang="en-US"/>
           </a:p>
@@ -4633,10 +4624,9 @@
               <a:defRPr/>
             </a:pPr>
             <a:r>
-              <a:rPr lang="en-US" dirty="0" smtClean="0"/>
+              <a:rPr lang="en-US" dirty="0"/>
               <a:t>TeamSTARS "tsWxGTUI_PyVx" Toolkit prepared &amp; presented by Richard S. Gordon</a:t>
             </a:r>
-            <a:endParaRPr lang="en-US" dirty="0"/>
           </a:p>
         </p:txBody>
       </p:sp>
@@ -5016,7 +5006,7 @@
           <a:p>
             <a:pPr lvl="0"/>
             <a:r>
-              <a:rPr lang="en-US" smtClean="0"/>
+              <a:rPr lang="en-US"/>
               <a:t>Click to edit Master title style</a:t>
             </a:r>
           </a:p>
@@ -5058,35 +5048,35 @@
           <a:p>
             <a:pPr lvl="0"/>
             <a:r>
-              <a:rPr lang="en-US" smtClean="0"/>
+              <a:rPr lang="en-US"/>
               <a:t>Click to edit Master text styles</a:t>
             </a:r>
           </a:p>
           <a:p>
             <a:pPr lvl="1"/>
             <a:r>
-              <a:rPr lang="en-US" smtClean="0"/>
+              <a:rPr lang="en-US"/>
               <a:t>Second level</a:t>
             </a:r>
           </a:p>
           <a:p>
             <a:pPr lvl="2"/>
             <a:r>
-              <a:rPr lang="en-US" smtClean="0"/>
+              <a:rPr lang="en-US"/>
               <a:t>Third level</a:t>
             </a:r>
           </a:p>
           <a:p>
             <a:pPr lvl="3"/>
             <a:r>
-              <a:rPr lang="en-US" smtClean="0"/>
+              <a:rPr lang="en-US"/>
               <a:t>Fourth level</a:t>
             </a:r>
           </a:p>
           <a:p>
             <a:pPr lvl="4"/>
             <a:r>
-              <a:rPr lang="en-US" smtClean="0"/>
+              <a:rPr lang="en-US"/>
               <a:t>Fifth level</a:t>
             </a:r>
           </a:p>
@@ -5136,7 +5126,7 @@
             </a:pPr>
             <a:fld id="{45A933D1-86C7-45FF-B83F-CA5ED825AD11}" type="datetime1">
               <a:rPr lang="en-US" smtClean="0"/>
-              <a:t>11/29/2015</a:t>
+              <a:t>12/23/2016</a:t>
             </a:fld>
             <a:endParaRPr lang="en-US"/>
           </a:p>
@@ -5185,10 +5175,9 @@
               <a:defRPr/>
             </a:pPr>
             <a:r>
-              <a:rPr lang="en-US" dirty="0" smtClean="0"/>
+              <a:rPr lang="en-US" dirty="0"/>
               <a:t>TeamSTARS "tsWxGTUI_PyVx" Toolkit prepared &amp; presented by Richard S. Gordon</a:t>
             </a:r>
-            <a:endParaRPr lang="en-US" dirty="0"/>
           </a:p>
         </p:txBody>
       </p:sp>
@@ -5720,10 +5709,9 @@
           <a:lstStyle/>
           <a:p>
             <a:r>
-              <a:rPr lang="en-US" dirty="0" smtClean="0"/>
+              <a:rPr lang="en-US" dirty="0"/>
               <a:t>UseCase_4_Command_Line_Interface</a:t>
             </a:r>
-            <a:endParaRPr lang="en-US" dirty="0"/>
           </a:p>
         </p:txBody>
       </p:sp>
@@ -5746,14 +5734,14 @@
               <a:buFont typeface="Wingdings" pitchFamily="2" charset="2"/>
               <a:buNone/>
             </a:pPr>
-            <a:endParaRPr lang="en-US" sz="2800" smtClean="0"/>
+            <a:endParaRPr lang="en-US" sz="2800"/>
           </a:p>
           <a:p>
             <a:pPr marL="0" indent="0" algn="ctr" eaLnBrk="1" hangingPunct="1">
               <a:buFont typeface="Wingdings" pitchFamily="2" charset="2"/>
               <a:buNone/>
             </a:pPr>
-            <a:endParaRPr lang="en-US" sz="2800" smtClean="0"/>
+            <a:endParaRPr lang="en-US" sz="2800"/>
           </a:p>
         </p:txBody>
       </p:sp>
@@ -5776,9 +5764,9 @@
           <a:p>
             <a:fld id="{878D0E70-D567-4EAD-BEEC-D30EFDF84A73}" type="datetime1">
               <a:rPr lang="en-US" smtClean="0"/>
-              <a:t>11/29/2015</a:t>
+              <a:t>12/23/2016</a:t>
             </a:fld>
-            <a:endParaRPr lang="en-US" smtClean="0"/>
+            <a:endParaRPr lang="en-US"/>
           </a:p>
         </p:txBody>
       </p:sp>
@@ -5834,34 +5822,32 @@
       </p:sp>
       <p:pic>
         <p:nvPicPr>
-          <p:cNvPr id="6151" name="Picture 5" descr="tsWxGTUI_PyVx Masthead"/>
+          <p:cNvPr id="3" name="Picture 2"/>
           <p:cNvPicPr>
-            <a:picLocks noChangeAspect="1" noChangeArrowheads="1"/>
+            <a:picLocks noChangeAspect="1"/>
           </p:cNvPicPr>
           <p:nvPr/>
         </p:nvPicPr>
         <p:blipFill>
-          <a:blip r:embed="rId3"/>
-          <a:srcRect/>
+          <a:blip r:embed="rId3">
+            <a:extLst>
+              <a:ext uri="{28A0092B-C50C-407E-A947-70E740481C1C}">
+                <a14:useLocalDpi xmlns:a14="http://schemas.microsoft.com/office/drawing/2010/main" val="0"/>
+              </a:ext>
+            </a:extLst>
+          </a:blip>
           <a:stretch>
             <a:fillRect/>
           </a:stretch>
         </p:blipFill>
-        <p:spPr bwMode="auto">
+        <p:spPr>
           <a:xfrm>
-            <a:off x="1524000" y="2195513"/>
-            <a:ext cx="9196388" cy="2259012"/>
+            <a:off x="555812" y="2419349"/>
+            <a:ext cx="11062447" cy="3516100"/>
           </a:xfrm>
           <a:prstGeom prst="rect">
             <a:avLst/>
           </a:prstGeom>
-          <a:noFill/>
-          <a:ln w="9525">
-            <a:noFill/>
-            <a:miter lim="800000"/>
-            <a:headEnd/>
-            <a:tailEnd/>
-          </a:ln>
         </p:spPr>
       </p:pic>
     </p:spTree>
@@ -5870,13 +5856,6 @@
     <a:masterClrMapping/>
   </p:clrMapOvr>
   <p:transition/>
-  <p:timing>
-    <p:tnLst>
-      <p:par>
-        <p:cTn id="1" dur="indefinite" restart="never" nodeType="tmRoot"/>
-      </p:par>
-    </p:tnLst>
-  </p:timing>
 </p:sld>
 </file>
 
@@ -5914,30 +5893,20 @@
           <a:p>
             <a:r>
               <a:rPr lang="en-US" dirty="0"/>
-              <a:t>tsDoubleLinkedList.py </a:t>
-            </a:r>
-            <a:r>
-              <a:rPr lang="en-US" dirty="0" smtClean="0"/>
-              <a:t>Module </a:t>
-            </a:r>
-            <a:r>
-              <a:rPr lang="en-US" sz="2000" dirty="0" smtClean="0"/>
+              <a:t>tsDoubleLinkedList.py Module </a:t>
+            </a:r>
+            <a:r>
+              <a:rPr lang="en-US" sz="2000" dirty="0"/>
               <a:t>(</a:t>
-            </a:r>
-            <a:r>
-              <a:rPr lang="en-US" sz="2000" dirty="0" smtClean="0">
-                <a:hlinkClick r:id="rId2" action="ppaction://hlinksldjump"/>
-              </a:rPr>
-              <a:t>Table </a:t>
             </a:r>
             <a:r>
               <a:rPr lang="en-US" sz="2000" dirty="0">
                 <a:hlinkClick r:id="rId2" action="ppaction://hlinksldjump"/>
               </a:rPr>
-              <a:t>of Contents</a:t>
-            </a:r>
-            <a:r>
-              <a:rPr lang="en-US" sz="2000" dirty="0" smtClean="0"/>
+              <a:t>Table of Contents</a:t>
+            </a:r>
+            <a:r>
+              <a:rPr lang="en-US" sz="2000" dirty="0"/>
               <a:t>)</a:t>
             </a:r>
             <a:endParaRPr lang="en-US" sz="3200" dirty="0"/>
@@ -5960,41 +5929,16 @@
           <a:lstStyle/>
           <a:p>
             <a:r>
-              <a:rPr lang="en-US" dirty="0" smtClean="0"/>
-              <a:t>Class </a:t>
-            </a:r>
-            <a:r>
               <a:rPr lang="en-US" dirty="0"/>
-              <a:t>to establish a </a:t>
-            </a:r>
-            <a:r>
-              <a:rPr lang="en-US" dirty="0" smtClean="0"/>
-              <a:t>general purpose representation </a:t>
-            </a:r>
+              <a:t>Class to establish a general purpose representation of a linked list with forward and backward pointers</a:t>
+            </a:r>
+          </a:p>
+          <a:p>
+            <a:pPr lvl="1"/>
             <a:r>
               <a:rPr lang="en-US" dirty="0"/>
-              <a:t>of a linked </a:t>
-            </a:r>
-            <a:r>
-              <a:rPr lang="en-US" dirty="0" smtClean="0"/>
-              <a:t>list </a:t>
-            </a:r>
-            <a:r>
-              <a:rPr lang="en-US" dirty="0"/>
-              <a:t>with forward and backward </a:t>
-            </a:r>
-            <a:r>
-              <a:rPr lang="en-US" dirty="0" smtClean="0"/>
-              <a:t>pointers</a:t>
-            </a:r>
-          </a:p>
-          <a:p>
-            <a:pPr lvl="1"/>
-            <a:r>
-              <a:rPr lang="en-US" dirty="0" smtClean="0"/>
               <a:t>Class provides methods to append, insert, delete and access the ordered list of entries.</a:t>
             </a:r>
-            <a:endParaRPr lang="en-US" dirty="0"/>
           </a:p>
         </p:txBody>
       </p:sp>
@@ -6018,7 +5962,7 @@
             </a:pPr>
             <a:fld id="{65B11A62-63AA-4067-ACEB-AA6A42CE3A38}" type="datetime1">
               <a:rPr lang="en-US" smtClean="0"/>
-              <a:t>11/29/2015</a:t>
+              <a:t>12/23/2016</a:t>
             </a:fld>
             <a:endParaRPr lang="en-US"/>
           </a:p>
@@ -6043,7 +5987,7 @@
               <a:defRPr/>
             </a:pPr>
             <a:r>
-              <a:rPr lang="en-US" smtClean="0"/>
+              <a:rPr lang="en-US"/>
               <a:t>TeamSTARS "tsWxGTUI_PyVx" Toolkit prepared &amp; presented by Richard S. Gordon</a:t>
             </a:r>
             <a:endParaRPr lang="en-US" dirty="0"/>
@@ -6084,13 +6028,6 @@
   <p:clrMapOvr>
     <a:masterClrMapping/>
   </p:clrMapOvr>
-  <p:timing>
-    <p:tnLst>
-      <p:par>
-        <p:cTn id="1" dur="indefinite" restart="never" nodeType="tmRoot"/>
-      </p:par>
-    </p:tnLst>
-  </p:timing>
 </p:sld>
 </file>
 
@@ -6128,30 +6065,20 @@
           <a:p>
             <a:r>
               <a:rPr lang="en-US" dirty="0"/>
-              <a:t>tsException.py </a:t>
-            </a:r>
-            <a:r>
-              <a:rPr lang="en-US" dirty="0" smtClean="0"/>
-              <a:t>Module </a:t>
-            </a:r>
-            <a:r>
-              <a:rPr lang="en-US" sz="2000" dirty="0" smtClean="0"/>
+              <a:t>tsException.py Module </a:t>
+            </a:r>
+            <a:r>
+              <a:rPr lang="en-US" sz="2000" dirty="0"/>
               <a:t>(</a:t>
-            </a:r>
-            <a:r>
-              <a:rPr lang="en-US" sz="2000" dirty="0" smtClean="0">
-                <a:hlinkClick r:id="rId2" action="ppaction://hlinksldjump"/>
-              </a:rPr>
-              <a:t>Table </a:t>
             </a:r>
             <a:r>
               <a:rPr lang="en-US" sz="2000" dirty="0">
                 <a:hlinkClick r:id="rId2" action="ppaction://hlinksldjump"/>
               </a:rPr>
-              <a:t>of Contents</a:t>
-            </a:r>
-            <a:r>
-              <a:rPr lang="en-US" sz="2000" dirty="0" smtClean="0"/>
+              <a:t>Table of Contents</a:t>
+            </a:r>
+            <a:r>
+              <a:rPr lang="en-US" sz="2000" dirty="0"/>
               <a:t>)</a:t>
             </a:r>
             <a:endParaRPr lang="en-US" sz="3200" dirty="0"/>
@@ -6174,56 +6101,23 @@
           <a:lstStyle/>
           <a:p>
             <a:r>
-              <a:rPr lang="en-US" dirty="0" smtClean="0"/>
-              <a:t>Class </a:t>
-            </a:r>
-            <a:r>
               <a:rPr lang="en-US" dirty="0"/>
-              <a:t>to define and handle error </a:t>
-            </a:r>
-            <a:r>
-              <a:rPr lang="en-US" dirty="0" smtClean="0"/>
-              <a:t>exception events.</a:t>
+              <a:t>Class to define and handle error exception events.</a:t>
             </a:r>
           </a:p>
           <a:p>
             <a:pPr lvl="1"/>
             <a:r>
               <a:rPr lang="en-US" dirty="0"/>
-              <a:t>Class </a:t>
-            </a:r>
-            <a:r>
-              <a:rPr lang="en-US" dirty="0" smtClean="0"/>
-              <a:t>maps run </a:t>
-            </a:r>
+              <a:t>Class maps run time exception types into 8-bit exit codes</a:t>
+            </a:r>
+          </a:p>
+          <a:p>
+            <a:pPr lvl="1"/>
             <a:r>
               <a:rPr lang="en-US" dirty="0"/>
-              <a:t>time exception types into 8-bit exit </a:t>
-            </a:r>
-            <a:r>
-              <a:rPr lang="en-US" dirty="0" smtClean="0"/>
-              <a:t>codes</a:t>
-            </a:r>
-          </a:p>
-          <a:p>
-            <a:pPr lvl="1"/>
-            <a:r>
-              <a:rPr lang="en-US" dirty="0"/>
-              <a:t>Class </a:t>
-            </a:r>
-            <a:r>
-              <a:rPr lang="en-US" dirty="0" smtClean="0"/>
-              <a:t>prints </a:t>
-            </a:r>
-            <a:r>
-              <a:rPr lang="en-US" dirty="0"/>
-              <a:t>associated exception diagnostic message and </a:t>
-            </a:r>
-            <a:r>
-              <a:rPr lang="en-US" dirty="0" smtClean="0"/>
-              <a:t>trace back information</a:t>
-            </a:r>
-            <a:endParaRPr lang="en-US" dirty="0"/>
+              <a:t>Class prints associated exception diagnostic message and trace back information</a:t>
+            </a:r>
           </a:p>
         </p:txBody>
       </p:sp>
@@ -6247,7 +6141,7 @@
             </a:pPr>
             <a:fld id="{65B11A62-63AA-4067-ACEB-AA6A42CE3A38}" type="datetime1">
               <a:rPr lang="en-US" smtClean="0"/>
-              <a:t>11/29/2015</a:t>
+              <a:t>12/23/2016</a:t>
             </a:fld>
             <a:endParaRPr lang="en-US"/>
           </a:p>
@@ -6272,7 +6166,7 @@
               <a:defRPr/>
             </a:pPr>
             <a:r>
-              <a:rPr lang="en-US" smtClean="0"/>
+              <a:rPr lang="en-US"/>
               <a:t>TeamSTARS "tsWxGTUI_PyVx" Toolkit prepared &amp; presented by Richard S. Gordon</a:t>
             </a:r>
             <a:endParaRPr lang="en-US" dirty="0"/>
@@ -6350,30 +6244,20 @@
           <a:p>
             <a:r>
               <a:rPr lang="en-US" sz="4000" dirty="0"/>
-              <a:t>tsGistGetTerminalSize.py </a:t>
-            </a:r>
-            <a:r>
-              <a:rPr lang="en-US" sz="4000" dirty="0" smtClean="0"/>
-              <a:t>Module </a:t>
-            </a:r>
-            <a:r>
-              <a:rPr lang="en-US" sz="2000" dirty="0" smtClean="0"/>
+              <a:t>tsGistGetTerminalSize.py Module </a:t>
+            </a:r>
+            <a:r>
+              <a:rPr lang="en-US" sz="2000" dirty="0"/>
               <a:t>(</a:t>
-            </a:r>
-            <a:r>
-              <a:rPr lang="en-US" sz="2000" dirty="0" smtClean="0">
-                <a:hlinkClick r:id="rId2" action="ppaction://hlinksldjump"/>
-              </a:rPr>
-              <a:t>Table </a:t>
             </a:r>
             <a:r>
               <a:rPr lang="en-US" sz="2000" dirty="0">
                 <a:hlinkClick r:id="rId2" action="ppaction://hlinksldjump"/>
               </a:rPr>
-              <a:t>of Contents</a:t>
-            </a:r>
-            <a:r>
-              <a:rPr lang="en-US" sz="2000" dirty="0" smtClean="0"/>
+              <a:t>Table of Contents</a:t>
+            </a:r>
+            <a:r>
+              <a:rPr lang="en-US" sz="2000" dirty="0"/>
               <a:t>)</a:t>
             </a:r>
             <a:endParaRPr lang="en-US" sz="3200" dirty="0"/>
@@ -6396,67 +6280,15 @@
           <a:lstStyle/>
           <a:p>
             <a:r>
-              <a:rPr lang="en-US" dirty="0" smtClean="0"/>
-              <a:t>Third-Party </a:t>
-            </a:r>
-            <a:r>
               <a:rPr lang="en-US" dirty="0"/>
-              <a:t>Module, derived from "terminalsize.py" </a:t>
-            </a:r>
-            <a:r>
-              <a:rPr lang="en-US" dirty="0" smtClean="0"/>
-              <a:t>by Justin </a:t>
-            </a:r>
+              <a:t>Third-Party Module, derived from "terminalsize.py" by Justin T. Riley:</a:t>
+            </a:r>
+          </a:p>
+          <a:p>
+            <a:pPr lvl="1"/>
             <a:r>
               <a:rPr lang="en-US" dirty="0"/>
-              <a:t>T. </a:t>
-            </a:r>
-            <a:r>
-              <a:rPr lang="en-US" dirty="0" smtClean="0"/>
-              <a:t>Riley:</a:t>
-            </a:r>
-          </a:p>
-          <a:p>
-            <a:pPr lvl="1"/>
-            <a:r>
-              <a:rPr lang="en-US" dirty="0" smtClean="0"/>
-              <a:t>Module acquires </a:t>
-            </a:r>
-            <a:r>
-              <a:rPr lang="en-US" dirty="0"/>
-              <a:t>the character size of </a:t>
-            </a:r>
-            <a:r>
-              <a:rPr lang="en-US" dirty="0" smtClean="0"/>
-              <a:t>the Python </a:t>
-            </a:r>
-            <a:r>
-              <a:rPr lang="en-US" dirty="0"/>
-              <a:t>console window as </a:t>
-            </a:r>
-            <a:r>
-              <a:rPr lang="en-US" dirty="0" smtClean="0"/>
-              <a:t>a Python tuple </a:t>
-            </a:r>
-            <a:r>
-              <a:rPr lang="en-US" dirty="0"/>
-              <a:t>(width, height) on </a:t>
-            </a:r>
-            <a:r>
-              <a:rPr lang="en-US" dirty="0" smtClean="0"/>
-              <a:t>host operating </a:t>
-            </a:r>
-            <a:r>
-              <a:rPr lang="en-US" dirty="0"/>
-              <a:t>systems (such as Linux, Mac OS X, </a:t>
-            </a:r>
-            <a:r>
-              <a:rPr lang="en-US" dirty="0" smtClean="0"/>
-              <a:t>Microsoft Windows </a:t>
-            </a:r>
-            <a:r>
-              <a:rPr lang="en-US" dirty="0"/>
-              <a:t>and Unix).</a:t>
+              <a:t>Module acquires the character size of the Python console window as a Python tuple (width, height) on host operating systems (such as Linux, Mac OS X, Microsoft Windows and Unix).</a:t>
             </a:r>
           </a:p>
         </p:txBody>
@@ -6481,7 +6313,7 @@
             </a:pPr>
             <a:fld id="{65B11A62-63AA-4067-ACEB-AA6A42CE3A38}" type="datetime1">
               <a:rPr lang="en-US" smtClean="0"/>
-              <a:t>11/29/2015</a:t>
+              <a:t>12/23/2016</a:t>
             </a:fld>
             <a:endParaRPr lang="en-US"/>
           </a:p>
@@ -6506,7 +6338,7 @@
               <a:defRPr/>
             </a:pPr>
             <a:r>
-              <a:rPr lang="en-US" smtClean="0"/>
+              <a:rPr lang="en-US"/>
               <a:t>TeamSTARS "tsWxGTUI_PyVx" Toolkit prepared &amp; presented by Richard S. Gordon</a:t>
             </a:r>
             <a:endParaRPr lang="en-US" dirty="0"/>
@@ -6547,13 +6379,6 @@
   <p:clrMapOvr>
     <a:masterClrMapping/>
   </p:clrMapOvr>
-  <p:timing>
-    <p:tnLst>
-      <p:par>
-        <p:cTn id="1" dur="indefinite" restart="never" nodeType="tmRoot"/>
-      </p:par>
-    </p:tnLst>
-  </p:timing>
 </p:sld>
 </file>
 
@@ -6591,30 +6416,20 @@
           <a:p>
             <a:r>
               <a:rPr lang="en-US" dirty="0"/>
-              <a:t>tsLogger.py </a:t>
-            </a:r>
-            <a:r>
-              <a:rPr lang="en-US" dirty="0" smtClean="0"/>
-              <a:t>Module </a:t>
-            </a:r>
-            <a:r>
-              <a:rPr lang="en-US" sz="2000" dirty="0" smtClean="0"/>
+              <a:t>tsLogger.py Module </a:t>
+            </a:r>
+            <a:r>
+              <a:rPr lang="en-US" sz="2000" dirty="0"/>
               <a:t>(</a:t>
-            </a:r>
-            <a:r>
-              <a:rPr lang="en-US" sz="2000" dirty="0" smtClean="0">
-                <a:hlinkClick r:id="rId2" action="ppaction://hlinksldjump"/>
-              </a:rPr>
-              <a:t>Table </a:t>
             </a:r>
             <a:r>
               <a:rPr lang="en-US" sz="2000" dirty="0">
                 <a:hlinkClick r:id="rId2" action="ppaction://hlinksldjump"/>
               </a:rPr>
-              <a:t>of Contents</a:t>
-            </a:r>
-            <a:r>
-              <a:rPr lang="en-US" sz="2000" dirty="0" smtClean="0"/>
+              <a:t>Table of Contents</a:t>
+            </a:r>
+            <a:r>
+              <a:rPr lang="en-US" sz="2000" dirty="0"/>
               <a:t>)</a:t>
             </a:r>
             <a:endParaRPr lang="en-US" sz="3200" dirty="0"/>
@@ -6637,97 +6452,52 @@
           <a:lstStyle/>
           <a:p>
             <a:r>
-              <a:rPr lang="en-US" sz="2800" dirty="0" smtClean="0"/>
-              <a:t>Class emulates </a:t>
-            </a:r>
-            <a:r>
               <a:rPr lang="en-US" sz="2800" dirty="0"/>
-              <a:t>a subset of Python logging API</a:t>
-            </a:r>
-            <a:r>
-              <a:rPr lang="en-US" sz="2800" dirty="0" smtClean="0"/>
-              <a:t>.</a:t>
+              <a:t>Class emulates a subset of Python logging API.</a:t>
             </a:r>
           </a:p>
           <a:p>
             <a:pPr lvl="1"/>
             <a:r>
               <a:rPr lang="en-US" sz="2400" dirty="0"/>
-              <a:t>Class defines and handles prioritized, time and date </a:t>
-            </a:r>
-            <a:r>
-              <a:rPr lang="en-US" sz="2400" dirty="0" smtClean="0"/>
-              <a:t>stamped event </a:t>
-            </a:r>
-            <a:r>
-              <a:rPr lang="en-US" sz="2400" dirty="0"/>
-              <a:t>message formatting and output to files and </a:t>
-            </a:r>
-            <a:r>
-              <a:rPr lang="en-US" sz="2400" dirty="0" smtClean="0"/>
-              <a:t>devices:</a:t>
-            </a:r>
-            <a:endParaRPr lang="en-US" sz="2400" dirty="0"/>
+              <a:t>Class defines and handles prioritized, time and date stamped event message formatting and output to files and devices:</a:t>
+            </a:r>
           </a:p>
           <a:p>
             <a:pPr lvl="2"/>
             <a:r>
-              <a:rPr lang="en-US" sz="2000" dirty="0" smtClean="0"/>
-              <a:t>Log files </a:t>
-            </a:r>
-            <a:r>
               <a:rPr lang="en-US" sz="2000" dirty="0"/>
-              <a:t>are organized in a date and time stamped </a:t>
-            </a:r>
-            <a:r>
-              <a:rPr lang="en-US" sz="2000" dirty="0" smtClean="0"/>
-              <a:t>directory named </a:t>
-            </a:r>
+              <a:t>Log files are organized in a date and time stamped directory named for the launched application.</a:t>
+            </a:r>
+          </a:p>
+          <a:p>
+            <a:pPr lvl="2"/>
             <a:r>
               <a:rPr lang="en-US" sz="2000" dirty="0"/>
-              <a:t>for the launched application</a:t>
-            </a:r>
-            <a:r>
-              <a:rPr lang="en-US" sz="2000" dirty="0" smtClean="0"/>
-              <a:t>.</a:t>
-            </a:r>
-          </a:p>
-          <a:p>
-            <a:pPr lvl="2"/>
+              <a:t>Log devices include the Unix-type </a:t>
+            </a:r>
+            <a:r>
+              <a:rPr lang="en-US" sz="2000" b="1" dirty="0"/>
+              <a:t>syslog</a:t>
+            </a:r>
             <a:r>
               <a:rPr lang="en-US" sz="2000" dirty="0"/>
-              <a:t>Log devices include </a:t>
-            </a:r>
-            <a:r>
-              <a:rPr lang="en-US" sz="2000" dirty="0" smtClean="0"/>
-              <a:t>the Unix-type </a:t>
-            </a:r>
-            <a:r>
-              <a:rPr lang="en-US" sz="2000" b="1" dirty="0" smtClean="0"/>
-              <a:t>syslog</a:t>
-            </a:r>
-            <a:r>
-              <a:rPr lang="en-US" sz="2000" dirty="0" smtClean="0"/>
               <a:t>, </a:t>
             </a:r>
             <a:r>
-              <a:rPr lang="en-US" sz="2000" b="1" dirty="0" err="1" smtClean="0"/>
+              <a:rPr lang="en-US" sz="2000" b="1" dirty="0" err="1"/>
               <a:t>stderr</a:t>
             </a:r>
             <a:r>
               <a:rPr lang="en-US" sz="2000" dirty="0"/>
-              <a:t>,</a:t>
-            </a:r>
-            <a:r>
-              <a:rPr lang="en-US" sz="2000" dirty="0" smtClean="0"/>
-              <a:t> </a:t>
-            </a:r>
-            <a:r>
-              <a:rPr lang="en-US" sz="2000" b="1" dirty="0" err="1" smtClean="0"/>
+              <a:t>, </a:t>
+            </a:r>
+            <a:r>
+              <a:rPr lang="en-US" sz="2000" b="1" dirty="0" err="1"/>
               <a:t>stdout</a:t>
             </a:r>
             <a:r>
-              <a:rPr lang="en-US" sz="2000" dirty="0" smtClean="0"/>
+              <a:rPr lang="en-US" sz="2000" dirty="0"/>
               <a:t> and </a:t>
             </a:r>
             <a:r>
@@ -6736,39 +6506,14 @@
             </a:r>
             <a:r>
               <a:rPr lang="en-US" sz="2000" dirty="0"/>
-              <a:t> (the </a:t>
-            </a:r>
-            <a:r>
-              <a:rPr lang="en-US" sz="2000" dirty="0" smtClean="0"/>
-              <a:t>Curses display </a:t>
-            </a:r>
-            <a:r>
-              <a:rPr lang="en-US" sz="2000" dirty="0"/>
-              <a:t>screen</a:t>
-            </a:r>
-            <a:r>
-              <a:rPr lang="en-US" sz="2000" dirty="0" smtClean="0"/>
-              <a:t>).</a:t>
+              <a:t> (the Curses display screen).</a:t>
             </a:r>
           </a:p>
           <a:p>
             <a:r>
               <a:rPr lang="en-US" sz="2800" dirty="0"/>
-              <a:t>Class also supports "wxPython"-style </a:t>
-            </a:r>
-            <a:r>
-              <a:rPr lang="en-US" sz="2800" dirty="0" smtClean="0"/>
-              <a:t>logging </a:t>
-            </a:r>
-            <a:r>
-              <a:rPr lang="en-US" sz="2800" dirty="0"/>
-              <a:t>of assert and check case results</a:t>
-            </a:r>
-            <a:r>
-              <a:rPr lang="en-US" sz="2800" dirty="0" smtClean="0"/>
-              <a:t>.</a:t>
-            </a:r>
-            <a:endParaRPr lang="en-US" sz="2800" dirty="0"/>
+              <a:t>Class also supports "wxPython"-style logging of assert and check case results.</a:t>
+            </a:r>
           </a:p>
         </p:txBody>
       </p:sp>
@@ -6792,7 +6537,7 @@
             </a:pPr>
             <a:fld id="{65B11A62-63AA-4067-ACEB-AA6A42CE3A38}" type="datetime1">
               <a:rPr lang="en-US" smtClean="0"/>
-              <a:t>11/29/2015</a:t>
+              <a:t>12/23/2016</a:t>
             </a:fld>
             <a:endParaRPr lang="en-US"/>
           </a:p>
@@ -6817,7 +6562,7 @@
               <a:defRPr/>
             </a:pPr>
             <a:r>
-              <a:rPr lang="en-US" smtClean="0"/>
+              <a:rPr lang="en-US"/>
               <a:t>TeamSTARS "tsWxGTUI_PyVx" Toolkit prepared &amp; presented by Richard S. Gordon</a:t>
             </a:r>
             <a:endParaRPr lang="en-US" dirty="0"/>
@@ -6858,13 +6603,6 @@
   <p:clrMapOvr>
     <a:masterClrMapping/>
   </p:clrMapOvr>
-  <p:timing>
-    <p:tnLst>
-      <p:par>
-        <p:cTn id="1" dur="indefinite" restart="never" nodeType="tmRoot"/>
-      </p:par>
-    </p:tnLst>
-  </p:timing>
 </p:sld>
 </file>
 
@@ -6902,30 +6640,20 @@
           <a:p>
             <a:r>
               <a:rPr lang="en-US" sz="3600" dirty="0"/>
-              <a:t>tsOperatorSettingsParser.py </a:t>
-            </a:r>
-            <a:r>
-              <a:rPr lang="en-US" sz="3600" dirty="0" smtClean="0"/>
-              <a:t>Module </a:t>
-            </a:r>
-            <a:r>
-              <a:rPr lang="en-US" sz="2000" dirty="0" smtClean="0"/>
+              <a:t>tsOperatorSettingsParser.py Module </a:t>
+            </a:r>
+            <a:r>
+              <a:rPr lang="en-US" sz="2000" dirty="0"/>
               <a:t>(</a:t>
-            </a:r>
-            <a:r>
-              <a:rPr lang="en-US" sz="2000" dirty="0" smtClean="0">
-                <a:hlinkClick r:id="rId2" action="ppaction://hlinksldjump"/>
-              </a:rPr>
-              <a:t>Table </a:t>
             </a:r>
             <a:r>
               <a:rPr lang="en-US" sz="2000" dirty="0">
                 <a:hlinkClick r:id="rId2" action="ppaction://hlinksldjump"/>
               </a:rPr>
-              <a:t>of Contents</a:t>
-            </a:r>
-            <a:r>
-              <a:rPr lang="en-US" sz="2000" dirty="0" smtClean="0"/>
+              <a:t>Table of Contents</a:t>
+            </a:r>
+            <a:r>
+              <a:rPr lang="en-US" sz="2000" dirty="0"/>
               <a:t>)</a:t>
             </a:r>
             <a:endParaRPr lang="en-US" sz="3200" dirty="0"/>
@@ -6948,91 +6676,22 @@
           <a:lstStyle/>
           <a:p>
             <a:r>
-              <a:rPr lang="en-US" sz="2800" dirty="0" smtClean="0"/>
-              <a:t>Class </a:t>
-            </a:r>
-            <a:r>
               <a:rPr lang="en-US" sz="2800" dirty="0"/>
-              <a:t>to parse the command line entered by the </a:t>
-            </a:r>
-            <a:r>
-              <a:rPr lang="en-US" sz="2800" dirty="0" smtClean="0"/>
-              <a:t>operator </a:t>
-            </a:r>
-            <a:r>
-              <a:rPr lang="en-US" sz="2800" dirty="0"/>
-              <a:t>of an application </a:t>
-            </a:r>
-            <a:r>
-              <a:rPr lang="en-US" sz="2800" dirty="0" smtClean="0"/>
-              <a:t>program:</a:t>
-            </a:r>
-            <a:endParaRPr lang="en-US" sz="2800" dirty="0"/>
+              <a:t>Class to parse the command line entered by the operator of an application program:</a:t>
+            </a:r>
           </a:p>
           <a:p>
             <a:pPr lvl="1"/>
             <a:r>
-              <a:rPr lang="en-US" sz="2400" dirty="0" smtClean="0"/>
-              <a:t>Platform-independent </a:t>
-            </a:r>
-            <a:r>
               <a:rPr lang="en-US" sz="2400" dirty="0"/>
-              <a:t>parsing algorithm </a:t>
-            </a:r>
-            <a:r>
-              <a:rPr lang="en-US" sz="2400" dirty="0" smtClean="0"/>
-              <a:t>extracts and returns </a:t>
-            </a:r>
+              <a:t>Platform-independent parsing algorithm extracts and returns the Keyword-Value pair Options and Positional Arguments that will configure and control the application during its execution.</a:t>
+            </a:r>
+          </a:p>
+          <a:p>
+            <a:pPr lvl="1"/>
             <a:r>
               <a:rPr lang="en-US" sz="2400" dirty="0"/>
-              <a:t>the Keyword-Value pair Options </a:t>
-            </a:r>
-            <a:r>
-              <a:rPr lang="en-US" sz="2400" dirty="0" smtClean="0"/>
-              <a:t>and Positional </a:t>
-            </a:r>
-            <a:r>
-              <a:rPr lang="en-US" sz="2400" dirty="0"/>
-              <a:t>Arguments that will configure and </a:t>
-            </a:r>
-            <a:r>
-              <a:rPr lang="en-US" sz="2400" dirty="0" smtClean="0"/>
-              <a:t>control the </a:t>
-            </a:r>
-            <a:r>
-              <a:rPr lang="en-US" sz="2400" dirty="0"/>
-              <a:t>application during its execution</a:t>
-            </a:r>
-            <a:r>
-              <a:rPr lang="en-US" sz="2400" dirty="0" smtClean="0"/>
-              <a:t>.</a:t>
-            </a:r>
-          </a:p>
-          <a:p>
-            <a:pPr lvl="1"/>
-            <a:r>
-              <a:rPr lang="en-US" sz="2400" dirty="0" smtClean="0"/>
-              <a:t>Platform–specific parsing algorithm applies </a:t>
-            </a:r>
-            <a:r>
-              <a:rPr lang="en-US" sz="2400" dirty="0"/>
-              <a:t>the </a:t>
-            </a:r>
-            <a:r>
-              <a:rPr lang="en-US" sz="2400" dirty="0" smtClean="0"/>
-              <a:t>standard Python </a:t>
-            </a:r>
-            <a:r>
-              <a:rPr lang="en-US" sz="2400" dirty="0"/>
-              <a:t>library </a:t>
-            </a:r>
-            <a:r>
-              <a:rPr lang="en-US" sz="2400" dirty="0" smtClean="0"/>
-              <a:t>module </a:t>
-            </a:r>
-            <a:r>
-              <a:rPr lang="en-US" sz="2400" dirty="0"/>
-              <a:t>("</a:t>
+              <a:t>Platform–specific parsing algorithm applies the standard Python library module ("</a:t>
             </a:r>
             <a:r>
               <a:rPr lang="en-US" sz="2400" b="1" dirty="0" err="1"/>
@@ -7043,7 +6702,7 @@
               <a:t>", "</a:t>
             </a:r>
             <a:r>
-              <a:rPr lang="en-US" sz="2400" b="1" dirty="0" err="1" smtClean="0"/>
+              <a:rPr lang="en-US" sz="2400" b="1" dirty="0" err="1"/>
               <a:t>optparse</a:t>
             </a:r>
             <a:r>
@@ -7056,13 +6715,8 @@
             </a:r>
             <a:r>
               <a:rPr lang="en-US" sz="2400" dirty="0"/>
-              <a:t>") appropriate for the active </a:t>
-            </a:r>
-            <a:r>
-              <a:rPr lang="en-US" sz="2400" dirty="0" smtClean="0"/>
-              <a:t>Python version.</a:t>
-            </a:r>
-            <a:endParaRPr lang="en-US" sz="2400" dirty="0"/>
+              <a:t>") appropriate for the active Python version.</a:t>
+            </a:r>
           </a:p>
         </p:txBody>
       </p:sp>
@@ -7086,7 +6740,7 @@
             </a:pPr>
             <a:fld id="{65B11A62-63AA-4067-ACEB-AA6A42CE3A38}" type="datetime1">
               <a:rPr lang="en-US" smtClean="0"/>
-              <a:t>11/29/2015</a:t>
+              <a:t>12/23/2016</a:t>
             </a:fld>
             <a:endParaRPr lang="en-US"/>
           </a:p>
@@ -7111,7 +6765,7 @@
               <a:defRPr/>
             </a:pPr>
             <a:r>
-              <a:rPr lang="en-US" smtClean="0"/>
+              <a:rPr lang="en-US"/>
               <a:t>TeamSTARS "tsWxGTUI_PyVx" Toolkit prepared &amp; presented by Richard S. Gordon</a:t>
             </a:r>
             <a:endParaRPr lang="en-US" dirty="0"/>
@@ -7152,13 +6806,6 @@
   <p:clrMapOvr>
     <a:masterClrMapping/>
   </p:clrMapOvr>
-  <p:timing>
-    <p:tnLst>
-      <p:par>
-        <p:cTn id="1" dur="indefinite" restart="never" nodeType="tmRoot"/>
-      </p:par>
-    </p:tnLst>
-  </p:timing>
 </p:sld>
 </file>
 
@@ -7195,34 +6842,28 @@
           <a:lstStyle/>
           <a:p>
             <a:r>
-              <a:rPr lang="en-US" dirty="0" smtClean="0"/>
+              <a:rPr lang="en-US" dirty="0"/>
               <a:t>tsPlatformRunTimeEnvironment.py</a:t>
             </a:r>
             <a:br>
-              <a:rPr lang="en-US" dirty="0" smtClean="0"/>
+              <a:rPr lang="en-US" dirty="0"/>
             </a:br>
             <a:r>
-              <a:rPr lang="en-US" dirty="0" smtClean="0"/>
+              <a:rPr lang="en-US" dirty="0"/>
               <a:t>Module </a:t>
             </a:r>
             <a:r>
-              <a:rPr lang="en-US" sz="2000" dirty="0" smtClean="0"/>
+              <a:rPr lang="en-US" sz="2000" dirty="0"/>
               <a:t>(</a:t>
-            </a:r>
-            <a:r>
-              <a:rPr lang="en-US" sz="2000" dirty="0" smtClean="0">
-                <a:hlinkClick r:id="rId2" action="ppaction://hlinksldjump"/>
-              </a:rPr>
-              <a:t>Table </a:t>
             </a:r>
             <a:r>
               <a:rPr lang="en-US" sz="2000" dirty="0">
                 <a:hlinkClick r:id="rId2" action="ppaction://hlinksldjump"/>
               </a:rPr>
-              <a:t>of Contents</a:t>
-            </a:r>
-            <a:r>
-              <a:rPr lang="en-US" sz="2000" dirty="0" smtClean="0"/>
+              <a:t>Table of Contents</a:t>
+            </a:r>
+            <a:r>
+              <a:rPr lang="en-US" sz="2000" dirty="0"/>
               <a:t>)</a:t>
             </a:r>
             <a:endParaRPr lang="en-US" sz="3200" dirty="0"/>
@@ -7245,32 +6886,8 @@
           <a:lstStyle/>
           <a:p>
             <a:r>
-              <a:rPr lang="en-US" sz="2400" dirty="0" smtClean="0"/>
-              <a:t>Class </a:t>
-            </a:r>
-            <a:r>
               <a:rPr lang="en-US" sz="2400" dirty="0"/>
-              <a:t>to capture current hardware, software </a:t>
-            </a:r>
-            <a:r>
-              <a:rPr lang="en-US" sz="2400" dirty="0" smtClean="0"/>
-              <a:t>and network </a:t>
-            </a:r>
-            <a:r>
-              <a:rPr lang="en-US" sz="2400" dirty="0"/>
-              <a:t>information about the run time </a:t>
-            </a:r>
-            <a:r>
-              <a:rPr lang="en-US" sz="2400" dirty="0" smtClean="0"/>
-              <a:t>environment for </a:t>
-            </a:r>
-            <a:r>
-              <a:rPr lang="en-US" sz="2400" dirty="0"/>
-              <a:t>the user process</a:t>
-            </a:r>
-            <a:r>
-              <a:rPr lang="en-US" sz="2400" dirty="0" smtClean="0"/>
-              <a:t>.</a:t>
+              <a:t>Class to capture current hardware, software and network information about the run time environment for the user process.</a:t>
             </a:r>
           </a:p>
           <a:p>
@@ -7284,122 +6901,43 @@
             <a:pPr lvl="1"/>
             <a:r>
               <a:rPr lang="en-US" sz="2000" dirty="0"/>
-              <a:t>Host operating system software support includes various releases of Cygwin, </a:t>
-            </a:r>
-            <a:r>
-              <a:rPr lang="en-US" sz="2000" dirty="0" smtClean="0"/>
-              <a:t>Linux, </a:t>
-            </a:r>
+              <a:t>Host operating system software support includes various releases of Cygwin, Linux, Mac OS X, Unix, Windows and others.</a:t>
+            </a:r>
+          </a:p>
+          <a:p>
+            <a:pPr lvl="1"/>
             <a:r>
               <a:rPr lang="en-US" sz="2000" dirty="0"/>
-              <a:t>Mac OS X, </a:t>
-            </a:r>
-            <a:r>
-              <a:rPr lang="en-US" sz="2000" dirty="0" smtClean="0"/>
-              <a:t>Unix, Windows </a:t>
-            </a:r>
+              <a:t>Host virtual machine software support includes various releases of Java and Python.</a:t>
+            </a:r>
+          </a:p>
+          <a:p>
+            <a:pPr lvl="1"/>
             <a:r>
               <a:rPr lang="en-US" sz="2000" dirty="0"/>
-              <a:t>and others</a:t>
-            </a:r>
-            <a:r>
-              <a:rPr lang="en-US" sz="2000" dirty="0" smtClean="0"/>
-              <a:t>.</a:t>
+              <a:t>Network identification support includes host name, aliases and </a:t>
+            </a:r>
+            <a:r>
+              <a:rPr lang="en-US" sz="2000" dirty="0" err="1"/>
+              <a:t>ip</a:t>
+            </a:r>
+            <a:r>
+              <a:rPr lang="en-US" sz="2000" dirty="0"/>
+              <a:t>-address list.</a:t>
             </a:r>
           </a:p>
           <a:p>
             <a:pPr lvl="1"/>
             <a:r>
               <a:rPr lang="en-US" sz="2000" dirty="0"/>
-              <a:t>Host virtual machine software support </a:t>
-            </a:r>
-            <a:r>
-              <a:rPr lang="en-US" sz="2000" dirty="0" smtClean="0"/>
-              <a:t>includes various </a:t>
-            </a:r>
-            <a:r>
-              <a:rPr lang="en-US" sz="2000" dirty="0"/>
-              <a:t>releases of Java and Python</a:t>
-            </a:r>
-            <a:r>
-              <a:rPr lang="en-US" sz="2000" dirty="0" smtClean="0"/>
-              <a:t>.</a:t>
-            </a:r>
-            <a:endParaRPr lang="en-US" sz="2000" dirty="0"/>
-          </a:p>
-          <a:p>
-            <a:pPr lvl="1"/>
-            <a:r>
-              <a:rPr lang="en-US" sz="2000" dirty="0" smtClean="0"/>
-              <a:t>Network </a:t>
-            </a:r>
-            <a:r>
-              <a:rPr lang="en-US" sz="2000" dirty="0"/>
-              <a:t>identification support includes host name</a:t>
-            </a:r>
-            <a:r>
-              <a:rPr lang="en-US" sz="2000" dirty="0" smtClean="0"/>
-              <a:t>, aliases </a:t>
-            </a:r>
-            <a:r>
-              <a:rPr lang="en-US" sz="2000" dirty="0"/>
-              <a:t>and </a:t>
-            </a:r>
-            <a:r>
-              <a:rPr lang="en-US" sz="2000" dirty="0" err="1" smtClean="0"/>
-              <a:t>ip</a:t>
-            </a:r>
-            <a:r>
-              <a:rPr lang="en-US" sz="2000" dirty="0" smtClean="0"/>
-              <a:t>-address </a:t>
-            </a:r>
-            <a:r>
-              <a:rPr lang="en-US" sz="2000" dirty="0"/>
-              <a:t>list.</a:t>
-            </a:r>
-          </a:p>
-          <a:p>
-            <a:pPr lvl="1"/>
-            <a:r>
-              <a:rPr lang="en-US" sz="2000" dirty="0" smtClean="0"/>
-              <a:t>Environment </a:t>
-            </a:r>
-            <a:r>
-              <a:rPr lang="en-US" sz="2000" dirty="0"/>
-              <a:t>Variable support includes user, </a:t>
-            </a:r>
-            <a:r>
-              <a:rPr lang="en-US" sz="2000" dirty="0" smtClean="0"/>
-              <a:t>session</a:t>
-            </a:r>
-            <a:r>
-              <a:rPr lang="en-US" sz="2000" dirty="0"/>
-              <a:t>, shell, path and time zone</a:t>
-            </a:r>
-            <a:endParaRPr lang="en-US" sz="2000" dirty="0" smtClean="0"/>
-          </a:p>
-          <a:p>
-            <a:r>
-              <a:rPr lang="en-US" sz="2400" dirty="0" smtClean="0"/>
-              <a:t>It </a:t>
-            </a:r>
+              <a:t>Environment Variable support includes user, session, shell, path and time zone</a:t>
+            </a:r>
+          </a:p>
+          <a:p>
             <a:r>
               <a:rPr lang="en-US" sz="2400" dirty="0"/>
-              <a:t>makes this </a:t>
-            </a:r>
-            <a:r>
-              <a:rPr lang="en-US" sz="2400" dirty="0" smtClean="0"/>
-              <a:t>information available </a:t>
-            </a:r>
-            <a:r>
-              <a:rPr lang="en-US" sz="2400" dirty="0"/>
-              <a:t>via a file (default is "./</a:t>
-            </a:r>
-            <a:r>
-              <a:rPr lang="en-US" sz="2400" dirty="0" smtClean="0"/>
-              <a:t>PlatformRunTimeEnvironment.txt").</a:t>
-            </a:r>
-            <a:endParaRPr lang="en-US" sz="2400" dirty="0"/>
+              <a:t>It makes this information available via a file (default is "./PlatformRunTimeEnvironment.txt").</a:t>
+            </a:r>
           </a:p>
         </p:txBody>
       </p:sp>
@@ -7423,7 +6961,7 @@
             </a:pPr>
             <a:fld id="{65B11A62-63AA-4067-ACEB-AA6A42CE3A38}" type="datetime1">
               <a:rPr lang="en-US" smtClean="0"/>
-              <a:t>11/29/2015</a:t>
+              <a:t>12/23/2016</a:t>
             </a:fld>
             <a:endParaRPr lang="en-US"/>
           </a:p>
@@ -7448,7 +6986,7 @@
               <a:defRPr/>
             </a:pPr>
             <a:r>
-              <a:rPr lang="en-US" smtClean="0"/>
+              <a:rPr lang="en-US"/>
               <a:t>TeamSTARS "tsWxGTUI_PyVx" Toolkit prepared &amp; presented by Richard S. Gordon</a:t>
             </a:r>
             <a:endParaRPr lang="en-US" dirty="0"/>
@@ -7526,30 +7064,20 @@
           <a:p>
             <a:r>
               <a:rPr lang="en-US" dirty="0"/>
-              <a:t>tsReportUtility.py </a:t>
-            </a:r>
-            <a:r>
-              <a:rPr lang="en-US" dirty="0" smtClean="0"/>
-              <a:t>Module </a:t>
-            </a:r>
-            <a:r>
-              <a:rPr lang="en-US" sz="2000" dirty="0" smtClean="0"/>
+              <a:t>tsReportUtility.py Module </a:t>
+            </a:r>
+            <a:r>
+              <a:rPr lang="en-US" sz="2000" dirty="0"/>
               <a:t>(</a:t>
-            </a:r>
-            <a:r>
-              <a:rPr lang="en-US" sz="2000" dirty="0" smtClean="0">
-                <a:hlinkClick r:id="rId2" action="ppaction://hlinksldjump"/>
-              </a:rPr>
-              <a:t>Table </a:t>
             </a:r>
             <a:r>
               <a:rPr lang="en-US" sz="2000" dirty="0">
                 <a:hlinkClick r:id="rId2" action="ppaction://hlinksldjump"/>
               </a:rPr>
-              <a:t>of Contents</a:t>
-            </a:r>
-            <a:r>
-              <a:rPr lang="en-US" sz="2000" dirty="0" smtClean="0"/>
+              <a:t>Table of Contents</a:t>
+            </a:r>
+            <a:r>
+              <a:rPr lang="en-US" sz="2000" dirty="0"/>
               <a:t>)</a:t>
             </a:r>
             <a:endParaRPr lang="en-US" sz="3200" dirty="0"/>
@@ -7572,32 +7100,15 @@
           <a:lstStyle/>
           <a:p>
             <a:r>
-              <a:rPr lang="en-US" sz="2400" dirty="0" smtClean="0"/>
-              <a:t>Class </a:t>
-            </a:r>
-            <a:r>
               <a:rPr lang="en-US" sz="2400" dirty="0"/>
-              <a:t>defining methods used to format </a:t>
-            </a:r>
-            <a:r>
-              <a:rPr lang="en-US" sz="2400" dirty="0" smtClean="0"/>
-              <a:t>information for the operator’s display and log files:</a:t>
-            </a:r>
-            <a:endParaRPr lang="en-US" sz="2400" dirty="0"/>
+              <a:t>Class defining methods used to format information for the operator’s display and log files:</a:t>
+            </a:r>
           </a:p>
           <a:p>
             <a:pPr lvl="1"/>
             <a:r>
               <a:rPr lang="en-US" sz="1800" dirty="0"/>
-              <a:t>Convert file size from numeric and string </a:t>
-            </a:r>
-            <a:r>
-              <a:rPr lang="en-US" sz="1800" dirty="0" smtClean="0"/>
-              <a:t>format with optional </a:t>
-            </a:r>
-            <a:r>
-              <a:rPr lang="en-US" sz="1800" dirty="0"/>
-              <a:t>kilo-, mega-, </a:t>
+              <a:t>Convert file size from numeric and string format with optional kilo-, mega-, </a:t>
             </a:r>
             <a:r>
               <a:rPr lang="en-US" sz="1800" dirty="0" err="1"/>
@@ -7637,148 +7148,62 @@
             </a:r>
             <a:r>
               <a:rPr lang="en-US" sz="1800" dirty="0"/>
-              <a:t>-byte </a:t>
-            </a:r>
-            <a:r>
-              <a:rPr lang="en-US" sz="1800" dirty="0" smtClean="0"/>
-              <a:t>units</a:t>
-            </a:r>
-            <a:endParaRPr lang="en-US" sz="1800" dirty="0"/>
+              <a:t>-byte units</a:t>
+            </a:r>
           </a:p>
           <a:p>
             <a:pPr lvl="1"/>
             <a:r>
-              <a:rPr lang="en-US" sz="1800" dirty="0" smtClean="0"/>
-              <a:t>Convert </a:t>
-            </a:r>
-            <a:r>
               <a:rPr lang="en-US" sz="1800" dirty="0"/>
-              <a:t>time </a:t>
-            </a:r>
-            <a:r>
-              <a:rPr lang="en-US" sz="1800" dirty="0" smtClean="0"/>
-              <a:t>between </a:t>
-            </a:r>
+              <a:t>Convert time between string and seconds formats.</a:t>
+            </a:r>
+          </a:p>
+          <a:p>
+            <a:pPr lvl="1"/>
             <a:r>
               <a:rPr lang="en-US" sz="1800" dirty="0"/>
-              <a:t>string </a:t>
-            </a:r>
-            <a:r>
-              <a:rPr lang="en-US" sz="1800" dirty="0" smtClean="0"/>
-              <a:t>and seconds formats.</a:t>
+              <a:t>Construct a formatted log of multi-level nested Python dictionary contents</a:t>
             </a:r>
           </a:p>
           <a:p>
             <a:pPr lvl="1"/>
             <a:r>
-              <a:rPr lang="en-US" sz="1800" dirty="0" smtClean="0"/>
-              <a:t>Construct a formatted log of multi-level nested Python dictionary contents</a:t>
-            </a:r>
-            <a:endParaRPr lang="en-US" sz="1800" dirty="0"/>
+              <a:rPr lang="en-US" sz="1800" dirty="0"/>
+              <a:t>Construct a string of title and white space to separate one section of text from another.</a:t>
+            </a:r>
           </a:p>
           <a:p>
             <a:pPr lvl="1"/>
             <a:r>
-              <a:rPr lang="en-US" sz="1800" dirty="0" smtClean="0"/>
-              <a:t>Construct a string </a:t>
-            </a:r>
-            <a:r>
               <a:rPr lang="en-US" sz="1800" dirty="0"/>
-              <a:t>of </a:t>
-            </a:r>
-            <a:r>
-              <a:rPr lang="en-US" sz="1800" dirty="0" smtClean="0"/>
-              <a:t>title and </a:t>
-            </a:r>
+              <a:t>Construct a string of white space appropriate for indenting level.</a:t>
+            </a:r>
+          </a:p>
+          <a:p>
+            <a:pPr lvl="1"/>
             <a:r>
               <a:rPr lang="en-US" sz="1800" dirty="0"/>
-              <a:t>white space to separate one section of </a:t>
-            </a:r>
-            <a:r>
-              <a:rPr lang="en-US" sz="1800" dirty="0" smtClean="0"/>
-              <a:t>text from another.</a:t>
+              <a:t>Construct the path to the next log file.</a:t>
             </a:r>
           </a:p>
           <a:p>
             <a:pPr lvl="1"/>
             <a:r>
-              <a:rPr lang="en-US" sz="1800" dirty="0" smtClean="0"/>
-              <a:t>Construct a </a:t>
-            </a:r>
-            <a:r>
               <a:rPr lang="en-US" sz="1800" dirty="0"/>
-              <a:t>string of white </a:t>
-            </a:r>
-            <a:r>
-              <a:rPr lang="en-US" sz="1800" dirty="0" smtClean="0"/>
-              <a:t>space appropriate </a:t>
-            </a:r>
-            <a:r>
-              <a:rPr lang="en-US" sz="1800" dirty="0"/>
-              <a:t>for indenting level</a:t>
-            </a:r>
-            <a:r>
-              <a:rPr lang="en-US" sz="1800" dirty="0" smtClean="0"/>
-              <a:t>.</a:t>
-            </a:r>
-          </a:p>
-          <a:p>
-            <a:pPr lvl="1"/>
-            <a:r>
-              <a:rPr lang="en-US" sz="1800" dirty="0" smtClean="0"/>
-              <a:t>Construct the path to the next log file.</a:t>
-            </a:r>
-          </a:p>
-          <a:p>
-            <a:pPr lvl="1"/>
-            <a:r>
-              <a:rPr lang="en-US" sz="1800" dirty="0" smtClean="0"/>
               <a:t>Create test summary after elapsed time with statistics details on the</a:t>
             </a:r>
           </a:p>
           <a:p>
             <a:pPr lvl="2"/>
             <a:r>
-              <a:rPr lang="en-US" sz="1600" dirty="0" smtClean="0"/>
-              <a:t>Number of (total test runs, passing </a:t>
-            </a:r>
-            <a:r>
               <a:rPr lang="en-US" sz="1600" dirty="0"/>
-              <a:t>test </a:t>
-            </a:r>
-            <a:r>
-              <a:rPr lang="en-US" sz="1600" dirty="0" smtClean="0"/>
-              <a:t>run</a:t>
-            </a:r>
+              <a:t>Number of (total test runs, passing test run subtotal and failing test run subtotal)</a:t>
+            </a:r>
+          </a:p>
+          <a:p>
+            <a:pPr lvl="2"/>
             <a:r>
               <a:rPr lang="en-US" sz="1600" dirty="0"/>
-              <a:t> subtotal</a:t>
-            </a:r>
-            <a:r>
-              <a:rPr lang="en-US" sz="1600" dirty="0" smtClean="0"/>
-              <a:t> and failing </a:t>
-            </a:r>
-            <a:r>
-              <a:rPr lang="en-US" sz="1600" dirty="0"/>
-              <a:t>test </a:t>
-            </a:r>
-            <a:r>
-              <a:rPr lang="en-US" sz="1600" dirty="0" smtClean="0"/>
-              <a:t>run</a:t>
-            </a:r>
-            <a:r>
-              <a:rPr lang="en-US" sz="1600" dirty="0"/>
-              <a:t> </a:t>
-            </a:r>
-            <a:r>
-              <a:rPr lang="en-US" sz="1600" dirty="0" smtClean="0"/>
-              <a:t>subtotal)</a:t>
-            </a:r>
-          </a:p>
-          <a:p>
-            <a:pPr lvl="2"/>
-            <a:r>
-              <a:rPr lang="en-US" sz="1600" dirty="0" smtClean="0"/>
               <a:t>Timestamp (startup, shutdown and elapsed)</a:t>
             </a:r>
           </a:p>
@@ -7804,7 +7229,7 @@
             </a:pPr>
             <a:fld id="{65B11A62-63AA-4067-ACEB-AA6A42CE3A38}" type="datetime1">
               <a:rPr lang="en-US" smtClean="0"/>
-              <a:t>11/29/2015</a:t>
+              <a:t>12/23/2016</a:t>
             </a:fld>
             <a:endParaRPr lang="en-US" dirty="0"/>
           </a:p>
@@ -7829,7 +7254,7 @@
               <a:defRPr/>
             </a:pPr>
             <a:r>
-              <a:rPr lang="en-US" smtClean="0"/>
+              <a:rPr lang="en-US"/>
               <a:t>TeamSTARS "tsWxGTUI_PyVx" Toolkit prepared &amp; presented by Richard S. Gordon</a:t>
             </a:r>
             <a:endParaRPr lang="en-US" dirty="0"/>
@@ -7910,7 +7335,7 @@
               <a:t>tsSysCommands.py Module </a:t>
             </a:r>
             <a:r>
-              <a:rPr lang="en-US" sz="2000" dirty="0" smtClean="0"/>
+              <a:rPr lang="en-US" sz="2000" dirty="0"/>
               <a:t>(</a:t>
             </a:r>
             <a:r>
@@ -7920,7 +7345,7 @@
               <a:t>Table of Contents</a:t>
             </a:r>
             <a:r>
-              <a:rPr lang="en-US" sz="2000" dirty="0" smtClean="0"/>
+              <a:rPr lang="en-US" sz="2000" dirty="0"/>
               <a:t>)</a:t>
             </a:r>
             <a:endParaRPr lang="en-US" sz="3200" dirty="0"/>
@@ -7943,93 +7368,30 @@
           <a:lstStyle/>
           <a:p>
             <a:r>
-              <a:rPr lang="en-US" dirty="0" smtClean="0"/>
-              <a:t>Class </a:t>
-            </a:r>
-            <a:r>
               <a:rPr lang="en-US" dirty="0"/>
-              <a:t>definition and methods </a:t>
-            </a:r>
-            <a:r>
-              <a:rPr lang="en-US" dirty="0" smtClean="0"/>
-              <a:t>for:</a:t>
+              <a:t>Class definition and methods for:</a:t>
             </a:r>
           </a:p>
           <a:p>
             <a:pPr lvl="1"/>
             <a:r>
-              <a:rPr lang="en-US" dirty="0" smtClean="0"/>
-              <a:t>Issuing shell commands to</a:t>
-            </a:r>
-            <a:r>
               <a:rPr lang="en-US" dirty="0"/>
-              <a:t> </a:t>
-            </a:r>
-            <a:r>
-              <a:rPr lang="en-US" dirty="0" smtClean="0"/>
-              <a:t>the host </a:t>
-            </a:r>
+              <a:t>Issuing shell commands to the host operating system</a:t>
+            </a:r>
+          </a:p>
+          <a:p>
+            <a:pPr lvl="1"/>
             <a:r>
               <a:rPr lang="en-US" dirty="0"/>
-              <a:t>operating system</a:t>
-            </a:r>
-            <a:endParaRPr lang="en-US" dirty="0" smtClean="0"/>
+              <a:t>Receiving responses from the host operating system</a:t>
+            </a:r>
           </a:p>
           <a:p>
             <a:pPr lvl="1"/>
             <a:r>
-              <a:rPr lang="en-US" dirty="0" smtClean="0"/>
-              <a:t>Receiving responses </a:t>
-            </a:r>
-            <a:r>
               <a:rPr lang="en-US" dirty="0"/>
-              <a:t>from </a:t>
-            </a:r>
-            <a:r>
-              <a:rPr lang="en-US" dirty="0" smtClean="0"/>
-              <a:t>the host </a:t>
-            </a:r>
-            <a:r>
-              <a:rPr lang="en-US" dirty="0"/>
-              <a:t>operating </a:t>
-            </a:r>
-            <a:r>
-              <a:rPr lang="en-US" dirty="0" smtClean="0"/>
-              <a:t>system</a:t>
-            </a:r>
-            <a:endParaRPr lang="en-US" dirty="0"/>
-          </a:p>
-          <a:p>
-            <a:pPr lvl="1"/>
-            <a:r>
-              <a:rPr lang="en-US" dirty="0" smtClean="0"/>
-              <a:t>Wrapping </a:t>
-            </a:r>
-            <a:r>
-              <a:rPr lang="en-US" dirty="0"/>
-              <a:t>and </a:t>
-            </a:r>
-            <a:r>
-              <a:rPr lang="en-US" dirty="0" smtClean="0"/>
-              <a:t>using </a:t>
-            </a:r>
-            <a:r>
-              <a:rPr lang="en-US" dirty="0"/>
-              <a:t>appropriate Python </a:t>
-            </a:r>
-            <a:r>
-              <a:rPr lang="en-US" dirty="0" smtClean="0"/>
-              <a:t>sub-process    </a:t>
-            </a:r>
-            <a:r>
-              <a:rPr lang="en-US" dirty="0"/>
-              <a:t>module methods</a:t>
-            </a:r>
-            <a:r>
-              <a:rPr lang="en-US" dirty="0" smtClean="0"/>
-              <a:t>.</a:t>
-            </a:r>
-            <a:endParaRPr lang="en-US" dirty="0"/>
+              <a:t>Wrapping and using appropriate Python sub-process    module methods.</a:t>
+            </a:r>
           </a:p>
         </p:txBody>
       </p:sp>
@@ -8053,7 +7415,7 @@
             </a:pPr>
             <a:fld id="{65B11A62-63AA-4067-ACEB-AA6A42CE3A38}" type="datetime1">
               <a:rPr lang="en-US" smtClean="0"/>
-              <a:t>11/29/2015</a:t>
+              <a:t>12/23/2016</a:t>
             </a:fld>
             <a:endParaRPr lang="en-US"/>
           </a:p>
@@ -8078,7 +7440,7 @@
               <a:defRPr/>
             </a:pPr>
             <a:r>
-              <a:rPr lang="en-US" smtClean="0"/>
+              <a:rPr lang="en-US"/>
               <a:t>TeamSTARS "tsWxGTUI_PyVx" Toolkit prepared &amp; presented by Richard S. Gordon</a:t>
             </a:r>
             <a:endParaRPr lang="en-US" dirty="0"/>
@@ -8156,25 +7518,17 @@
           <a:p>
             <a:pPr eaLnBrk="1" hangingPunct="1"/>
             <a:r>
-              <a:rPr lang="en-US" dirty="0" smtClean="0"/>
-              <a:t>Software </a:t>
-            </a:r>
-            <a:r>
-              <a:rPr lang="en-US" dirty="0" smtClean="0"/>
-              <a:t>Development Productivity </a:t>
-            </a:r>
-            <a:r>
-              <a:rPr lang="en-US" dirty="0" smtClean="0"/>
-              <a:t>Tools (</a:t>
-            </a:r>
-            <a:r>
-              <a:rPr lang="en-US" dirty="0" err="1" smtClean="0">
+              <a:rPr lang="en-US" dirty="0"/>
+              <a:t>Software Development Productivity Tools (</a:t>
+            </a:r>
+            <a:r>
+              <a:rPr lang="en-US" dirty="0" err="1">
                 <a:hlinkClick r:id="rId3"/>
               </a:rPr>
               <a:t>tsToolsCLI</a:t>
             </a:r>
             <a:r>
-              <a:rPr lang="en-US" dirty="0" smtClean="0"/>
+              <a:rPr lang="en-US" dirty="0"/>
               <a:t> </a:t>
             </a:r>
             <a:r>
@@ -8182,11 +7536,11 @@
               <a:t>full listing</a:t>
             </a:r>
             <a:r>
-              <a:rPr lang="en-US" dirty="0" smtClean="0"/>
+              <a:rPr lang="en-US" dirty="0"/>
               <a:t>) </a:t>
             </a:r>
             <a:r>
-              <a:rPr lang="en-US" sz="2000" dirty="0" smtClean="0"/>
+              <a:rPr lang="en-US" sz="2000" dirty="0"/>
               <a:t>(</a:t>
             </a:r>
             <a:r>
@@ -8196,10 +7550,10 @@
               <a:t>Table of Contents</a:t>
             </a:r>
             <a:r>
-              <a:rPr lang="en-US" sz="2000" dirty="0" smtClean="0"/>
+              <a:rPr lang="en-US" sz="2000" dirty="0"/>
               <a:t>)</a:t>
             </a:r>
-            <a:endParaRPr lang="en-US" sz="3200" dirty="0" smtClean="0"/>
+            <a:endParaRPr lang="en-US" sz="3200" dirty="0"/>
           </a:p>
         </p:txBody>
       </p:sp>
@@ -8220,49 +7574,49 @@
           <a:p>
             <a:pPr eaLnBrk="1" hangingPunct="1"/>
             <a:r>
-              <a:rPr lang="en-US" dirty="0" smtClean="0"/>
+              <a:rPr lang="en-US" dirty="0"/>
               <a:t>Developer Tools</a:t>
             </a:r>
           </a:p>
           <a:p>
             <a:pPr lvl="1" eaLnBrk="1" hangingPunct="1"/>
             <a:r>
-              <a:rPr lang="en-US" dirty="0" smtClean="0">
+              <a:rPr lang="en-US" dirty="0">
                 <a:hlinkClick r:id="rId5" action="ppaction://hlinksldjump"/>
               </a:rPr>
               <a:t>tsStripComments</a:t>
             </a:r>
-            <a:endParaRPr lang="en-US" dirty="0" smtClean="0"/>
+            <a:endParaRPr lang="en-US" dirty="0"/>
           </a:p>
           <a:p>
             <a:pPr lvl="1" eaLnBrk="1" hangingPunct="1"/>
             <a:r>
-              <a:rPr lang="en-US" dirty="0" smtClean="0">
+              <a:rPr lang="en-US" dirty="0">
                 <a:hlinkClick r:id="rId6" action="ppaction://hlinksldjump"/>
               </a:rPr>
               <a:t>tsStripLineNumbers</a:t>
             </a:r>
-            <a:endParaRPr lang="en-US" dirty="0" smtClean="0"/>
+            <a:endParaRPr lang="en-US" dirty="0"/>
           </a:p>
           <a:p>
             <a:pPr lvl="1" eaLnBrk="1" hangingPunct="1"/>
             <a:r>
-              <a:rPr lang="en-US" dirty="0" smtClean="0">
+              <a:rPr lang="en-US" dirty="0">
                 <a:hlinkClick r:id="rId7" action="ppaction://hlinksldjump"/>
               </a:rPr>
               <a:t>tsTreeCopy</a:t>
             </a:r>
-            <a:endParaRPr lang="en-US" dirty="0" smtClean="0"/>
+            <a:endParaRPr lang="en-US" dirty="0"/>
           </a:p>
           <a:p>
             <a:pPr lvl="1" eaLnBrk="1" hangingPunct="1"/>
             <a:r>
-              <a:rPr lang="en-US" dirty="0" smtClean="0">
+              <a:rPr lang="en-US" dirty="0">
                 <a:hlinkClick r:id="rId8" action="ppaction://hlinksldjump"/>
               </a:rPr>
               <a:t>tsTreeTrimLines.py</a:t>
             </a:r>
-            <a:endParaRPr lang="en-US" dirty="0" smtClean="0"/>
+            <a:endParaRPr lang="en-US" dirty="0"/>
           </a:p>
           <a:p>
             <a:pPr eaLnBrk="1" hangingPunct="1"/>
@@ -8274,7 +7628,7 @@
           <a:p>
             <a:pPr lvl="1" eaLnBrk="1" hangingPunct="1"/>
             <a:r>
-              <a:rPr lang="en-US" dirty="0" smtClean="0">
+              <a:rPr lang="en-US" dirty="0">
                 <a:hlinkClick r:id="rId9" action="ppaction://hlinksldjump"/>
               </a:rPr>
               <a:t>tsPlatformQuery</a:t>
@@ -8299,7 +7653,7 @@
           <a:lstStyle/>
           <a:p>
             <a:r>
-              <a:rPr lang="en-US" dirty="0" smtClean="0"/>
+              <a:rPr lang="en-US" dirty="0"/>
               <a:t>Project Tools</a:t>
             </a:r>
           </a:p>
@@ -8334,9 +7688,9 @@
           <a:p>
             <a:fld id="{B83EAEC6-4CE3-47FF-8FF6-95CE169A5AF2}" type="datetime1">
               <a:rPr lang="en-US" smtClean="0"/>
-              <a:t>11/29/2015</a:t>
+              <a:t>12/23/2016</a:t>
             </a:fld>
-            <a:endParaRPr lang="en-US" smtClean="0"/>
+            <a:endParaRPr lang="en-US"/>
           </a:p>
         </p:txBody>
       </p:sp>
@@ -8358,7 +7712,7 @@
           <a:lstStyle/>
           <a:p>
             <a:r>
-              <a:rPr lang="en-US" dirty="0" smtClean="0"/>
+              <a:rPr lang="en-US" dirty="0"/>
               <a:t>TeamSTARS "tsWxGTUI_PyVx" Toolkit prepared &amp; presented by Richard S. Gordon</a:t>
             </a:r>
           </a:p>
@@ -8401,13 +7755,6 @@
     <a:masterClrMapping/>
   </p:clrMapOvr>
   <p:transition/>
-  <p:timing>
-    <p:tnLst>
-      <p:par>
-        <p:cTn id="1" dur="indefinite" restart="never" nodeType="tmRoot"/>
-      </p:par>
-    </p:tnLst>
-  </p:timing>
 </p:sld>
 </file>
 
@@ -8448,7 +7795,7 @@
               <a:t>tsStripComments.py Module </a:t>
             </a:r>
             <a:r>
-              <a:rPr lang="en-US" sz="2000" dirty="0" smtClean="0"/>
+              <a:rPr lang="en-US" sz="2000" dirty="0"/>
               <a:t>(</a:t>
             </a:r>
             <a:r>
@@ -8458,7 +7805,7 @@
               <a:t>Table of Contents</a:t>
             </a:r>
             <a:r>
-              <a:rPr lang="en-US" sz="2000" dirty="0" smtClean="0"/>
+              <a:rPr lang="en-US" sz="2000" dirty="0"/>
               <a:t>)</a:t>
             </a:r>
             <a:endParaRPr lang="en-US" sz="3200" dirty="0"/>
@@ -8482,145 +7829,44 @@
           <a:p>
             <a:r>
               <a:rPr lang="en-US" sz="2400" dirty="0"/>
-              <a:t>Python application program, l</a:t>
-            </a:r>
-            <a:r>
-              <a:rPr lang="en-US" sz="2400" dirty="0" smtClean="0"/>
-              <a:t>aunched via a </a:t>
-            </a:r>
-            <a:r>
-              <a:rPr lang="en-US" sz="2400" dirty="0"/>
-              <a:t>Command Line Interface (CLI</a:t>
-            </a:r>
-            <a:r>
-              <a:rPr lang="en-US" sz="2400" dirty="0" smtClean="0"/>
-              <a:t>) with options for the operator to designate input and output directories.</a:t>
+              <a:t>Python application program, launched via a Command Line Interface (CLI) with options for the operator to designate input and output directories.</a:t>
             </a:r>
           </a:p>
           <a:p>
             <a:pPr lvl="1"/>
             <a:r>
-              <a:rPr lang="en-US" sz="2000" dirty="0" smtClean="0"/>
-              <a:t>The application transforms </a:t>
-            </a:r>
-            <a:r>
               <a:rPr lang="en-US" sz="2000" dirty="0"/>
-              <a:t>an annotated</a:t>
-            </a:r>
-            <a:r>
-              <a:rPr lang="en-US" sz="2000" dirty="0" smtClean="0"/>
-              <a:t>, development </a:t>
-            </a:r>
+              <a:t>The application transforms an annotated, development version of a directory containing subdirectories and Python source files into an unannotated copy.</a:t>
+            </a:r>
+          </a:p>
+          <a:p>
+            <a:pPr lvl="1"/>
             <a:r>
               <a:rPr lang="en-US" sz="2000" dirty="0"/>
-              <a:t>version of a directory </a:t>
-            </a:r>
-            <a:r>
-              <a:rPr lang="en-US" sz="2000" dirty="0" smtClean="0"/>
-              <a:t>containing subdirectories and </a:t>
-            </a:r>
+              <a:t>The unannotated copy is intended to conserve storage space when installed in an embedded system.</a:t>
+            </a:r>
+          </a:p>
+          <a:p>
+            <a:pPr lvl="1"/>
             <a:r>
               <a:rPr lang="en-US" sz="2000" dirty="0"/>
-              <a:t>Python source files into an </a:t>
-            </a:r>
-            <a:r>
-              <a:rPr lang="en-US" sz="2000" dirty="0" smtClean="0"/>
-              <a:t>unannotated </a:t>
+              <a:t>The transformation involves stripping comments and “</a:t>
+            </a:r>
+            <a:r>
+              <a:rPr lang="en-US" sz="2000" dirty="0" err="1"/>
+              <a:t>docstrings</a:t>
             </a:r>
             <a:r>
               <a:rPr lang="en-US" sz="2000" dirty="0"/>
-              <a:t>copy</a:t>
-            </a:r>
-            <a:r>
-              <a:rPr lang="en-US" sz="2000" dirty="0" smtClean="0"/>
-              <a:t>.</a:t>
+              <a:t>” by detokenizing a tokenized version of each Python source file.</a:t>
             </a:r>
           </a:p>
           <a:p>
             <a:pPr lvl="1"/>
             <a:r>
-              <a:rPr lang="en-US" sz="2000" dirty="0" smtClean="0"/>
-              <a:t>The </a:t>
-            </a:r>
-            <a:r>
               <a:rPr lang="en-US" sz="2000" dirty="0"/>
-              <a:t>unannotated </a:t>
-            </a:r>
-            <a:r>
-              <a:rPr lang="en-US" sz="2000" dirty="0" smtClean="0"/>
-              <a:t>copy </a:t>
-            </a:r>
-            <a:r>
-              <a:rPr lang="en-US" sz="2000" dirty="0"/>
-              <a:t>is intended to conserve storage space when </a:t>
-            </a:r>
-            <a:r>
-              <a:rPr lang="en-US" sz="2000" dirty="0" smtClean="0"/>
-              <a:t>installed in </a:t>
-            </a:r>
-            <a:r>
-              <a:rPr lang="en-US" sz="2000" dirty="0"/>
-              <a:t>an embedded system</a:t>
-            </a:r>
-            <a:r>
-              <a:rPr lang="en-US" sz="2000" dirty="0" smtClean="0"/>
-              <a:t>.</a:t>
-            </a:r>
-          </a:p>
-          <a:p>
-            <a:pPr lvl="1"/>
-            <a:r>
-              <a:rPr lang="en-US" sz="2000" dirty="0" smtClean="0"/>
-              <a:t>The </a:t>
-            </a:r>
-            <a:r>
-              <a:rPr lang="en-US" sz="2000" dirty="0"/>
-              <a:t>transformation </a:t>
-            </a:r>
-            <a:r>
-              <a:rPr lang="en-US" sz="2000" dirty="0" smtClean="0"/>
-              <a:t>involves stripping </a:t>
-            </a:r>
-            <a:r>
-              <a:rPr lang="en-US" sz="2000" dirty="0"/>
-              <a:t>comments and </a:t>
-            </a:r>
-            <a:r>
-              <a:rPr lang="en-US" sz="2000" dirty="0" smtClean="0"/>
-              <a:t>“</a:t>
-            </a:r>
-            <a:r>
-              <a:rPr lang="en-US" sz="2000" dirty="0" err="1" smtClean="0"/>
-              <a:t>docstrings</a:t>
-            </a:r>
-            <a:r>
-              <a:rPr lang="en-US" sz="2000" dirty="0" smtClean="0"/>
-              <a:t>” by detokenizing a tokenized </a:t>
-            </a:r>
-            <a:r>
-              <a:rPr lang="en-US" sz="2000" dirty="0"/>
-              <a:t>version of each Python source </a:t>
-            </a:r>
-            <a:r>
-              <a:rPr lang="en-US" sz="2000" dirty="0" smtClean="0"/>
-              <a:t>file.</a:t>
-            </a:r>
-          </a:p>
-          <a:p>
-            <a:pPr lvl="1"/>
-            <a:r>
-              <a:rPr lang="en-US" sz="2000" dirty="0" smtClean="0"/>
-              <a:t>Non-Python files </a:t>
-            </a:r>
-            <a:r>
-              <a:rPr lang="en-US" sz="2000" dirty="0"/>
-              <a:t>are trimmed of trailing whitespace</a:t>
-            </a:r>
-            <a:r>
-              <a:rPr lang="en-US" sz="2000" dirty="0" smtClean="0"/>
-              <a:t>.</a:t>
-            </a:r>
-            <a:endParaRPr lang="en-US" sz="2000" dirty="0"/>
+              <a:t>Non-Python files are trimmed of trailing whitespace.</a:t>
+            </a:r>
           </a:p>
         </p:txBody>
       </p:sp>
@@ -8644,7 +7890,7 @@
             </a:pPr>
             <a:fld id="{44D06F95-D493-494F-B0EB-3EDFAA385886}" type="datetime1">
               <a:rPr lang="en-US" smtClean="0"/>
-              <a:t>11/29/2015</a:t>
+              <a:t>12/23/2016</a:t>
             </a:fld>
             <a:endParaRPr lang="en-US"/>
           </a:p>
@@ -8669,22 +7915,21 @@
               <a:defRPr/>
             </a:pPr>
             <a:r>
-              <a:rPr lang="en-US" dirty="0" err="1" smtClean="0"/>
+              <a:rPr lang="en-US" dirty="0" err="1"/>
               <a:t>TeamSTARS</a:t>
             </a:r>
             <a:r>
-              <a:rPr lang="en-US" dirty="0" smtClean="0"/>
+              <a:rPr lang="en-US" dirty="0"/>
               <a:t> "</a:t>
             </a:r>
             <a:r>
-              <a:rPr lang="en-US" dirty="0" err="1" smtClean="0"/>
+              <a:rPr lang="en-US" dirty="0" err="1"/>
               <a:t>tsWxGTUI_PyVx</a:t>
             </a:r>
             <a:r>
-              <a:rPr lang="en-US" dirty="0" smtClean="0"/>
+              <a:rPr lang="en-US" dirty="0"/>
               <a:t>" Toolkit prepared &amp; presented by Richard S. Gordon</a:t>
             </a:r>
-            <a:endParaRPr lang="en-US" dirty="0"/>
           </a:p>
         </p:txBody>
       </p:sp>
@@ -8759,23 +8004,23 @@
           <a:p>
             <a:pPr eaLnBrk="1" hangingPunct="1"/>
             <a:r>
-              <a:rPr lang="en-US" dirty="0" smtClean="0"/>
+              <a:rPr lang="en-US" dirty="0"/>
               <a:t>Table of Contents </a:t>
             </a:r>
             <a:r>
-              <a:rPr lang="en-US" sz="2000" dirty="0" smtClean="0"/>
+              <a:rPr lang="en-US" sz="2000" dirty="0"/>
               <a:t>(</a:t>
             </a:r>
             <a:r>
-              <a:rPr lang="en-US" sz="2000" i="1" dirty="0" smtClean="0"/>
+              <a:rPr lang="en-US" sz="2000" i="1" dirty="0"/>
               <a:t>with slide show</a:t>
             </a:r>
             <a:r>
-              <a:rPr lang="en-US" sz="2000" dirty="0" smtClean="0"/>
+              <a:rPr lang="en-US" sz="2000" dirty="0"/>
               <a:t> </a:t>
             </a:r>
             <a:r>
-              <a:rPr lang="en-US" sz="2000" u="sng" dirty="0" smtClean="0">
+              <a:rPr lang="en-US" sz="2000" u="sng" dirty="0">
                 <a:solidFill>
                   <a:srgbClr val="FF0000"/>
                 </a:solidFill>
@@ -8783,7 +8028,7 @@
               <a:t>Hyperlinks</a:t>
             </a:r>
             <a:r>
-              <a:rPr lang="en-US" sz="2000" dirty="0" smtClean="0"/>
+              <a:rPr lang="en-US" sz="2000" dirty="0"/>
               <a:t>)</a:t>
             </a:r>
           </a:p>
@@ -8808,13 +8053,13 @@
               <a:buSzPct val="60000"/>
             </a:pPr>
             <a:r>
-              <a:rPr lang="en-US" dirty="0" smtClean="0">
+              <a:rPr lang="en-US" dirty="0">
                 <a:hlinkClick r:id="rId3" action="ppaction://hlinksldjump"/>
               </a:rPr>
               <a:t>tsLibCLI </a:t>
             </a:r>
             <a:r>
-              <a:rPr lang="en-US" dirty="0" smtClean="0"/>
+              <a:rPr lang="en-US" dirty="0"/>
               <a:t>--- Library of building block components</a:t>
             </a:r>
           </a:p>
@@ -8823,13 +8068,13 @@
               <a:buSzPct val="60000"/>
             </a:pPr>
             <a:r>
-              <a:rPr lang="en-US" dirty="0" smtClean="0">
+              <a:rPr lang="en-US" dirty="0">
                 <a:hlinkClick r:id="rId4" action="ppaction://hlinksldjump"/>
               </a:rPr>
               <a:t>tsToolsCLI</a:t>
             </a:r>
             <a:r>
-              <a:rPr lang="en-US" dirty="0" smtClean="0"/>
+              <a:rPr lang="en-US" dirty="0"/>
               <a:t> --- Collection of development productivity tools</a:t>
             </a:r>
           </a:p>
@@ -8837,27 +8082,16 @@
             <a:pPr marL="342900" lvl="1" indent="-342900">
               <a:buSzPct val="60000"/>
             </a:pPr>
-            <a:r>
-              <a:rPr lang="en-US" dirty="0" smtClean="0">
-                <a:hlinkClick r:id="rId5" action="ppaction://hlinksldjump"/>
-              </a:rPr>
-              <a:t>Distributed System Procedures</a:t>
-            </a:r>
             <a:r>
               <a:rPr lang="en-US" dirty="0">
                 <a:hlinkClick r:id="rId5" action="ppaction://hlinksldjump"/>
               </a:rPr>
-              <a:t> </a:t>
+              <a:t>Distributed System Procedures </a:t>
             </a:r>
             <a:r>
               <a:rPr lang="en-US" dirty="0"/>
-              <a:t>--- </a:t>
-            </a:r>
-            <a:r>
-              <a:rPr lang="en-US" dirty="0" smtClean="0"/>
-              <a:t>Commands which operate one or more remote computer systems from the terminal attached to the local computer system. Each operating system’s on-line manual pages provide applicable details.</a:t>
-            </a:r>
-            <a:endParaRPr lang="en-US" dirty="0"/>
+              <a:t>--- Commands which operate one or more remote computer systems from the terminal attached to the local computer system. Each operating system’s on-line manual pages provide applicable details.</a:t>
+            </a:r>
           </a:p>
         </p:txBody>
       </p:sp>
@@ -8880,9 +8114,9 @@
           <a:p>
             <a:fld id="{594743C1-DE31-4E12-9F9F-1BA9DE6E7B96}" type="datetime1">
               <a:rPr lang="en-US" smtClean="0"/>
-              <a:t>11/29/2015</a:t>
+              <a:t>12/23/2016</a:t>
             </a:fld>
-            <a:endParaRPr lang="en-US" smtClean="0"/>
+            <a:endParaRPr lang="en-US"/>
           </a:p>
         </p:txBody>
       </p:sp>
@@ -8942,13 +8176,6 @@
     <a:masterClrMapping/>
   </p:clrMapOvr>
   <p:transition/>
-  <p:timing>
-    <p:tnLst>
-      <p:par>
-        <p:cTn id="1" dur="indefinite" restart="never" nodeType="tmRoot"/>
-      </p:par>
-    </p:tnLst>
-  </p:timing>
 </p:sld>
 </file>
 
@@ -8989,7 +8216,7 @@
               <a:t>tsStripLineNumbers.py Module </a:t>
             </a:r>
             <a:r>
-              <a:rPr lang="en-US" sz="2000" dirty="0" smtClean="0"/>
+              <a:rPr lang="en-US" sz="2000" dirty="0"/>
               <a:t>(</a:t>
             </a:r>
             <a:r>
@@ -8999,7 +8226,7 @@
               <a:t>Table of Contents</a:t>
             </a:r>
             <a:r>
-              <a:rPr lang="en-US" sz="2000" dirty="0" smtClean="0"/>
+              <a:rPr lang="en-US" sz="2000" dirty="0"/>
               <a:t>)</a:t>
             </a:r>
             <a:endParaRPr lang="en-US" sz="3200" dirty="0"/>
@@ -9023,70 +8250,14 @@
           <a:p>
             <a:r>
               <a:rPr lang="en-US" dirty="0"/>
-              <a:t>Python application program, </a:t>
-            </a:r>
-            <a:r>
-              <a:rPr lang="en-US" dirty="0" smtClean="0"/>
-              <a:t>launched via a </a:t>
-            </a:r>
+              <a:t>Python application program, launched via a Command Line Interface (CLI) with options for the operator to designate input and output directories.</a:t>
+            </a:r>
+          </a:p>
+          <a:p>
+            <a:pPr lvl="1"/>
             <a:r>
               <a:rPr lang="en-US" dirty="0"/>
-              <a:t>Command Line Interface (CLI</a:t>
-            </a:r>
-            <a:r>
-              <a:rPr lang="en-US" dirty="0" smtClean="0"/>
-              <a:t>)</a:t>
-            </a:r>
-            <a:r>
-              <a:rPr lang="en-US" dirty="0"/>
-              <a:t> with options for the operator to designate input and output </a:t>
-            </a:r>
-            <a:r>
-              <a:rPr lang="en-US" dirty="0" smtClean="0"/>
-              <a:t>directories.</a:t>
-            </a:r>
-          </a:p>
-          <a:p>
-            <a:pPr lvl="1"/>
-            <a:r>
-              <a:rPr lang="en-US" dirty="0" smtClean="0"/>
-              <a:t>Application strips </a:t>
-            </a:r>
-            <a:r>
-              <a:rPr lang="en-US" dirty="0"/>
-              <a:t>line </a:t>
-            </a:r>
-            <a:r>
-              <a:rPr lang="en-US" dirty="0" smtClean="0"/>
-              <a:t>numbers from </a:t>
-            </a:r>
-            <a:r>
-              <a:rPr lang="en-US" dirty="0"/>
-              <a:t>source code (such as </a:t>
-            </a:r>
-            <a:r>
-              <a:rPr lang="en-US" dirty="0" smtClean="0"/>
-              <a:t>from annotated documentation listings</a:t>
-            </a:r>
-            <a:r>
-              <a:rPr lang="en-US" dirty="0"/>
-              <a:t>) that </a:t>
-            </a:r>
-            <a:r>
-              <a:rPr lang="en-US" dirty="0" smtClean="0"/>
-              <a:t>would not be required as </a:t>
-            </a:r>
-            <a:r>
-              <a:rPr lang="en-US" dirty="0"/>
-              <a:t>reference </a:t>
-            </a:r>
-            <a:r>
-              <a:rPr lang="en-US" dirty="0" smtClean="0"/>
-              <a:t>points </a:t>
-            </a:r>
-            <a:r>
-              <a:rPr lang="en-US" dirty="0"/>
-              <a:t>for conditional branching.</a:t>
+              <a:t>Application strips line numbers from source code (such as from annotated documentation listings) that would not be required as reference points for conditional branching.</a:t>
             </a:r>
           </a:p>
         </p:txBody>
@@ -9111,7 +8282,7 @@
             </a:pPr>
             <a:fld id="{44D06F95-D493-494F-B0EB-3EDFAA385886}" type="datetime1">
               <a:rPr lang="en-US" smtClean="0"/>
-              <a:t>11/29/2015</a:t>
+              <a:t>12/23/2016</a:t>
             </a:fld>
             <a:endParaRPr lang="en-US"/>
           </a:p>
@@ -9136,7 +8307,7 @@
               <a:defRPr/>
             </a:pPr>
             <a:r>
-              <a:rPr lang="en-US" smtClean="0"/>
+              <a:rPr lang="en-US"/>
               <a:t>TeamSTARS "tsWxGTUI_PyVx" Toolkit prepared &amp; presented by Richard S. Gordon</a:t>
             </a:r>
             <a:endParaRPr lang="en-US" dirty="0"/>
@@ -9217,7 +8388,7 @@
               <a:t>tsTreeCopy.py Module </a:t>
             </a:r>
             <a:r>
-              <a:rPr lang="en-US" sz="2000" dirty="0" smtClean="0"/>
+              <a:rPr lang="en-US" sz="2000" dirty="0"/>
               <a:t>(</a:t>
             </a:r>
             <a:r>
@@ -9227,7 +8398,7 @@
               <a:t>Table of Contents</a:t>
             </a:r>
             <a:r>
-              <a:rPr lang="en-US" sz="2000" dirty="0" smtClean="0"/>
+              <a:rPr lang="en-US" sz="2000" dirty="0"/>
               <a:t>)</a:t>
             </a:r>
             <a:endParaRPr lang="en-US" sz="3200" dirty="0"/>
@@ -9251,42 +8422,14 @@
           <a:p>
             <a:r>
               <a:rPr lang="en-US" dirty="0"/>
-              <a:t>Python application program, launched via a Command Line Interface (CLI) with options for the operator to designate input and output directories</a:t>
-            </a:r>
-            <a:r>
-              <a:rPr lang="en-US" dirty="0" smtClean="0"/>
-              <a:t>.</a:t>
+              <a:t>Python application program, launched via a Command Line Interface (CLI) with options for the operator to designate input and output directories.</a:t>
             </a:r>
           </a:p>
           <a:p>
             <a:pPr lvl="1"/>
             <a:r>
               <a:rPr lang="en-US" dirty="0"/>
-              <a:t>A</a:t>
-            </a:r>
-            <a:r>
-              <a:rPr lang="en-US" dirty="0" smtClean="0"/>
-              <a:t>pplication copies </a:t>
-            </a:r>
-            <a:r>
-              <a:rPr lang="en-US" dirty="0"/>
-              <a:t>the </a:t>
-            </a:r>
-            <a:r>
-              <a:rPr lang="en-US" dirty="0" smtClean="0"/>
-              <a:t>files and </a:t>
-            </a:r>
-            <a:r>
-              <a:rPr lang="en-US" dirty="0"/>
-              <a:t>directories contained in </a:t>
-            </a:r>
-            <a:r>
-              <a:rPr lang="en-US" dirty="0" smtClean="0"/>
-              <a:t>an input source directory to an output </a:t>
-            </a:r>
-            <a:r>
-              <a:rPr lang="en-US" dirty="0"/>
-              <a:t>target directory.</a:t>
+              <a:t>Application copies the files and directories contained in an input source directory to an output target directory.</a:t>
             </a:r>
           </a:p>
           <a:p>
@@ -9318,7 +8461,7 @@
             </a:pPr>
             <a:fld id="{44D06F95-D493-494F-B0EB-3EDFAA385886}" type="datetime1">
               <a:rPr lang="en-US" smtClean="0"/>
-              <a:t>11/29/2015</a:t>
+              <a:t>12/23/2016</a:t>
             </a:fld>
             <a:endParaRPr lang="en-US"/>
           </a:p>
@@ -9343,7 +8486,7 @@
               <a:defRPr/>
             </a:pPr>
             <a:r>
-              <a:rPr lang="en-US" smtClean="0"/>
+              <a:rPr lang="en-US"/>
               <a:t>TeamSTARS "tsWxGTUI_PyVx" Toolkit prepared &amp; presented by Richard S. Gordon</a:t>
             </a:r>
             <a:endParaRPr lang="en-US" dirty="0"/>
@@ -9424,7 +8567,7 @@
               <a:t>tsTreeTrimLines.py Module </a:t>
             </a:r>
             <a:r>
-              <a:rPr lang="en-US" sz="2000" dirty="0" smtClean="0"/>
+              <a:rPr lang="en-US" sz="2000" dirty="0"/>
               <a:t>(</a:t>
             </a:r>
             <a:r>
@@ -9434,7 +8577,7 @@
               <a:t>Table of Contents</a:t>
             </a:r>
             <a:r>
-              <a:rPr lang="en-US" sz="2000" dirty="0" smtClean="0"/>
+              <a:rPr lang="en-US" sz="2000" dirty="0"/>
               <a:t>)</a:t>
             </a:r>
             <a:endParaRPr lang="en-US" sz="3200" dirty="0"/>
@@ -9458,40 +8601,15 @@
           <a:p>
             <a:r>
               <a:rPr lang="en-US" dirty="0"/>
-              <a:t>Python application program, launched via a Command Line Interface (CLI) with options for the operator to designate input and output directories</a:t>
-            </a:r>
-            <a:r>
-              <a:rPr lang="en-US" dirty="0" smtClean="0"/>
-              <a:t>.</a:t>
+              <a:t>Python application program, launched via a Command Line Interface (CLI) with options for the operator to designate input and output directories.</a:t>
             </a:r>
           </a:p>
           <a:p>
             <a:pPr lvl="1"/>
             <a:r>
               <a:rPr lang="en-US" dirty="0"/>
-              <a:t>Application copies the files and directories contained in an input source directory to an output target </a:t>
-            </a:r>
-            <a:r>
-              <a:rPr lang="en-US" dirty="0" smtClean="0"/>
-              <a:t>directory after </a:t>
-            </a:r>
-            <a:r>
-              <a:rPr lang="en-US" dirty="0"/>
-              <a:t>stripping superfluous white </a:t>
-            </a:r>
-            <a:r>
-              <a:rPr lang="en-US" dirty="0" smtClean="0"/>
-              <a:t>space (</a:t>
-            </a:r>
-            <a:r>
-              <a:rPr lang="en-US" dirty="0"/>
-              <a:t>blanks) from end of each line</a:t>
-            </a:r>
-            <a:r>
-              <a:rPr lang="en-US" dirty="0" smtClean="0"/>
-              <a:t>.</a:t>
-            </a:r>
-            <a:endParaRPr lang="en-US" dirty="0"/>
+              <a:t>Application copies the files and directories contained in an input source directory to an output target directory after stripping superfluous white space (blanks) from end of each line.</a:t>
+            </a:r>
           </a:p>
           <a:p>
             <a:endParaRPr lang="en-US" dirty="0"/>
@@ -9518,7 +8636,7 @@
             </a:pPr>
             <a:fld id="{44D06F95-D493-494F-B0EB-3EDFAA385886}" type="datetime1">
               <a:rPr lang="en-US" smtClean="0"/>
-              <a:t>11/29/2015</a:t>
+              <a:t>12/23/2016</a:t>
             </a:fld>
             <a:endParaRPr lang="en-US"/>
           </a:p>
@@ -9543,7 +8661,7 @@
               <a:defRPr/>
             </a:pPr>
             <a:r>
-              <a:rPr lang="en-US" smtClean="0"/>
+              <a:rPr lang="en-US"/>
               <a:t>TeamSTARS "tsWxGTUI_PyVx" Toolkit prepared &amp; presented by Richard S. Gordon</a:t>
             </a:r>
             <a:endParaRPr lang="en-US" dirty="0"/>
@@ -9624,7 +8742,7 @@
               <a:t>tsPlatformQuery.py Module </a:t>
             </a:r>
             <a:r>
-              <a:rPr lang="en-US" sz="2000" dirty="0" smtClean="0"/>
+              <a:rPr lang="en-US" sz="2000" dirty="0"/>
               <a:t>(</a:t>
             </a:r>
             <a:r>
@@ -9634,7 +8752,7 @@
               <a:t>Table of Contents</a:t>
             </a:r>
             <a:r>
-              <a:rPr lang="en-US" sz="2000" dirty="0" smtClean="0"/>
+              <a:rPr lang="en-US" sz="2000" dirty="0"/>
               <a:t>)</a:t>
             </a:r>
             <a:endParaRPr lang="en-US" sz="3200" dirty="0"/>
@@ -9658,60 +8776,24 @@
           <a:p>
             <a:r>
               <a:rPr lang="en-US" dirty="0"/>
-              <a:t>Python application program, launched via a Command Line Interface (CLI) with options for the operator to designate input and output directories</a:t>
-            </a:r>
-            <a:r>
-              <a:rPr lang="en-US" dirty="0" smtClean="0"/>
-              <a:t>.</a:t>
+              <a:t>Python application program, launched via a Command Line Interface (CLI) with options for the operator to designate input and output directories.</a:t>
             </a:r>
           </a:p>
           <a:p>
             <a:pPr lvl="1"/>
             <a:r>
               <a:rPr lang="en-US" dirty="0"/>
-              <a:t>Application </a:t>
-            </a:r>
-            <a:r>
-              <a:rPr lang="en-US" dirty="0" smtClean="0"/>
-              <a:t>uses </a:t>
-            </a:r>
-            <a:r>
-              <a:rPr lang="en-US" dirty="0" smtClean="0">
+              <a:t>Application uses </a:t>
+            </a:r>
+            <a:r>
+              <a:rPr lang="en-US" dirty="0">
                 <a:hlinkClick r:id="rId3" action="ppaction://hlinksldjump"/>
               </a:rPr>
               <a:t>tsPlatformRunTimeEnvironment </a:t>
             </a:r>
             <a:r>
-              <a:rPr lang="en-US" dirty="0" smtClean="0"/>
-              <a:t>module </a:t>
-            </a:r>
-            <a:r>
               <a:rPr lang="en-US" dirty="0"/>
-              <a:t>to capture </a:t>
-            </a:r>
-            <a:r>
-              <a:rPr lang="en-US" dirty="0" smtClean="0"/>
-              <a:t>and report current </a:t>
-            </a:r>
-            <a:r>
-              <a:rPr lang="en-US" dirty="0"/>
-              <a:t>hardware </a:t>
-            </a:r>
-            <a:r>
-              <a:rPr lang="en-US" dirty="0" smtClean="0"/>
-              <a:t>and software </a:t>
-            </a:r>
-            <a:r>
-              <a:rPr lang="en-US" dirty="0"/>
-              <a:t>information about the run time </a:t>
-            </a:r>
-            <a:r>
-              <a:rPr lang="en-US" dirty="0" smtClean="0"/>
-              <a:t>environment available </a:t>
-            </a:r>
-            <a:r>
-              <a:rPr lang="en-US" dirty="0"/>
-              <a:t>to computer programs.</a:t>
+              <a:t>module to capture and report current hardware and software information about the run time environment available to computer programs.</a:t>
             </a:r>
           </a:p>
           <a:p>
@@ -9739,7 +8821,7 @@
             </a:pPr>
             <a:fld id="{44D06F95-D493-494F-B0EB-3EDFAA385886}" type="datetime1">
               <a:rPr lang="en-US" smtClean="0"/>
-              <a:t>11/29/2015</a:t>
+              <a:t>12/23/2016</a:t>
             </a:fld>
             <a:endParaRPr lang="en-US"/>
           </a:p>
@@ -9764,7 +8846,7 @@
               <a:defRPr/>
             </a:pPr>
             <a:r>
-              <a:rPr lang="en-US" smtClean="0"/>
+              <a:rPr lang="en-US"/>
               <a:t>TeamSTARS "tsWxGTUI_PyVx" Toolkit prepared &amp; presented by Richard S. Gordon</a:t>
             </a:r>
             <a:endParaRPr lang="en-US" dirty="0"/>
@@ -9844,9 +8926,9 @@
           <a:p>
             <a:fld id="{B6B15CA1-2409-4C93-81ED-1B97AA5E48A9}" type="datetime1">
               <a:rPr lang="en-US" smtClean="0"/>
-              <a:t>11/29/2015</a:t>
+              <a:t>12/23/2016</a:t>
             </a:fld>
-            <a:endParaRPr lang="en-US" smtClean="0"/>
+            <a:endParaRPr lang="en-US"/>
           </a:p>
         </p:txBody>
       </p:sp>
@@ -9868,7 +8950,7 @@
           <a:lstStyle/>
           <a:p>
             <a:r>
-              <a:rPr lang="en-US" dirty="0" smtClean="0"/>
+              <a:rPr lang="en-US" dirty="0"/>
               <a:t>TeamSTARS "tsWxGTUI_PyVx" Toolkit prepared &amp; presented by Richard S. Gordon</a:t>
             </a:r>
           </a:p>
@@ -9918,25 +9000,17 @@
             <a:pPr eaLnBrk="1" hangingPunct="1"/>
             <a:r>
               <a:rPr lang="en-US" dirty="0"/>
-              <a:t>tsLinesOfCodeProjectMetrics.py </a:t>
-            </a:r>
-            <a:r>
-              <a:rPr lang="en-US" dirty="0" smtClean="0"/>
-              <a:t>Module</a:t>
+              <a:t>tsLinesOfCodeProjectMetrics.py Module</a:t>
             </a:r>
             <a:br>
-              <a:rPr lang="en-US" dirty="0" smtClean="0"/>
+              <a:rPr lang="en-US" dirty="0"/>
             </a:br>
             <a:r>
               <a:rPr lang="en-US" dirty="0"/>
-              <a:t>and </a:t>
-            </a:r>
-            <a:r>
-              <a:rPr lang="en-US" dirty="0" smtClean="0"/>
-              <a:t>Building Block Modules </a:t>
-            </a:r>
-            <a:r>
-              <a:rPr lang="en-US" sz="2000" dirty="0" smtClean="0"/>
+              <a:t>and Building Block Modules </a:t>
+            </a:r>
+            <a:r>
+              <a:rPr lang="en-US" sz="2000" dirty="0"/>
               <a:t>(</a:t>
             </a:r>
             <a:r>
@@ -9946,10 +9020,10 @@
               <a:t>Table of Contents</a:t>
             </a:r>
             <a:r>
-              <a:rPr lang="en-US" sz="2000" dirty="0" smtClean="0"/>
+              <a:rPr lang="en-US" sz="2000" dirty="0"/>
               <a:t>)</a:t>
             </a:r>
-            <a:endParaRPr lang="en-US" sz="3200" dirty="0" smtClean="0"/>
+            <a:endParaRPr lang="en-US" sz="3200" dirty="0"/>
           </a:p>
         </p:txBody>
       </p:sp>
@@ -9970,119 +9044,37 @@
           <a:p>
             <a:pPr eaLnBrk="1" hangingPunct="1"/>
             <a:r>
-              <a:rPr lang="en-US" sz="2400" dirty="0" smtClean="0"/>
-              <a:t>Python </a:t>
-            </a:r>
-            <a:r>
               <a:rPr lang="en-US" sz="2400" dirty="0"/>
-              <a:t>application </a:t>
-            </a:r>
-            <a:r>
-              <a:rPr lang="en-US" sz="2400" dirty="0" smtClean="0"/>
-              <a:t>program and building block modules that:</a:t>
+              <a:t>Python application program and building block modules that:</a:t>
             </a:r>
           </a:p>
           <a:p>
             <a:pPr lvl="1" eaLnBrk="1" hangingPunct="1"/>
             <a:r>
-              <a:rPr lang="en-US" sz="2000" dirty="0" smtClean="0"/>
-              <a:t>Launches via Command </a:t>
-            </a:r>
-            <a:r>
               <a:rPr lang="en-US" sz="2000" dirty="0"/>
-              <a:t>Line Interface (CLI</a:t>
-            </a:r>
-            <a:r>
-              <a:rPr lang="en-US" sz="2000" dirty="0" smtClean="0"/>
-              <a:t>) with options designating input directory and output file</a:t>
+              <a:t>Launches via Command Line Interface (CLI) with options designating input directory and output file</a:t>
             </a:r>
           </a:p>
           <a:p>
             <a:pPr lvl="1" eaLnBrk="1" hangingPunct="1"/>
             <a:r>
-              <a:rPr lang="en-US" sz="2000" dirty="0" smtClean="0"/>
-              <a:t>Scans an </a:t>
-            </a:r>
-            <a:r>
               <a:rPr lang="en-US" sz="2000" dirty="0"/>
-              <a:t>operator designated file directory tree containing the source files, in one or more programming language specific formats (such as Ada, Assembler, C/C++, Cobol, Fortran, PL/M, Python, Text, and various command line shells</a:t>
-            </a:r>
-            <a:r>
-              <a:rPr lang="en-US" sz="2000" dirty="0" smtClean="0"/>
-              <a:t>).</a:t>
+              <a:t>Scans an operator designated file directory tree containing the source files, in one or more programming language specific formats (such as Ada, Assembler, C/C++, Cobol, Fortran, PL/M, Python, Text, and various command line shells).</a:t>
             </a:r>
           </a:p>
           <a:p>
             <a:pPr lvl="1" eaLnBrk="1" hangingPunct="1"/>
             <a:r>
-              <a:rPr lang="en-US" sz="2000" dirty="0" smtClean="0"/>
-              <a:t>Accumulates and </a:t>
-            </a:r>
-            <a:r>
               <a:rPr lang="en-US" sz="2000" dirty="0"/>
-              <a:t>reports </a:t>
-            </a:r>
-            <a:r>
-              <a:rPr lang="en-US" sz="2000" dirty="0" smtClean="0"/>
-              <a:t>the number </a:t>
-            </a:r>
+              <a:t>Accumulates and reports the number of code lines, blank/comment lines, words and characters for individual files, language subtotals and project totals.</a:t>
+            </a:r>
+          </a:p>
+          <a:p>
+            <a:pPr lvl="1" eaLnBrk="1" hangingPunct="1"/>
             <a:r>
               <a:rPr lang="en-US" sz="2000" dirty="0"/>
-              <a:t>of code lines, </a:t>
-            </a:r>
-            <a:r>
-              <a:rPr lang="en-US" sz="2000" dirty="0" smtClean="0"/>
-              <a:t>blank/comment </a:t>
-            </a:r>
-            <a:r>
-              <a:rPr lang="en-US" sz="2000" dirty="0"/>
-              <a:t>lines, words </a:t>
-            </a:r>
-            <a:r>
-              <a:rPr lang="en-US" sz="2000" dirty="0" smtClean="0"/>
-              <a:t>and characters </a:t>
-            </a:r>
-            <a:r>
-              <a:rPr lang="en-US" sz="2000" dirty="0"/>
-              <a:t>for individual </a:t>
-            </a:r>
-            <a:r>
-              <a:rPr lang="en-US" sz="2000" dirty="0" smtClean="0"/>
-              <a:t>files, language subtotals and project totals.</a:t>
-            </a:r>
-            <a:endParaRPr lang="en-US" sz="2000" dirty="0"/>
-          </a:p>
-          <a:p>
-            <a:pPr lvl="1" eaLnBrk="1" hangingPunct="1"/>
-            <a:r>
-              <a:rPr lang="en-US" sz="2000" dirty="0" smtClean="0"/>
-              <a:t>Generates reports </a:t>
-            </a:r>
-            <a:r>
-              <a:rPr lang="en-US" sz="2000" dirty="0"/>
-              <a:t>of software project progress and </a:t>
-            </a:r>
-            <a:r>
-              <a:rPr lang="en-US" sz="2000" dirty="0" smtClean="0"/>
-              <a:t>metrics for the software </a:t>
-            </a:r>
-            <a:r>
-              <a:rPr lang="en-US" sz="2000" dirty="0"/>
-              <a:t>development project (such as labor, </a:t>
-            </a:r>
-            <a:r>
-              <a:rPr lang="en-US" sz="2000" dirty="0" smtClean="0"/>
-              <a:t>cost or contributed value, schedule </a:t>
-            </a:r>
-            <a:r>
-              <a:rPr lang="en-US" sz="2000" dirty="0"/>
-              <a:t>and lines of code per day productivity</a:t>
-            </a:r>
-            <a:r>
-              <a:rPr lang="en-US" sz="2000" dirty="0" smtClean="0"/>
-              <a:t>).</a:t>
-            </a:r>
-            <a:endParaRPr lang="en-US" sz="2000" dirty="0"/>
+              <a:t>Generates reports of software project progress and metrics for the software development project (such as labor, cost or contributed value, schedule and lines of code per day productivity).</a:t>
+            </a:r>
           </a:p>
         </p:txBody>
       </p:sp>
@@ -10096,13 +9088,6 @@
   <p:clrMapOvr>
     <a:masterClrMapping/>
   </p:clrMapOvr>
-  <p:timing>
-    <p:tnLst>
-      <p:par>
-        <p:cTn id="1" dur="indefinite" restart="never" nodeType="tmRoot"/>
-      </p:par>
-    </p:tnLst>
-  </p:timing>
 </p:sld>
 </file>
 
@@ -10142,9 +9127,9 @@
           <a:p>
             <a:fld id="{2304A905-ED1A-4633-88B3-7A6C464DC1BC}" type="datetime1">
               <a:rPr lang="en-US" smtClean="0"/>
-              <a:t>11/29/2015</a:t>
+              <a:t>12/23/2016</a:t>
             </a:fld>
-            <a:endParaRPr lang="en-US" smtClean="0"/>
+            <a:endParaRPr lang="en-US"/>
           </a:p>
         </p:txBody>
       </p:sp>
@@ -10166,7 +9151,7 @@
           <a:lstStyle/>
           <a:p>
             <a:r>
-              <a:rPr lang="en-US" dirty="0" smtClean="0"/>
+              <a:rPr lang="en-US" dirty="0"/>
               <a:t>TeamSTARS "tsWxGTUI_PyVx" Toolkit prepared &amp; presented by Richard S. Gordon</a:t>
             </a:r>
           </a:p>
@@ -10215,11 +9200,11 @@
           <a:p>
             <a:pPr eaLnBrk="1" hangingPunct="1"/>
             <a:r>
-              <a:rPr lang="en-US" sz="4000" dirty="0" smtClean="0"/>
+              <a:rPr lang="en-US" sz="4000" dirty="0"/>
               <a:t>Distributed System Procedures </a:t>
             </a:r>
             <a:r>
-              <a:rPr lang="en-US" sz="2000" dirty="0" smtClean="0"/>
+              <a:rPr lang="en-US" sz="2000" dirty="0"/>
               <a:t>(</a:t>
             </a:r>
             <a:r>
@@ -10229,10 +9214,10 @@
               <a:t>Table of Contents</a:t>
             </a:r>
             <a:r>
-              <a:rPr lang="en-US" sz="2000" dirty="0" smtClean="0"/>
+              <a:rPr lang="en-US" sz="2000" dirty="0"/>
               <a:t>)</a:t>
             </a:r>
-            <a:endParaRPr lang="en-US" sz="3200" dirty="0" smtClean="0"/>
+            <a:endParaRPr lang="en-US" sz="3200" dirty="0"/>
           </a:p>
         </p:txBody>
       </p:sp>
@@ -10257,12 +9242,12 @@
               </a:lnSpc>
             </a:pPr>
             <a:r>
-              <a:rPr lang="en-US" dirty="0" smtClean="0">
+              <a:rPr lang="en-US" dirty="0">
                 <a:hlinkClick r:id="rId4" action="ppaction://hlinksldjump"/>
               </a:rPr>
               <a:t>Monitoring and Control Procedure</a:t>
             </a:r>
-            <a:endParaRPr lang="en-US" dirty="0" smtClean="0"/>
+            <a:endParaRPr lang="en-US" dirty="0"/>
           </a:p>
           <a:p>
             <a:pPr lvl="1" eaLnBrk="1" hangingPunct="1">
@@ -10271,15 +9256,15 @@
               </a:lnSpc>
             </a:pPr>
             <a:r>
-              <a:rPr lang="en-US" sz="2400" dirty="0" smtClean="0"/>
+              <a:rPr lang="en-US" sz="2400" dirty="0"/>
               <a:t>Uses the Command Line &amp; Graphical User Interfaces to operate the mission critical equipment for the acquisition of sensor and operator input data and for the output of control signals, </a:t>
             </a:r>
             <a:r>
-              <a:rPr lang="en-US" sz="2400" dirty="0" err="1" smtClean="0"/>
+              <a:rPr lang="en-US" sz="2400" dirty="0" err="1"/>
               <a:t>setpoints</a:t>
             </a:r>
             <a:r>
-              <a:rPr lang="en-US" sz="2400" dirty="0" smtClean="0"/>
+              <a:rPr lang="en-US" sz="2400" dirty="0"/>
               <a:t>, constraints and operator status updates via the embedded computer system.</a:t>
             </a:r>
           </a:p>
@@ -10290,12 +9275,12 @@
               </a:lnSpc>
             </a:pPr>
             <a:r>
-              <a:rPr lang="en-US" dirty="0" smtClean="0">
+              <a:rPr lang="en-US" dirty="0">
                 <a:hlinkClick r:id="rId5" action="ppaction://hlinksldjump"/>
               </a:rPr>
               <a:t>File Transfer Procedure</a:t>
             </a:r>
-            <a:endParaRPr lang="en-US" dirty="0" smtClean="0"/>
+            <a:endParaRPr lang="en-US" dirty="0"/>
           </a:p>
           <a:p>
             <a:pPr marL="742950" lvl="2" indent="-342900" eaLnBrk="1" hangingPunct="1">
@@ -10306,21 +9291,8 @@
             </a:pPr>
             <a:r>
               <a:rPr lang="en-US" dirty="0"/>
-              <a:t>Uses the Command Line </a:t>
-            </a:r>
-            <a:r>
-              <a:rPr lang="en-US" dirty="0" smtClean="0"/>
-              <a:t>Interface </a:t>
-            </a:r>
-            <a:r>
-              <a:rPr lang="en-US" dirty="0"/>
-              <a:t>to </a:t>
-            </a:r>
-            <a:r>
-              <a:rPr lang="en-US" dirty="0" smtClean="0"/>
-              <a:t>captures the most recent Monitoring and Control operation data and transcript logs, before it can be overwritten and/or mixed with new data, in preparation for off-line troubleshooting and analysis of operation and performance.</a:t>
-            </a:r>
-            <a:endParaRPr lang="en-US" dirty="0"/>
+              <a:t>Uses the Command Line Interface to captures the most recent Monitoring and Control operation data and transcript logs, before it can be overwritten and/or mixed with new data, in preparation for off-line troubleshooting and analysis of operation and performance.</a:t>
+            </a:r>
           </a:p>
           <a:p>
             <a:pPr marL="742950" lvl="2" indent="-342900" eaLnBrk="1" hangingPunct="1">
@@ -10330,7 +9302,7 @@
               <a:buSzPct val="60000"/>
             </a:pPr>
             <a:r>
-              <a:rPr lang="en-US" dirty="0" smtClean="0"/>
+              <a:rPr lang="en-US" dirty="0"/>
               <a:t>Updates computer software configuration data and source code in preparation for the next Monitoring and Control operation.</a:t>
             </a:r>
           </a:p>
@@ -10347,13 +9319,6 @@
     <a:masterClrMapping/>
   </p:clrMapOvr>
   <p:transition/>
-  <p:timing>
-    <p:tnLst>
-      <p:par>
-        <p:cTn id="1" dur="indefinite" restart="never" nodeType="tmRoot"/>
-      </p:par>
-    </p:tnLst>
-  </p:timing>
 </p:sld>
 </file>
 
@@ -10393,9 +9358,9 @@
           <a:p>
             <a:fld id="{2304A905-ED1A-4633-88B3-7A6C464DC1BC}" type="datetime1">
               <a:rPr lang="en-US" smtClean="0"/>
-              <a:t>11/29/2015</a:t>
+              <a:t>12/23/2016</a:t>
             </a:fld>
-            <a:endParaRPr lang="en-US" smtClean="0"/>
+            <a:endParaRPr lang="en-US"/>
           </a:p>
         </p:txBody>
       </p:sp>
@@ -10417,7 +9382,7 @@
           <a:lstStyle/>
           <a:p>
             <a:r>
-              <a:rPr lang="en-US" dirty="0" smtClean="0"/>
+              <a:rPr lang="en-US" dirty="0"/>
               <a:t>TeamSTARS "tsWxGTUI_PyVx" Toolkit prepared &amp; presented by Richard S. Gordon</a:t>
             </a:r>
           </a:p>
@@ -10466,11 +9431,11 @@
           <a:p>
             <a:pPr eaLnBrk="1" hangingPunct="1"/>
             <a:r>
-              <a:rPr lang="en-US" sz="4000" dirty="0" smtClean="0"/>
+              <a:rPr lang="en-US" sz="4000" dirty="0"/>
               <a:t>Monitoring and Control Procedure </a:t>
             </a:r>
             <a:r>
-              <a:rPr lang="en-US" sz="2000" dirty="0" smtClean="0"/>
+              <a:rPr lang="en-US" sz="2000" dirty="0"/>
               <a:t>(</a:t>
             </a:r>
             <a:r>
@@ -10480,10 +9445,10 @@
               <a:t>Table of Contents</a:t>
             </a:r>
             <a:r>
-              <a:rPr lang="en-US" sz="2000" dirty="0" smtClean="0"/>
+              <a:rPr lang="en-US" sz="2000" dirty="0"/>
               <a:t>)</a:t>
             </a:r>
-            <a:endParaRPr lang="en-US" sz="3200" dirty="0" smtClean="0"/>
+            <a:endParaRPr lang="en-US" sz="3200" dirty="0"/>
           </a:p>
         </p:txBody>
       </p:sp>
@@ -10508,28 +9473,8 @@
               </a:lnSpc>
             </a:pPr>
             <a:r>
-              <a:rPr lang="en-US" sz="1800" dirty="0" smtClean="0"/>
-              <a:t>Once </a:t>
-            </a:r>
-            <a:r>
               <a:rPr lang="en-US" sz="1800" dirty="0"/>
-              <a:t>you've logged into your local computer, you may </a:t>
-            </a:r>
-            <a:r>
-              <a:rPr lang="en-US" sz="1800" dirty="0" smtClean="0"/>
-              <a:t>then</a:t>
-            </a:r>
-            <a:r>
-              <a:rPr lang="en-US" sz="1800" dirty="0"/>
-              <a:t> </a:t>
-            </a:r>
-            <a:r>
-              <a:rPr lang="en-US" sz="1800" dirty="0" smtClean="0"/>
-              <a:t>use one </a:t>
-            </a:r>
-            <a:r>
-              <a:rPr lang="en-US" sz="1800" dirty="0"/>
-              <a:t>or more secure shells ("</a:t>
+              <a:t>Once you've logged into your local computer, you may then use one or more secure shells ("</a:t>
             </a:r>
             <a:r>
               <a:rPr lang="en-US" sz="1800" b="1" dirty="0">
@@ -10549,11 +9494,7 @@
             </a:r>
             <a:r>
               <a:rPr lang="en-US" sz="1800" dirty="0"/>
-              <a:t>") provided by the local operating system </a:t>
-            </a:r>
-            <a:r>
-              <a:rPr lang="en-US" sz="1800" dirty="0" smtClean="0"/>
-              <a:t>to:</a:t>
+              <a:t>") provided by the local operating system to:</a:t>
             </a:r>
           </a:p>
           <a:p>
@@ -10563,7 +9504,7 @@
               </a:lnSpc>
             </a:pPr>
             <a:r>
-              <a:rPr lang="en-US" sz="1400" dirty="0" smtClean="0"/>
+              <a:rPr lang="en-US" sz="1400" dirty="0"/>
               <a:t>Monitor and control the local computer from the convenience of your local character-mode computer terminal display, keyboard and mouse.</a:t>
             </a:r>
           </a:p>
@@ -10574,42 +9515,10 @@
               </a:lnSpc>
             </a:pPr>
             <a:r>
-              <a:rPr lang="en-US" sz="1400" dirty="0" smtClean="0"/>
-              <a:t>Optionally monitor </a:t>
-            </a:r>
-            <a:r>
               <a:rPr lang="en-US" sz="1400" dirty="0"/>
-              <a:t>and control </a:t>
-            </a:r>
-            <a:r>
-              <a:rPr lang="en-US" sz="1400" dirty="0" smtClean="0"/>
-              <a:t>one or more remote computers also from </a:t>
-            </a:r>
-            <a:r>
-              <a:rPr lang="en-US" sz="1400" dirty="0"/>
-              <a:t>the convenience of your local character-mode </a:t>
-            </a:r>
-            <a:r>
-              <a:rPr lang="en-US" sz="1400" dirty="0" smtClean="0"/>
-              <a:t>computer </a:t>
-            </a:r>
-            <a:r>
-              <a:rPr lang="en-US" sz="1400" dirty="0"/>
-              <a:t>terminal display, keyboard and </a:t>
-            </a:r>
-            <a:r>
-              <a:rPr lang="en-US" sz="1400" dirty="0" smtClean="0"/>
-              <a:t>mouse</a:t>
-            </a:r>
-            <a:r>
-              <a:rPr lang="en-US" sz="1400" dirty="0"/>
-              <a:t>, with greater speed and efficiency than possible with the larger communication traffic associated with </a:t>
-            </a:r>
-            <a:r>
-              <a:rPr lang="en-US" sz="1400" dirty="0" smtClean="0"/>
-              <a:t>pixel-mode.</a:t>
-            </a:r>
-            <a:endParaRPr lang="en-US" sz="800" dirty="0" smtClean="0"/>
+              <a:t>Optionally monitor and control one or more remote computers also from the convenience of your local character-mode computer terminal display, keyboard and mouse, with greater speed and efficiency than possible with the larger communication traffic associated with pixel-mode.</a:t>
+            </a:r>
+            <a:endParaRPr lang="en-US" sz="800" dirty="0"/>
           </a:p>
           <a:p>
             <a:pPr lvl="1" eaLnBrk="1" hangingPunct="1">
@@ -10618,26 +9527,10 @@
               </a:lnSpc>
             </a:pPr>
             <a:r>
-              <a:rPr lang="en-US" sz="1400" dirty="0" smtClean="0"/>
-              <a:t>Use the local computer’s </a:t>
-            </a:r>
-            <a:r>
               <a:rPr lang="en-US" sz="1400" dirty="0"/>
-              <a:t>character-mode </a:t>
-            </a:r>
-            <a:r>
-              <a:rPr lang="en-US" sz="1400" dirty="0" smtClean="0"/>
-              <a:t>command </a:t>
-            </a:r>
-            <a:r>
-              <a:rPr lang="en-US" sz="1400" dirty="0"/>
-              <a:t>line </a:t>
-            </a:r>
-            <a:r>
-              <a:rPr lang="en-US" sz="1400" dirty="0" smtClean="0"/>
-              <a:t>interface shell to:</a:t>
-            </a:r>
-            <a:endParaRPr lang="en-US" sz="1600" dirty="0" smtClean="0"/>
+              <a:t>Use the local computer’s character-mode command line interface shell to:</a:t>
+            </a:r>
+            <a:endParaRPr lang="en-US" sz="1600" dirty="0"/>
           </a:p>
           <a:p>
             <a:pPr lvl="2" eaLnBrk="1" hangingPunct="1">
@@ -10646,7 +9539,7 @@
               </a:lnSpc>
             </a:pPr>
             <a:r>
-              <a:rPr lang="en-US" sz="1400" dirty="0" smtClean="0"/>
+              <a:rPr lang="en-US" sz="1400" dirty="0"/>
               <a:t>Launch one or more of the local computer’s:</a:t>
             </a:r>
           </a:p>
@@ -10657,7 +9550,7 @@
               </a:lnSpc>
             </a:pPr>
             <a:r>
-              <a:rPr lang="en-US" sz="1400" dirty="0" smtClean="0"/>
+              <a:rPr lang="en-US" sz="1400" dirty="0"/>
               <a:t>Shell scripts</a:t>
             </a:r>
           </a:p>
@@ -10668,7 +9561,7 @@
               </a:lnSpc>
             </a:pPr>
             <a:r>
-              <a:rPr lang="en-US" sz="1400" dirty="0" smtClean="0"/>
+              <a:rPr lang="en-US" sz="1400" dirty="0"/>
               <a:t>Tools </a:t>
             </a:r>
           </a:p>
@@ -10679,15 +9572,15 @@
               </a:lnSpc>
             </a:pPr>
             <a:r>
-              <a:rPr lang="en-US" sz="1400" dirty="0" smtClean="0"/>
+              <a:rPr lang="en-US" sz="1400" dirty="0"/>
               <a:t>Application programs (including any of the </a:t>
             </a:r>
             <a:r>
-              <a:rPr lang="en-US" sz="1400" dirty="0" err="1" smtClean="0"/>
+              <a:rPr lang="en-US" sz="1400" dirty="0" err="1"/>
               <a:t>TeamSTARS</a:t>
             </a:r>
             <a:r>
-              <a:rPr lang="en-US" sz="1400" dirty="0" smtClean="0"/>
+              <a:rPr lang="en-US" sz="1400" dirty="0"/>
               <a:t> "</a:t>
             </a:r>
             <a:r>
@@ -10696,11 +9589,7 @@
             </a:r>
             <a:r>
               <a:rPr lang="en-US" sz="1400" dirty="0"/>
-              <a:t>" Toolkit's Python </a:t>
-            </a:r>
-            <a:r>
-              <a:rPr lang="en-US" sz="1400" dirty="0" smtClean="0"/>
-              <a:t>based Command Line Interface or curses-based Graphical User Interface ones).</a:t>
+              <a:t>" Toolkit's Python based Command Line Interface or curses-based Graphical User Interface ones).</a:t>
             </a:r>
           </a:p>
           <a:p>
@@ -10710,40 +9599,8 @@
               </a:lnSpc>
             </a:pPr>
             <a:r>
-              <a:rPr lang="en-US" sz="1400" dirty="0" smtClean="0"/>
-              <a:t>Login </a:t>
-            </a:r>
-            <a:r>
               <a:rPr lang="en-US" sz="1400" dirty="0"/>
-              <a:t>to one or more </a:t>
-            </a:r>
-            <a:r>
-              <a:rPr lang="en-US" sz="1400" dirty="0" smtClean="0"/>
-              <a:t>remote computers and </a:t>
-            </a:r>
-            <a:r>
-              <a:rPr lang="en-US" sz="1400" dirty="0"/>
-              <a:t>then use </a:t>
-            </a:r>
-            <a:r>
-              <a:rPr lang="en-US" sz="1400" dirty="0" smtClean="0"/>
-              <a:t>the remote computer’s </a:t>
-            </a:r>
-            <a:r>
-              <a:rPr lang="en-US" sz="1400" dirty="0"/>
-              <a:t>character-mode </a:t>
-            </a:r>
-            <a:r>
-              <a:rPr lang="en-US" sz="1400" dirty="0" smtClean="0"/>
-              <a:t>command </a:t>
-            </a:r>
-            <a:r>
-              <a:rPr lang="en-US" sz="1400" dirty="0"/>
-              <a:t>line interface shell </a:t>
-            </a:r>
-            <a:r>
-              <a:rPr lang="en-US" sz="1400" dirty="0" smtClean="0"/>
-              <a:t>to:</a:t>
+              <a:t>Login to one or more remote computers and then use the remote computer’s character-mode command line interface shell to:</a:t>
             </a:r>
           </a:p>
           <a:p>
@@ -10753,16 +9610,8 @@
               </a:lnSpc>
             </a:pPr>
             <a:r>
-              <a:rPr lang="en-US" sz="1400" dirty="0" smtClean="0"/>
-              <a:t>Launch </a:t>
-            </a:r>
-            <a:r>
               <a:rPr lang="en-US" sz="1400" dirty="0"/>
-              <a:t>one or more of the </a:t>
-            </a:r>
-            <a:r>
-              <a:rPr lang="en-US" sz="1400" dirty="0" smtClean="0"/>
-              <a:t>remote computer’s:</a:t>
+              <a:t>Launch one or more of the remote computer’s:</a:t>
             </a:r>
           </a:p>
           <a:p>
@@ -10811,13 +9660,8 @@
             </a:r>
             <a:r>
               <a:rPr lang="en-US" sz="1400" dirty="0"/>
-              <a:t>" Toolkit's Python based Command Line Interface or curses-based Graphical User Interface ones</a:t>
-            </a:r>
-            <a:r>
-              <a:rPr lang="en-US" sz="1400" dirty="0" smtClean="0"/>
-              <a:t>).</a:t>
-            </a:r>
-            <a:endParaRPr lang="en-US" sz="1400" dirty="0"/>
+              <a:t>" Toolkit's Python based Command Line Interface or curses-based Graphical User Interface ones).</a:t>
+            </a:r>
           </a:p>
           <a:p>
             <a:pPr eaLnBrk="1" hangingPunct="1">
@@ -10840,13 +9684,6 @@
     <a:masterClrMapping/>
   </p:clrMapOvr>
   <p:transition/>
-  <p:timing>
-    <p:tnLst>
-      <p:par>
-        <p:cTn id="1" dur="indefinite" restart="never" nodeType="tmRoot"/>
-      </p:par>
-    </p:tnLst>
-  </p:timing>
 </p:sld>
 </file>
 
@@ -10885,22 +9722,10 @@
             <a:pPr lvl="1" eaLnBrk="1" hangingPunct="1"/>
             <a:r>
               <a:rPr lang="en-US" dirty="0"/>
-              <a:t>Secure </a:t>
-            </a:r>
-            <a:r>
-              <a:rPr lang="en-US" dirty="0" smtClean="0"/>
-              <a:t>(Remote) Shell </a:t>
-            </a:r>
-            <a:r>
-              <a:rPr lang="en-US" dirty="0"/>
-              <a:t>(SSH</a:t>
-            </a:r>
-            <a:r>
-              <a:rPr lang="en-US" dirty="0" smtClean="0"/>
-              <a:t>) </a:t>
-            </a:r>
-            <a:r>
-              <a:rPr lang="en-US" sz="2000" dirty="0" smtClean="0"/>
+              <a:t>Secure (Remote) Shell (SSH) </a:t>
+            </a:r>
+            <a:r>
+              <a:rPr lang="en-US" sz="2000" dirty="0"/>
               <a:t>(</a:t>
             </a:r>
             <a:r>
@@ -10910,10 +9735,10 @@
               <a:t>Table of Contents</a:t>
             </a:r>
             <a:r>
-              <a:rPr lang="en-US" sz="2000" dirty="0" smtClean="0"/>
+              <a:rPr lang="en-US" sz="2000" dirty="0"/>
               <a:t>)</a:t>
             </a:r>
-            <a:endParaRPr lang="en-US" sz="3200" dirty="0" smtClean="0"/>
+            <a:endParaRPr lang="en-US" sz="3200" dirty="0"/>
           </a:p>
         </p:txBody>
       </p:sp>
@@ -10969,11 +9794,7 @@
             </a:r>
             <a:r>
               <a:rPr lang="en-US" sz="1100" dirty="0"/>
-              <a:t> </a:t>
-            </a:r>
-            <a:r>
-              <a:rPr lang="en-US" sz="1100" dirty="0" smtClean="0"/>
-              <a:t>     </a:t>
+              <a:t>      </a:t>
             </a:r>
             <a:r>
               <a:rPr lang="en-US" sz="1100" dirty="0" err="1"/>
@@ -11241,14 +10062,14 @@
             <a:pPr marL="0" indent="0">
               <a:buNone/>
             </a:pPr>
-            <a:endParaRPr lang="en-US" sz="1100" dirty="0" smtClean="0"/>
+            <a:endParaRPr lang="en-US" sz="1100" dirty="0"/>
           </a:p>
           <a:p>
             <a:pPr marL="0" indent="0">
               <a:buNone/>
             </a:pPr>
             <a:r>
-              <a:rPr lang="en-US" sz="1100" dirty="0" smtClean="0"/>
+              <a:rPr lang="en-US" sz="1100" dirty="0"/>
               <a:t> </a:t>
             </a:r>
             <a:r>
@@ -11301,11 +10122,7 @@
             </a:pPr>
             <a:r>
               <a:rPr lang="en-US" sz="1100" dirty="0"/>
-              <a:t>     ports and UNIX-domain sockets can also be forwarded over the </a:t>
-            </a:r>
-            <a:r>
-              <a:rPr lang="en-US" sz="1100" dirty="0" smtClean="0"/>
-              <a:t>secure</a:t>
+              <a:t>     ports and UNIX-domain sockets can also be forwarded over the secure</a:t>
             </a:r>
           </a:p>
           <a:p>
@@ -11314,14 +10131,10 @@
             </a:pPr>
             <a:r>
               <a:rPr lang="en-US" sz="1100" dirty="0"/>
-              <a:t> </a:t>
-            </a:r>
-            <a:r>
-              <a:rPr lang="en-US" sz="1100" dirty="0" smtClean="0"/>
-              <a:t>   </a:t>
-            </a:r>
-            <a:r>
-              <a:rPr lang="en-US" sz="1100" dirty="0" err="1" smtClean="0"/>
+              <a:t>    </a:t>
+            </a:r>
+            <a:r>
+              <a:rPr lang="en-US" sz="1100" dirty="0" err="1"/>
               <a:t>chanânel</a:t>
             </a:r>
             <a:r>
@@ -11400,13 +10213,8 @@
             </a:pPr>
             <a:r>
               <a:rPr lang="en-US" sz="1100" dirty="0"/>
-              <a:t>     login shell</a:t>
-            </a:r>
-            <a:r>
-              <a:rPr lang="en-US" sz="1100" dirty="0" smtClean="0"/>
-              <a:t>.</a:t>
-            </a:r>
-            <a:endParaRPr lang="en-US" sz="1100" dirty="0"/>
+              <a:t>     login shell.</a:t>
+            </a:r>
           </a:p>
         </p:txBody>
       </p:sp>
@@ -11429,9 +10237,9 @@
           <a:p>
             <a:fld id="{2304A905-ED1A-4633-88B3-7A6C464DC1BC}" type="datetime1">
               <a:rPr lang="en-US" smtClean="0"/>
-              <a:t>11/29/2015</a:t>
+              <a:t>12/23/2016</a:t>
             </a:fld>
-            <a:endParaRPr lang="en-US" smtClean="0"/>
+            <a:endParaRPr lang="en-US"/>
           </a:p>
         </p:txBody>
       </p:sp>
@@ -11453,7 +10261,7 @@
           <a:lstStyle/>
           <a:p>
             <a:r>
-              <a:rPr lang="en-US" dirty="0" smtClean="0"/>
+              <a:rPr lang="en-US" dirty="0"/>
               <a:t>TeamSTARS "tsWxGTUI_PyVx" Toolkit prepared &amp; presented by Richard S. Gordon</a:t>
             </a:r>
           </a:p>
@@ -11496,13 +10304,6 @@
     <a:masterClrMapping/>
   </p:clrMapOvr>
   <p:transition/>
-  <p:timing>
-    <p:tnLst>
-      <p:par>
-        <p:cTn id="1" dur="indefinite" restart="never" nodeType="tmRoot"/>
-      </p:par>
-    </p:tnLst>
-  </p:timing>
 </p:sld>
 </file>
 
@@ -11542,9 +10343,9 @@
           <a:p>
             <a:fld id="{2304A905-ED1A-4633-88B3-7A6C464DC1BC}" type="datetime1">
               <a:rPr lang="en-US" smtClean="0"/>
-              <a:t>11/29/2015</a:t>
+              <a:t>12/23/2016</a:t>
             </a:fld>
-            <a:endParaRPr lang="en-US" smtClean="0"/>
+            <a:endParaRPr lang="en-US"/>
           </a:p>
         </p:txBody>
       </p:sp>
@@ -11566,7 +10367,7 @@
           <a:lstStyle/>
           <a:p>
             <a:r>
-              <a:rPr lang="en-US" dirty="0" smtClean="0"/>
+              <a:rPr lang="en-US" dirty="0"/>
               <a:t>TeamSTARS "tsWxGTUI_PyVx" Toolkit prepared &amp; presented by Richard S. Gordon</a:t>
             </a:r>
           </a:p>
@@ -11615,11 +10416,11 @@
           <a:p>
             <a:pPr eaLnBrk="1" hangingPunct="1"/>
             <a:r>
-              <a:rPr lang="en-US" dirty="0" smtClean="0"/>
+              <a:rPr lang="en-US" dirty="0"/>
               <a:t>File Transfers </a:t>
             </a:r>
             <a:r>
-              <a:rPr lang="en-US" sz="2000" dirty="0" smtClean="0"/>
+              <a:rPr lang="en-US" sz="2000" dirty="0"/>
               <a:t>(</a:t>
             </a:r>
             <a:r>
@@ -11629,10 +10430,10 @@
               <a:t>Table of Contents</a:t>
             </a:r>
             <a:r>
-              <a:rPr lang="en-US" sz="2000" dirty="0" smtClean="0"/>
+              <a:rPr lang="en-US" sz="2000" dirty="0"/>
               <a:t>)</a:t>
             </a:r>
-            <a:endParaRPr lang="en-US" sz="3200" dirty="0" smtClean="0"/>
+            <a:endParaRPr lang="en-US" sz="3200" dirty="0"/>
           </a:p>
         </p:txBody>
       </p:sp>
@@ -11657,64 +10458,28 @@
               </a:lnSpc>
             </a:pPr>
             <a:r>
-              <a:rPr lang="en-US" sz="1800" dirty="0" smtClean="0"/>
-              <a:t>Once you've </a:t>
-            </a:r>
-            <a:r>
               <a:rPr lang="en-US" sz="1800" dirty="0"/>
-              <a:t>logged into your local computer, you may then use one or more secure </a:t>
-            </a:r>
-            <a:r>
-              <a:rPr lang="en-US" sz="1800" dirty="0" smtClean="0"/>
-              <a:t>file transfer utilities </a:t>
-            </a:r>
-            <a:r>
-              <a:rPr lang="en-US" sz="1800" dirty="0"/>
-              <a:t>("</a:t>
-            </a:r>
-            <a:r>
-              <a:rPr lang="en-US" sz="1800" b="1" dirty="0" smtClean="0">
+              <a:t>Once you've logged into your local computer, you may then use one or more secure file transfer utilities ("</a:t>
+            </a:r>
+            <a:r>
+              <a:rPr lang="en-US" sz="1800" b="1" dirty="0">
                 <a:hlinkClick r:id="rId4" action="ppaction://hlinksldjump"/>
               </a:rPr>
               <a:t>sftp</a:t>
             </a:r>
             <a:r>
-              <a:rPr lang="en-US" sz="1800" dirty="0" smtClean="0"/>
-              <a:t>") </a:t>
-            </a:r>
-            <a:r>
               <a:rPr lang="en-US" sz="1800" dirty="0"/>
-              <a:t>or non-secure file transfer utilities </a:t>
-            </a:r>
-            <a:r>
-              <a:rPr lang="en-US" sz="1800" dirty="0" smtClean="0"/>
-              <a:t>("</a:t>
-            </a:r>
-            <a:r>
-              <a:rPr lang="en-US" sz="1800" b="1" dirty="0" smtClean="0">
+              <a:t>") or non-secure file transfer utilities ("</a:t>
+            </a:r>
+            <a:r>
+              <a:rPr lang="en-US" sz="1800" b="1" dirty="0">
                 <a:hlinkClick r:id="rId5" action="ppaction://hlinksldjump"/>
               </a:rPr>
               <a:t>ftp</a:t>
             </a:r>
             <a:r>
-              <a:rPr lang="en-US" sz="1800" dirty="0" smtClean="0"/>
-              <a:t>") </a:t>
-            </a:r>
-            <a:r>
               <a:rPr lang="en-US" sz="1800" dirty="0"/>
-              <a:t>provided by the local </a:t>
-            </a:r>
-            <a:r>
-              <a:rPr lang="en-US" sz="1800" dirty="0" smtClean="0"/>
-              <a:t>and remote operating systems </a:t>
-            </a:r>
-            <a:r>
-              <a:rPr lang="en-US" sz="1800" dirty="0"/>
-              <a:t>to</a:t>
-            </a:r>
-            <a:r>
-              <a:rPr lang="en-US" sz="1800" dirty="0" smtClean="0"/>
-              <a:t>:</a:t>
+              <a:t>") provided by the local and remote operating systems to:</a:t>
             </a:r>
           </a:p>
           <a:p>
@@ -11724,7 +10489,7 @@
               </a:lnSpc>
             </a:pPr>
             <a:r>
-              <a:rPr lang="en-US" sz="1600" dirty="0" smtClean="0"/>
+              <a:rPr lang="en-US" sz="1600" dirty="0"/>
               <a:t>Prepare remote computer platform for Monitoring and Control operation by copying source code files and directories from the local to the remote computer.</a:t>
             </a:r>
           </a:p>
@@ -11736,39 +10501,7 @@
             </a:pPr>
             <a:r>
               <a:rPr lang="en-US" sz="1600" dirty="0"/>
-              <a:t>Prepare for </a:t>
-            </a:r>
-            <a:r>
-              <a:rPr lang="en-US" sz="1600" dirty="0" smtClean="0"/>
-              <a:t>analysis of Monitoring </a:t>
-            </a:r>
-            <a:r>
-              <a:rPr lang="en-US" sz="1600" dirty="0"/>
-              <a:t>and Control operation by copying </a:t>
-            </a:r>
-            <a:r>
-              <a:rPr lang="en-US" sz="1600" dirty="0" smtClean="0"/>
-              <a:t>data and log files and directories </a:t>
-            </a:r>
-            <a:r>
-              <a:rPr lang="en-US" sz="1600" dirty="0"/>
-              <a:t>from the </a:t>
-            </a:r>
-            <a:r>
-              <a:rPr lang="en-US" sz="1600" dirty="0" smtClean="0"/>
-              <a:t>remote to </a:t>
-            </a:r>
-            <a:r>
-              <a:rPr lang="en-US" sz="1600" dirty="0"/>
-              <a:t>the </a:t>
-            </a:r>
-            <a:r>
-              <a:rPr lang="en-US" sz="1600" dirty="0" smtClean="0"/>
-              <a:t>local computer</a:t>
-            </a:r>
-            <a:r>
-              <a:rPr lang="en-US" sz="1600" dirty="0"/>
-              <a:t>.</a:t>
+              <a:t>Prepare for analysis of Monitoring and Control operation by copying data and log files and directories from the remote to the local computer.</a:t>
             </a:r>
           </a:p>
           <a:p>
@@ -11793,13 +10526,6 @@
     <a:masterClrMapping/>
   </p:clrMapOvr>
   <p:transition/>
-  <p:timing>
-    <p:tnLst>
-      <p:par>
-        <p:cTn id="1" dur="indefinite" restart="never" nodeType="tmRoot"/>
-      </p:par>
-    </p:tnLst>
-  </p:timing>
 </p:sld>
 </file>
 
@@ -11838,22 +10564,10 @@
             <a:pPr lvl="1" eaLnBrk="1" hangingPunct="1"/>
             <a:r>
               <a:rPr lang="en-US" sz="3600" dirty="0"/>
-              <a:t>Secure File Transfer </a:t>
-            </a:r>
-            <a:r>
-              <a:rPr lang="en-US" sz="3600" dirty="0" smtClean="0"/>
-              <a:t>Protocol </a:t>
-            </a:r>
-            <a:r>
-              <a:rPr lang="en-US" sz="3600" dirty="0"/>
-              <a:t>(</a:t>
-            </a:r>
-            <a:r>
-              <a:rPr lang="en-US" sz="3600" dirty="0" smtClean="0"/>
-              <a:t>SFTP) </a:t>
-            </a:r>
-            <a:r>
-              <a:rPr lang="en-US" sz="2000" dirty="0" smtClean="0"/>
+              <a:t>Secure File Transfer Protocol (SFTP) </a:t>
+            </a:r>
+            <a:r>
+              <a:rPr lang="en-US" sz="2000" dirty="0"/>
               <a:t>(</a:t>
             </a:r>
             <a:r>
@@ -11863,10 +10577,10 @@
               <a:t>Table of Contents</a:t>
             </a:r>
             <a:r>
-              <a:rPr lang="en-US" sz="2000" dirty="0" smtClean="0"/>
+              <a:rPr lang="en-US" sz="2000" dirty="0"/>
               <a:t>)</a:t>
             </a:r>
-            <a:endParaRPr lang="en-US" sz="3200" dirty="0" smtClean="0"/>
+            <a:endParaRPr lang="en-US" sz="3200" dirty="0"/>
           </a:p>
         </p:txBody>
       </p:sp>
@@ -11922,15 +10636,7 @@
             </a:r>
             <a:r>
               <a:rPr lang="en-US" sz="1100" dirty="0"/>
-              <a:t> </a:t>
-            </a:r>
-            <a:r>
-              <a:rPr lang="en-US" sz="1100" dirty="0" smtClean="0"/>
-              <a:t>    </a:t>
-            </a:r>
-            <a:r>
-              <a:rPr lang="en-US" sz="1100" dirty="0"/>
-              <a:t>secure file transfer program</a:t>
+              <a:t>     secure file transfer program</a:t>
             </a:r>
           </a:p>
           <a:p>
@@ -12128,11 +10834,7 @@
             </a:r>
             <a:r>
               <a:rPr lang="en-US" sz="1100" dirty="0"/>
-              <a:t> [user@]</a:t>
-            </a:r>
-            <a:r>
-              <a:rPr lang="en-US" sz="1100" dirty="0" smtClean="0"/>
-              <a:t>host</a:t>
+              <a:t> [user@]host</a:t>
             </a:r>
           </a:p>
           <a:p>
@@ -12240,13 +10942,8 @@
             </a:pPr>
             <a:r>
               <a:rPr lang="en-US" sz="1100" dirty="0"/>
-              <a:t>     interactive command mode</a:t>
-            </a:r>
-            <a:r>
-              <a:rPr lang="en-US" sz="1100" dirty="0" smtClean="0"/>
-              <a:t>.</a:t>
-            </a:r>
-            <a:endParaRPr lang="en-US" sz="1100" dirty="0"/>
+              <a:t>     interactive command mode.</a:t>
+            </a:r>
           </a:p>
         </p:txBody>
       </p:sp>
@@ -12269,12 +10966,8 @@
               <a:buNone/>
             </a:pPr>
             <a:r>
-              <a:rPr lang="en-US" sz="1100" dirty="0" smtClean="0"/>
-              <a:t>     </a:t>
-            </a:r>
-            <a:r>
-              <a:rPr lang="en-US" sz="1100" dirty="0"/>
-              <a:t>The second usage format will retrieve files automatically if a non-inter-</a:t>
+              <a:rPr lang="en-US" sz="1100" dirty="0"/>
+              <a:t>     The second usage format will retrieve files automatically if a non-inter-</a:t>
             </a:r>
           </a:p>
           <a:p>
@@ -12462,9 +11155,9 @@
           <a:p>
             <a:fld id="{2304A905-ED1A-4633-88B3-7A6C464DC1BC}" type="datetime1">
               <a:rPr lang="en-US" smtClean="0"/>
-              <a:t>11/29/2015</a:t>
+              <a:t>12/23/2016</a:t>
             </a:fld>
-            <a:endParaRPr lang="en-US" smtClean="0"/>
+            <a:endParaRPr lang="en-US"/>
           </a:p>
         </p:txBody>
       </p:sp>
@@ -12486,7 +11179,7 @@
           <a:lstStyle/>
           <a:p>
             <a:r>
-              <a:rPr lang="en-US" dirty="0" smtClean="0"/>
+              <a:rPr lang="en-US" dirty="0"/>
               <a:t>TeamSTARS "tsWxGTUI_PyVx" Toolkit prepared &amp; presented by Richard S. Gordon</a:t>
             </a:r>
           </a:p>
@@ -12529,13 +11222,6 @@
     <a:masterClrMapping/>
   </p:clrMapOvr>
   <p:transition/>
-  <p:timing>
-    <p:tnLst>
-      <p:par>
-        <p:cTn id="1" dur="indefinite" restart="never" nodeType="tmRoot"/>
-      </p:par>
-    </p:tnLst>
-  </p:timing>
 </p:sld>
 </file>
 
@@ -12574,21 +11260,17 @@
             <a:pPr eaLnBrk="1" hangingPunct="1"/>
             <a:r>
               <a:rPr lang="en-US" dirty="0"/>
-              <a:t>Command Line Interface (CLI</a:t>
-            </a:r>
-            <a:r>
-              <a:rPr lang="en-US" dirty="0" smtClean="0"/>
-              <a:t>)</a:t>
+              <a:t>Command Line Interface (CLI)</a:t>
             </a:r>
             <a:br>
-              <a:rPr lang="en-US" dirty="0" smtClean="0"/>
+              <a:rPr lang="en-US" dirty="0"/>
             </a:br>
             <a:r>
-              <a:rPr lang="en-US" dirty="0" smtClean="0"/>
+              <a:rPr lang="en-US" dirty="0"/>
               <a:t>Overview </a:t>
             </a:r>
             <a:r>
-              <a:rPr lang="en-US" sz="2000" dirty="0" smtClean="0"/>
+              <a:rPr lang="en-US" sz="2000" dirty="0"/>
               <a:t>(</a:t>
             </a:r>
             <a:r>
@@ -12598,10 +11280,10 @@
               <a:t>Table of Contents</a:t>
             </a:r>
             <a:r>
-              <a:rPr lang="en-US" sz="2000" dirty="0" smtClean="0"/>
+              <a:rPr lang="en-US" sz="2000" dirty="0"/>
               <a:t>)</a:t>
             </a:r>
-            <a:endParaRPr lang="en-US" sz="3200" dirty="0" smtClean="0"/>
+            <a:endParaRPr lang="en-US" sz="3200" dirty="0"/>
           </a:p>
         </p:txBody>
       </p:sp>
@@ -12649,11 +11331,7 @@
             <a:pPr lvl="1" eaLnBrk="1" hangingPunct="1"/>
             <a:r>
               <a:rPr lang="en-US" sz="1800" dirty="0"/>
-              <a:t>Via a computer terminal keyboard with input echoed to the display below the previous output</a:t>
-            </a:r>
-            <a:r>
-              <a:rPr lang="en-US" sz="1800" dirty="0" smtClean="0"/>
-              <a:t>.</a:t>
+              <a:t>Via a computer terminal keyboard with input echoed to the display below the previous output.</a:t>
             </a:r>
           </a:p>
           <a:p>
@@ -12742,9 +11420,9 @@
           <a:p>
             <a:fld id="{C3FB1654-67BB-4BFC-9431-2E9085587B48}" type="datetime1">
               <a:rPr lang="en-US" smtClean="0"/>
-              <a:t>11/29/2015</a:t>
+              <a:t>12/23/2016</a:t>
             </a:fld>
-            <a:endParaRPr lang="en-US" smtClean="0"/>
+            <a:endParaRPr lang="en-US"/>
           </a:p>
         </p:txBody>
       </p:sp>
@@ -12766,7 +11444,7 @@
           <a:lstStyle/>
           <a:p>
             <a:r>
-              <a:rPr lang="en-US" dirty="0" smtClean="0"/>
+              <a:rPr lang="en-US" dirty="0"/>
               <a:t>TeamSTARS "tsWxGTUI_PyVx" Toolkit prepared &amp; presented by Richard S. Gordon</a:t>
             </a:r>
           </a:p>
@@ -12833,13 +11511,6 @@
     <a:masterClrMapping/>
   </p:clrMapOvr>
   <p:transition/>
-  <p:timing>
-    <p:tnLst>
-      <p:par>
-        <p:cTn id="1" dur="indefinite" restart="never" nodeType="tmRoot"/>
-      </p:par>
-    </p:tnLst>
-  </p:timing>
 </p:sld>
 </file>
 
@@ -12877,19 +11548,11 @@
           <a:p>
             <a:pPr lvl="1" eaLnBrk="1" hangingPunct="1"/>
             <a:r>
-              <a:rPr lang="en-US" sz="4000" dirty="0" smtClean="0"/>
-              <a:t>Non-Secure Remote </a:t>
-            </a:r>
-            <a:r>
               <a:rPr lang="en-US" sz="4000" dirty="0"/>
-              <a:t>Shell (RSH</a:t>
-            </a:r>
-            <a:r>
-              <a:rPr lang="en-US" sz="4000" dirty="0" smtClean="0"/>
-              <a:t>) </a:t>
-            </a:r>
-            <a:r>
-              <a:rPr lang="en-US" sz="1800" dirty="0" smtClean="0"/>
+              <a:t>Non-Secure Remote Shell (RSH) </a:t>
+            </a:r>
+            <a:r>
+              <a:rPr lang="en-US" sz="1800" dirty="0"/>
               <a:t>(</a:t>
             </a:r>
             <a:r>
@@ -12899,10 +11562,10 @@
               <a:t>Table of Contents</a:t>
             </a:r>
             <a:r>
-              <a:rPr lang="en-US" sz="1800" dirty="0" smtClean="0"/>
+              <a:rPr lang="en-US" sz="1800" dirty="0"/>
               <a:t>)</a:t>
             </a:r>
-            <a:endParaRPr lang="en-US" sz="2800" dirty="0" smtClean="0"/>
+            <a:endParaRPr lang="en-US" sz="2800" dirty="0"/>
           </a:p>
         </p:txBody>
       </p:sp>
@@ -12958,15 +11621,7 @@
             </a:r>
             <a:r>
               <a:rPr lang="en-US" sz="1100" dirty="0"/>
-              <a:t> </a:t>
-            </a:r>
-            <a:r>
-              <a:rPr lang="en-US" sz="1100" dirty="0" smtClean="0"/>
-              <a:t>    </a:t>
-            </a:r>
-            <a:r>
-              <a:rPr lang="en-US" sz="1100" dirty="0"/>
-              <a:t>remote shell</a:t>
+              <a:t>     remote shell</a:t>
             </a:r>
           </a:p>
           <a:p>
@@ -13137,13 +11792,8 @@
             </a:pPr>
             <a:r>
               <a:rPr lang="en-US" sz="1100" dirty="0"/>
-              <a:t>           the TCP sockets used for communication with the remote host</a:t>
-            </a:r>
-            <a:r>
-              <a:rPr lang="en-US" sz="1100" dirty="0" smtClean="0"/>
-              <a:t>.</a:t>
-            </a:r>
-            <a:endParaRPr lang="en-US" sz="1100" dirty="0"/>
+              <a:t>           the TCP sockets used for communication with the remote host.</a:t>
+            </a:r>
           </a:p>
         </p:txBody>
       </p:sp>
@@ -13447,9 +12097,9 @@
           <a:p>
             <a:fld id="{2304A905-ED1A-4633-88B3-7A6C464DC1BC}" type="datetime1">
               <a:rPr lang="en-US" smtClean="0"/>
-              <a:t>11/29/2015</a:t>
+              <a:t>12/23/2016</a:t>
             </a:fld>
-            <a:endParaRPr lang="en-US" smtClean="0"/>
+            <a:endParaRPr lang="en-US"/>
           </a:p>
         </p:txBody>
       </p:sp>
@@ -13471,7 +12121,7 @@
           <a:lstStyle/>
           <a:p>
             <a:r>
-              <a:rPr lang="en-US" dirty="0" smtClean="0"/>
+              <a:rPr lang="en-US" dirty="0"/>
               <a:t>TeamSTARS "tsWxGTUI_PyVx" Toolkit prepared &amp; presented by Richard S. Gordon</a:t>
             </a:r>
           </a:p>
@@ -13514,13 +12164,6 @@
     <a:masterClrMapping/>
   </p:clrMapOvr>
   <p:transition/>
-  <p:timing>
-    <p:tnLst>
-      <p:par>
-        <p:cTn id="1" dur="indefinite" restart="never" nodeType="tmRoot"/>
-      </p:par>
-    </p:tnLst>
-  </p:timing>
 </p:sld>
 </file>
 
@@ -13558,19 +12201,11 @@
           <a:p>
             <a:pPr lvl="1" eaLnBrk="1" hangingPunct="1"/>
             <a:r>
-              <a:rPr lang="en-US" sz="3200" dirty="0" smtClean="0"/>
-              <a:t>Non-Secure </a:t>
-            </a:r>
-            <a:r>
               <a:rPr lang="en-US" sz="3200" dirty="0"/>
-              <a:t>File Transfer </a:t>
-            </a:r>
-            <a:r>
-              <a:rPr lang="en-US" sz="3200" dirty="0" smtClean="0"/>
-              <a:t>Protocol (FTP) </a:t>
-            </a:r>
-            <a:r>
-              <a:rPr lang="en-US" sz="1800" dirty="0" smtClean="0"/>
+              <a:t>Non-Secure File Transfer Protocol (FTP) </a:t>
+            </a:r>
+            <a:r>
+              <a:rPr lang="en-US" sz="1800" dirty="0"/>
               <a:t>(</a:t>
             </a:r>
             <a:r>
@@ -13580,10 +12215,10 @@
               <a:t>Table of Contents</a:t>
             </a:r>
             <a:r>
-              <a:rPr lang="en-US" sz="1800" dirty="0" smtClean="0"/>
+              <a:rPr lang="en-US" sz="1800" dirty="0"/>
               <a:t>)</a:t>
             </a:r>
-            <a:endParaRPr lang="en-US" sz="2800" dirty="0" smtClean="0"/>
+            <a:endParaRPr lang="en-US" sz="2800" dirty="0"/>
           </a:p>
         </p:txBody>
       </p:sp>
@@ -13631,15 +12266,7 @@
             </a:pPr>
             <a:r>
               <a:rPr lang="en-US" sz="1100" dirty="0"/>
-              <a:t>       ftp </a:t>
-            </a:r>
-            <a:r>
-              <a:rPr lang="en-US" sz="1100" dirty="0" smtClean="0"/>
-              <a:t>   File </a:t>
-            </a:r>
-            <a:r>
-              <a:rPr lang="en-US" sz="1100" dirty="0"/>
-              <a:t>Transfer Protocol client.</a:t>
+              <a:t>       ftp    File Transfer Protocol client.</a:t>
             </a:r>
           </a:p>
           <a:p>
@@ -13772,13 +12399,8 @@
             </a:pPr>
             <a:r>
               <a:rPr lang="en-US" sz="1100" dirty="0"/>
-              <a:t>              do not prompt during multiple file </a:t>
-            </a:r>
-            <a:r>
-              <a:rPr lang="en-US" sz="1100" dirty="0" smtClean="0"/>
-              <a:t>transfers</a:t>
-            </a:r>
-            <a:endParaRPr lang="en-US" sz="1100" dirty="0"/>
+              <a:t>              do not prompt during multiple file transfers</a:t>
+            </a:r>
           </a:p>
         </p:txBody>
       </p:sp>
@@ -13960,13 +12582,8 @@
             </a:pPr>
             <a:r>
               <a:rPr lang="en-US" sz="1100" dirty="0"/>
-              <a:t>              print program </a:t>
-            </a:r>
-            <a:r>
-              <a:rPr lang="en-US" sz="1100" dirty="0" smtClean="0"/>
-              <a:t>version</a:t>
-            </a:r>
-            <a:endParaRPr lang="en-US" sz="1100" dirty="0"/>
+              <a:t>              print program version</a:t>
+            </a:r>
           </a:p>
         </p:txBody>
       </p:sp>
@@ -13989,9 +12606,9 @@
           <a:p>
             <a:fld id="{2304A905-ED1A-4633-88B3-7A6C464DC1BC}" type="datetime1">
               <a:rPr lang="en-US" smtClean="0"/>
-              <a:t>11/29/2015</a:t>
+              <a:t>12/23/2016</a:t>
             </a:fld>
-            <a:endParaRPr lang="en-US" smtClean="0"/>
+            <a:endParaRPr lang="en-US"/>
           </a:p>
         </p:txBody>
       </p:sp>
@@ -14013,7 +12630,7 @@
           <a:lstStyle/>
           <a:p>
             <a:r>
-              <a:rPr lang="en-US" dirty="0" smtClean="0"/>
+              <a:rPr lang="en-US" dirty="0"/>
               <a:t>TeamSTARS "tsWxGTUI_PyVx" Toolkit prepared &amp; presented by Richard S. Gordon</a:t>
             </a:r>
           </a:p>
@@ -14056,13 +12673,6 @@
     <a:masterClrMapping/>
   </p:clrMapOvr>
   <p:transition/>
-  <p:timing>
-    <p:tnLst>
-      <p:par>
-        <p:cTn id="1" dur="indefinite" restart="never" nodeType="tmRoot"/>
-      </p:par>
-    </p:tnLst>
-  </p:timing>
 </p:sld>
 </file>
 
@@ -14102,9 +12712,9 @@
           <a:p>
             <a:fld id="{5753C16F-E93E-49D1-BDBD-6B87DFE94ADD}" type="datetime1">
               <a:rPr lang="en-US" smtClean="0"/>
-              <a:t>11/29/2015</a:t>
+              <a:t>12/23/2016</a:t>
             </a:fld>
-            <a:endParaRPr lang="en-US" smtClean="0"/>
+            <a:endParaRPr lang="en-US"/>
           </a:p>
         </p:txBody>
       </p:sp>
@@ -14126,7 +12736,7 @@
           <a:lstStyle/>
           <a:p>
             <a:r>
-              <a:rPr lang="en-US" dirty="0" smtClean="0"/>
+              <a:rPr lang="en-US" dirty="0"/>
               <a:t>TeamSTARS "tsWxGTUI_PyVx" Toolkit prepared &amp; presented by Richard S. Gordon</a:t>
             </a:r>
           </a:p>
@@ -14179,13 +12789,13 @@
               <a:t>CLI Building Blocks (</a:t>
             </a:r>
             <a:r>
-              <a:rPr lang="en-US" dirty="0" err="1" smtClean="0">
+              <a:rPr lang="en-US" dirty="0" err="1">
                 <a:hlinkClick r:id="rId3"/>
               </a:rPr>
               <a:t>tsLibCLI</a:t>
             </a:r>
             <a:r>
-              <a:rPr lang="en-US" dirty="0" smtClean="0"/>
+              <a:rPr lang="en-US" dirty="0"/>
               <a:t> </a:t>
             </a:r>
             <a:r>
@@ -14193,11 +12803,11 @@
               <a:t>full listing</a:t>
             </a:r>
             <a:r>
-              <a:rPr lang="en-US" dirty="0" smtClean="0"/>
+              <a:rPr lang="en-US" dirty="0"/>
               <a:t>) </a:t>
             </a:r>
             <a:r>
-              <a:rPr lang="en-US" sz="2000" dirty="0" smtClean="0"/>
+              <a:rPr lang="en-US" sz="2000" dirty="0"/>
               <a:t>(</a:t>
             </a:r>
             <a:r>
@@ -14207,10 +12817,10 @@
               <a:t>Table of Contents</a:t>
             </a:r>
             <a:r>
-              <a:rPr lang="en-US" sz="2000" dirty="0" smtClean="0"/>
+              <a:rPr lang="en-US" sz="2000" dirty="0"/>
               <a:t>)</a:t>
             </a:r>
-            <a:endParaRPr lang="en-US" sz="3200" dirty="0" smtClean="0"/>
+            <a:endParaRPr lang="en-US" sz="3200" dirty="0"/>
           </a:p>
         </p:txBody>
       </p:sp>
@@ -14231,76 +12841,76 @@
           <a:p>
             <a:pPr eaLnBrk="1" hangingPunct="1"/>
             <a:r>
-              <a:rPr lang="en-US" dirty="0" smtClean="0"/>
+              <a:rPr lang="en-US" dirty="0"/>
               <a:t>Application Building Blocks</a:t>
             </a:r>
           </a:p>
           <a:p>
             <a:pPr lvl="1" eaLnBrk="1" hangingPunct="1"/>
             <a:r>
-              <a:rPr lang="en-US" dirty="0" smtClean="0">
+              <a:rPr lang="en-US" dirty="0">
                 <a:hlinkClick r:id="rId5" action="ppaction://hlinksldjump"/>
               </a:rPr>
               <a:t>tsCommandLineInterface</a:t>
             </a:r>
-            <a:endParaRPr lang="en-US" dirty="0" smtClean="0"/>
+            <a:endParaRPr lang="en-US" dirty="0"/>
           </a:p>
           <a:p>
             <a:pPr lvl="1" eaLnBrk="1" hangingPunct="1"/>
             <a:r>
-              <a:rPr lang="en-US" dirty="0" smtClean="0">
+              <a:rPr lang="en-US" dirty="0">
                 <a:hlinkClick r:id="rId6" action="ppaction://hlinksldjump"/>
               </a:rPr>
               <a:t>tsDoubleLinkedList</a:t>
             </a:r>
-            <a:endParaRPr lang="en-US" dirty="0" smtClean="0"/>
+            <a:endParaRPr lang="en-US" dirty="0"/>
           </a:p>
           <a:p>
             <a:pPr lvl="1" eaLnBrk="1" hangingPunct="1"/>
             <a:r>
-              <a:rPr lang="en-US" dirty="0" smtClean="0">
+              <a:rPr lang="en-US" dirty="0">
                 <a:hlinkClick r:id="rId7" action="ppaction://hlinksldjump"/>
               </a:rPr>
               <a:t>tsOperatorSettingsParser</a:t>
             </a:r>
-            <a:endParaRPr lang="en-US" dirty="0" smtClean="0"/>
+            <a:endParaRPr lang="en-US" dirty="0"/>
           </a:p>
           <a:p>
             <a:pPr lvl="1" eaLnBrk="1" hangingPunct="1"/>
             <a:r>
-              <a:rPr lang="en-US" dirty="0" smtClean="0">
+              <a:rPr lang="en-US" dirty="0">
                 <a:hlinkClick r:id="rId8" action="ppaction://hlinksldjump"/>
               </a:rPr>
               <a:t>tsReportUtilities</a:t>
             </a:r>
-            <a:endParaRPr lang="en-US" dirty="0" smtClean="0"/>
+            <a:endParaRPr lang="en-US" dirty="0"/>
           </a:p>
           <a:p>
             <a:pPr eaLnBrk="1" hangingPunct="1"/>
             <a:r>
-              <a:rPr lang="en-US" dirty="0" smtClean="0"/>
+              <a:rPr lang="en-US" dirty="0"/>
               <a:t>Application Diagnostics</a:t>
             </a:r>
           </a:p>
           <a:p>
             <a:pPr lvl="1" eaLnBrk="1" hangingPunct="1"/>
             <a:r>
-              <a:rPr lang="en-US" dirty="0" smtClean="0">
+              <a:rPr lang="en-US" dirty="0">
                 <a:hlinkClick r:id="rId9" action="ppaction://hlinksldjump"/>
               </a:rPr>
               <a:t>tsExceptions</a:t>
             </a:r>
-            <a:endParaRPr lang="en-US" dirty="0" smtClean="0"/>
+            <a:endParaRPr lang="en-US" dirty="0"/>
           </a:p>
           <a:p>
             <a:pPr lvl="1" eaLnBrk="1" hangingPunct="1"/>
             <a:r>
-              <a:rPr lang="en-US" dirty="0" smtClean="0">
+              <a:rPr lang="en-US" dirty="0">
                 <a:hlinkClick r:id="rId10" action="ppaction://hlinksldjump"/>
               </a:rPr>
               <a:t>tsLogger</a:t>
             </a:r>
-            <a:endParaRPr lang="en-US" dirty="0" smtClean="0"/>
+            <a:endParaRPr lang="en-US" dirty="0"/>
           </a:p>
         </p:txBody>
       </p:sp>
@@ -14321,76 +12931,76 @@
           <a:p>
             <a:pPr eaLnBrk="1" hangingPunct="1"/>
             <a:r>
-              <a:rPr lang="en-US" dirty="0" smtClean="0"/>
+              <a:rPr lang="en-US" dirty="0"/>
               <a:t>Application Configuration</a:t>
             </a:r>
           </a:p>
           <a:p>
             <a:pPr lvl="1" eaLnBrk="1" hangingPunct="1"/>
             <a:r>
-              <a:rPr lang="en-US" dirty="0" smtClean="0">
+              <a:rPr lang="en-US" dirty="0">
                 <a:hlinkClick r:id="rId11" action="ppaction://hlinksldjump"/>
               </a:rPr>
               <a:t>tsCxGlobals</a:t>
             </a:r>
-            <a:endParaRPr lang="en-US" dirty="0" smtClean="0"/>
+            <a:endParaRPr lang="en-US" dirty="0"/>
           </a:p>
           <a:p>
             <a:pPr lvl="1" eaLnBrk="1" hangingPunct="1"/>
             <a:r>
-              <a:rPr lang="en-US" dirty="0" smtClean="0">
+              <a:rPr lang="en-US" dirty="0">
                 <a:hlinkClick r:id="rId12" action="ppaction://hlinksldjump"/>
               </a:rPr>
               <a:t>tsGistGetTerminalSize</a:t>
             </a:r>
-            <a:endParaRPr lang="en-US" dirty="0" smtClean="0"/>
+            <a:endParaRPr lang="en-US" dirty="0"/>
           </a:p>
           <a:p>
             <a:pPr lvl="1" eaLnBrk="1" hangingPunct="1"/>
             <a:r>
-              <a:rPr lang="en-US" dirty="0" smtClean="0">
+              <a:rPr lang="en-US" dirty="0">
                 <a:hlinkClick r:id="rId13" action="ppaction://hlinksldjump"/>
               </a:rPr>
               <a:t>tsPlatformRunTimeEnviroment</a:t>
             </a:r>
-            <a:endParaRPr lang="en-US" dirty="0" smtClean="0"/>
+            <a:endParaRPr lang="en-US" dirty="0"/>
           </a:p>
           <a:p>
             <a:pPr eaLnBrk="1" hangingPunct="1"/>
             <a:r>
-              <a:rPr lang="en-US" dirty="0" smtClean="0"/>
+              <a:rPr lang="en-US" dirty="0"/>
               <a:t>Application Launchers </a:t>
             </a:r>
           </a:p>
           <a:p>
             <a:pPr lvl="1" eaLnBrk="1" hangingPunct="1"/>
             <a:r>
-              <a:rPr lang="en-US" dirty="0" smtClean="0">
+              <a:rPr lang="en-US" dirty="0">
                 <a:hlinkClick r:id="rId14" action="ppaction://hlinksldjump"/>
               </a:rPr>
               <a:t>tsApplication</a:t>
             </a:r>
-            <a:endParaRPr lang="en-US" dirty="0" smtClean="0"/>
+            <a:endParaRPr lang="en-US" dirty="0"/>
           </a:p>
           <a:p>
             <a:pPr lvl="1" eaLnBrk="1" hangingPunct="1"/>
             <a:r>
-              <a:rPr lang="en-US" dirty="0" smtClean="0">
+              <a:rPr lang="en-US" dirty="0">
                 <a:hlinkClick r:id="rId15" action="ppaction://hlinksldjump"/>
               </a:rPr>
               <a:t>tsCommandLineEnv</a:t>
             </a:r>
-            <a:endParaRPr lang="en-US" dirty="0" smtClean="0"/>
+            <a:endParaRPr lang="en-US" dirty="0"/>
           </a:p>
           <a:p>
             <a:pPr lvl="1" eaLnBrk="1" hangingPunct="1"/>
             <a:r>
-              <a:rPr lang="en-US" dirty="0" smtClean="0">
+              <a:rPr lang="en-US" dirty="0">
                 <a:hlinkClick r:id="rId16" action="ppaction://hlinksldjump"/>
               </a:rPr>
               <a:t>tsSysCommands</a:t>
             </a:r>
-            <a:endParaRPr lang="en-US" dirty="0" smtClean="0"/>
+            <a:endParaRPr lang="en-US" dirty="0"/>
           </a:p>
         </p:txBody>
       </p:sp>
@@ -14405,13 +13015,6 @@
     <a:masterClrMapping/>
   </p:clrMapOvr>
   <p:transition/>
-  <p:timing>
-    <p:tnLst>
-      <p:par>
-        <p:cTn id="1" dur="indefinite" restart="never" nodeType="tmRoot"/>
-      </p:par>
-    </p:tnLst>
-  </p:timing>
 </p:sld>
 </file>
 
@@ -14448,34 +13051,28 @@
           <a:lstStyle/>
           <a:p>
             <a:r>
-              <a:rPr lang="en-US" dirty="0" smtClean="0"/>
+              <a:rPr lang="en-US" dirty="0"/>
               <a:t>tsLibCLI</a:t>
             </a:r>
             <a:br>
-              <a:rPr lang="en-US" dirty="0" smtClean="0"/>
+              <a:rPr lang="en-US" dirty="0"/>
             </a:br>
             <a:r>
-              <a:rPr lang="en-US" dirty="0" smtClean="0"/>
+              <a:rPr lang="en-US" dirty="0"/>
               <a:t>Organization and Usage </a:t>
             </a:r>
             <a:r>
-              <a:rPr lang="en-US" sz="2000" dirty="0" smtClean="0"/>
+              <a:rPr lang="en-US" sz="2000" dirty="0"/>
               <a:t>(</a:t>
-            </a:r>
-            <a:r>
-              <a:rPr lang="en-US" sz="2000" dirty="0" smtClean="0">
-                <a:hlinkClick r:id="rId2" action="ppaction://hlinksldjump"/>
-              </a:rPr>
-              <a:t>Table </a:t>
             </a:r>
             <a:r>
               <a:rPr lang="en-US" sz="2000" dirty="0">
                 <a:hlinkClick r:id="rId2" action="ppaction://hlinksldjump"/>
               </a:rPr>
-              <a:t>of Contents</a:t>
-            </a:r>
-            <a:r>
-              <a:rPr lang="en-US" sz="2000" dirty="0" smtClean="0"/>
+              <a:t>Table of Contents</a:t>
+            </a:r>
+            <a:r>
+              <a:rPr lang="en-US" sz="2000" dirty="0"/>
               <a:t>)</a:t>
             </a:r>
             <a:endParaRPr lang="en-US" sz="3200" dirty="0"/>
@@ -14498,70 +13095,29 @@
           <a:lstStyle/>
           <a:p>
             <a:r>
-              <a:rPr lang="en-US" dirty="0" smtClean="0"/>
-              <a:t>This </a:t>
-            </a:r>
-            <a:r>
               <a:rPr lang="en-US" dirty="0"/>
-              <a:t>library of building blocks is organized, by </a:t>
-            </a:r>
-            <a:r>
-              <a:rPr lang="en-US" dirty="0" smtClean="0"/>
-              <a:t>the    </a:t>
-            </a:r>
+              <a:t>This library of building blocks is organized, by the    functional scope of each component, into a collection of Python "modules".</a:t>
+            </a:r>
+          </a:p>
+          <a:p>
             <a:r>
               <a:rPr lang="en-US" dirty="0"/>
-              <a:t>functional scope of each component, into a collection </a:t>
-            </a:r>
-            <a:r>
-              <a:rPr lang="en-US" dirty="0" smtClean="0"/>
-              <a:t>of Python "modules".</a:t>
-            </a:r>
-          </a:p>
-          <a:p>
-            <a:r>
-              <a:rPr lang="en-US" dirty="0" smtClean="0"/>
-              <a:t>When </a:t>
-            </a:r>
+              <a:t>When appropriate, tsLibCLI modules may import and use the services of:</a:t>
+            </a:r>
+          </a:p>
+          <a:p>
+            <a:pPr lvl="1"/>
             <a:r>
               <a:rPr lang="en-US" dirty="0"/>
-              <a:t>appropriate, tsLibCLI modules may import </a:t>
-            </a:r>
-            <a:r>
-              <a:rPr lang="en-US" dirty="0" smtClean="0"/>
-              <a:t>and use </a:t>
-            </a:r>
+              <a:t>any other tsLibCLI module</a:t>
+            </a:r>
+          </a:p>
+          <a:p>
+            <a:pPr lvl="1"/>
             <a:r>
               <a:rPr lang="en-US" dirty="0"/>
-              <a:t>the services </a:t>
-            </a:r>
-            <a:r>
-              <a:rPr lang="en-US" dirty="0" smtClean="0"/>
-              <a:t>of:</a:t>
-            </a:r>
-          </a:p>
-          <a:p>
-            <a:pPr lvl="1"/>
-            <a:r>
-              <a:rPr lang="en-US" dirty="0" smtClean="0"/>
-              <a:t>any </a:t>
-            </a:r>
-            <a:r>
-              <a:rPr lang="en-US" dirty="0"/>
-              <a:t>other tsLibCLI </a:t>
-            </a:r>
-            <a:r>
-              <a:rPr lang="en-US" dirty="0" smtClean="0"/>
-              <a:t>module</a:t>
-            </a:r>
-          </a:p>
-          <a:p>
-            <a:pPr lvl="1"/>
-            <a:r>
-              <a:rPr lang="en-US" dirty="0" smtClean="0"/>
               <a:t>any module listed in the Python Global Module Index</a:t>
             </a:r>
-            <a:endParaRPr lang="en-US" dirty="0"/>
           </a:p>
         </p:txBody>
       </p:sp>
@@ -14585,7 +13141,7 @@
             </a:pPr>
             <a:fld id="{44D06F95-D493-494F-B0EB-3EDFAA385886}" type="datetime1">
               <a:rPr lang="en-US" smtClean="0"/>
-              <a:t>11/29/2015</a:t>
+              <a:t>12/23/2016</a:t>
             </a:fld>
             <a:endParaRPr lang="en-US"/>
           </a:p>
@@ -14610,7 +13166,7 @@
               <a:defRPr/>
             </a:pPr>
             <a:r>
-              <a:rPr lang="en-US" smtClean="0"/>
+              <a:rPr lang="en-US"/>
               <a:t>TeamSTARS "tsWxGTUI_PyVx" Toolkit prepared &amp; presented by Richard S. Gordon</a:t>
             </a:r>
             <a:endParaRPr lang="en-US" dirty="0"/>
@@ -14651,13 +13207,6 @@
   <p:clrMapOvr>
     <a:masterClrMapping/>
   </p:clrMapOvr>
-  <p:timing>
-    <p:tnLst>
-      <p:par>
-        <p:cTn id="1" dur="indefinite" restart="never" nodeType="tmRoot"/>
-      </p:par>
-    </p:tnLst>
-  </p:timing>
 </p:sld>
 </file>
 
@@ -14694,27 +13243,21 @@
           <a:lstStyle/>
           <a:p>
             <a:r>
-              <a:rPr lang="en-US" sz="4000" dirty="0" smtClean="0"/>
+              <a:rPr lang="en-US" sz="4000" dirty="0"/>
               <a:t>tsApplication.py Module </a:t>
             </a:r>
             <a:r>
-              <a:rPr lang="en-US" sz="2000" dirty="0" smtClean="0"/>
+              <a:rPr lang="en-US" sz="2000" dirty="0"/>
               <a:t>(</a:t>
-            </a:r>
-            <a:r>
-              <a:rPr lang="en-US" sz="2000" dirty="0" smtClean="0">
-                <a:hlinkClick r:id="rId2" action="ppaction://hlinksldjump"/>
-              </a:rPr>
-              <a:t>Table </a:t>
             </a:r>
             <a:r>
               <a:rPr lang="en-US" sz="2000" dirty="0">
                 <a:hlinkClick r:id="rId2" action="ppaction://hlinksldjump"/>
               </a:rPr>
-              <a:t>of Contents</a:t>
-            </a:r>
-            <a:r>
-              <a:rPr lang="en-US" sz="2000" dirty="0" smtClean="0"/>
+              <a:t>Table of Contents</a:t>
+            </a:r>
+            <a:r>
+              <a:rPr lang="en-US" sz="2000" dirty="0"/>
               <a:t>)</a:t>
             </a:r>
             <a:endParaRPr lang="en-US" sz="3200" dirty="0"/>
@@ -14737,91 +13280,29 @@
           <a:lstStyle/>
           <a:p>
             <a:r>
-              <a:rPr lang="en-US" sz="2400" dirty="0" smtClean="0"/>
-              <a:t>Module enables </a:t>
-            </a:r>
-            <a:r>
               <a:rPr lang="en-US" sz="2400" dirty="0"/>
-              <a:t>the application program launched by an </a:t>
-            </a:r>
-            <a:r>
-              <a:rPr lang="en-US" sz="2400" dirty="0" smtClean="0"/>
-              <a:t>operator </a:t>
-            </a:r>
-            <a:r>
-              <a:rPr lang="en-US" sz="2400" dirty="0"/>
-              <a:t>via a Command Line Interface (CLI) to also </a:t>
-            </a:r>
-            <a:r>
-              <a:rPr lang="en-US" sz="2400" dirty="0" smtClean="0"/>
-              <a:t>initialize</a:t>
-            </a:r>
-            <a:r>
-              <a:rPr lang="en-US" sz="2400" dirty="0"/>
-              <a:t>, configure and use the same character-mode </a:t>
-            </a:r>
-            <a:r>
-              <a:rPr lang="en-US" sz="2400" dirty="0" smtClean="0"/>
-              <a:t>terminal with </a:t>
-            </a:r>
-            <a:r>
-              <a:rPr lang="en-US" sz="2400" dirty="0"/>
-              <a:t>a Graphical-style User Interface (GUI</a:t>
-            </a:r>
-            <a:r>
-              <a:rPr lang="en-US" sz="2400" dirty="0" smtClean="0"/>
-              <a:t>).</a:t>
-            </a:r>
-            <a:endParaRPr lang="en-US" sz="2400" dirty="0"/>
+              <a:t>Module enables the application program launched by an operator via a Command Line Interface (CLI) to also initialize, configure and use the same character-mode terminal with a Graphical-style User Interface (GUI).</a:t>
+            </a:r>
           </a:p>
           <a:p>
             <a:pPr lvl="1"/>
             <a:r>
               <a:rPr lang="en-US" sz="2000" dirty="0"/>
-              <a:t>Module registers and validates</a:t>
-            </a:r>
-            <a:r>
-              <a:rPr lang="en-US" sz="2000" dirty="0" smtClean="0"/>
-              <a:t>:</a:t>
-            </a:r>
-            <a:endParaRPr lang="en-US" sz="2000" dirty="0"/>
+              <a:t>Module registers and validates:</a:t>
+            </a:r>
           </a:p>
           <a:p>
             <a:pPr lvl="2"/>
             <a:r>
-              <a:rPr lang="en-US" sz="2000" dirty="0" smtClean="0"/>
-              <a:t>operator </a:t>
-            </a:r>
-            <a:r>
               <a:rPr lang="en-US" sz="2000" dirty="0"/>
-              <a:t>application settings inputs from </a:t>
-            </a:r>
-            <a:r>
-              <a:rPr lang="en-US" sz="2000" dirty="0" smtClean="0"/>
-              <a:t>command line </a:t>
-            </a:r>
+              <a:t>operator application settings inputs from command line keyword-value pairs and positional arguments.</a:t>
+            </a:r>
+          </a:p>
+          <a:p>
+            <a:pPr lvl="2"/>
             <a:r>
               <a:rPr lang="en-US" sz="2000" dirty="0"/>
-              <a:t>keyword-value pairs and positional arguments.</a:t>
-            </a:r>
-          </a:p>
-          <a:p>
-            <a:pPr lvl="2"/>
-            <a:r>
-              <a:rPr lang="en-US" sz="2000" dirty="0" smtClean="0"/>
-              <a:t>instantiation </a:t>
-            </a:r>
-            <a:r>
-              <a:rPr lang="en-US" sz="2000" dirty="0"/>
-              <a:t>settings input from </a:t>
-            </a:r>
-            <a:r>
-              <a:rPr lang="en-US" sz="2000" dirty="0" smtClean="0"/>
-              <a:t>applications via </a:t>
-            </a:r>
-            <a:r>
-              <a:rPr lang="en-US" sz="2000" dirty="0"/>
-              <a:t>caller parameter list.</a:t>
+              <a:t>instantiation settings input from applications via caller parameter list.</a:t>
             </a:r>
           </a:p>
           <a:p>
@@ -14837,15 +13318,7 @@
             </a:r>
             <a:r>
               <a:rPr lang="en-US" sz="2400" dirty="0"/>
-              <a:t> which </a:t>
-            </a:r>
-            <a:r>
-              <a:rPr lang="en-US" sz="2400" dirty="0" smtClean="0"/>
-              <a:t>itself is </a:t>
-            </a:r>
-            <a:r>
-              <a:rPr lang="en-US" sz="2400" dirty="0"/>
-              <a:t>the base class for </a:t>
+              <a:t> which itself is the base class for </a:t>
             </a:r>
             <a:r>
               <a:rPr lang="en-US" sz="2400" b="1" dirty="0">
@@ -14854,10 +13327,9 @@
               <a:t>tsWxMultiFrameEnv</a:t>
             </a:r>
             <a:r>
-              <a:rPr lang="en-US" sz="2400" dirty="0" smtClean="0"/>
+              <a:rPr lang="en-US" sz="2400" dirty="0"/>
               <a:t>.</a:t>
             </a:r>
-            <a:endParaRPr lang="en-US" sz="2400" dirty="0"/>
           </a:p>
         </p:txBody>
       </p:sp>
@@ -14881,7 +13353,7 @@
             </a:pPr>
             <a:fld id="{65B11A62-63AA-4067-ACEB-AA6A42CE3A38}" type="datetime1">
               <a:rPr lang="en-US" smtClean="0"/>
-              <a:t>11/29/2015</a:t>
+              <a:t>12/23/2016</a:t>
             </a:fld>
             <a:endParaRPr lang="en-US"/>
           </a:p>
@@ -14906,7 +13378,7 @@
               <a:defRPr/>
             </a:pPr>
             <a:r>
-              <a:rPr lang="en-US" smtClean="0"/>
+              <a:rPr lang="en-US"/>
               <a:t>TeamSTARS "tsWxGTUI_PyVx" Toolkit prepared &amp; presented by Richard S. Gordon</a:t>
             </a:r>
             <a:endParaRPr lang="en-US" dirty="0"/>
@@ -14947,13 +13419,6 @@
   <p:clrMapOvr>
     <a:masterClrMapping/>
   </p:clrMapOvr>
-  <p:timing>
-    <p:tnLst>
-      <p:par>
-        <p:cTn id="1" dur="indefinite" restart="never" nodeType="tmRoot"/>
-      </p:par>
-    </p:tnLst>
-  </p:timing>
 </p:sld>
 </file>
 
@@ -14991,30 +13456,20 @@
           <a:p>
             <a:r>
               <a:rPr lang="en-US" sz="4000" dirty="0"/>
-              <a:t>tsCommandLineEnv.py </a:t>
-            </a:r>
-            <a:r>
-              <a:rPr lang="en-US" sz="4000" dirty="0" smtClean="0"/>
-              <a:t>Module </a:t>
-            </a:r>
-            <a:r>
-              <a:rPr lang="en-US" sz="2000" dirty="0" smtClean="0"/>
+              <a:t>tsCommandLineEnv.py Module </a:t>
+            </a:r>
+            <a:r>
+              <a:rPr lang="en-US" sz="2000" dirty="0"/>
               <a:t>(</a:t>
-            </a:r>
-            <a:r>
-              <a:rPr lang="en-US" sz="2000" dirty="0" smtClean="0">
-                <a:hlinkClick r:id="rId2" action="ppaction://hlinksldjump"/>
-              </a:rPr>
-              <a:t>Table </a:t>
             </a:r>
             <a:r>
               <a:rPr lang="en-US" sz="2000" dirty="0">
                 <a:hlinkClick r:id="rId2" action="ppaction://hlinksldjump"/>
               </a:rPr>
-              <a:t>of Contents</a:t>
-            </a:r>
-            <a:r>
-              <a:rPr lang="en-US" sz="2000" dirty="0" smtClean="0"/>
+              <a:t>Table of Contents</a:t>
+            </a:r>
+            <a:r>
+              <a:rPr lang="en-US" sz="2000" dirty="0"/>
               <a:t>)</a:t>
             </a:r>
             <a:endParaRPr lang="en-US" sz="3200" dirty="0"/>
@@ -15037,82 +13492,22 @@
           <a:lstStyle/>
           <a:p>
             <a:r>
-              <a:rPr lang="en-US" sz="2800" dirty="0" smtClean="0"/>
-              <a:t>Class </a:t>
-            </a:r>
-            <a:r>
               <a:rPr lang="en-US" sz="2800" dirty="0"/>
-              <a:t>to initialize and configure the application </a:t>
-            </a:r>
-            <a:r>
-              <a:rPr lang="en-US" sz="2800" dirty="0" smtClean="0"/>
-              <a:t>program launched </a:t>
-            </a:r>
-            <a:r>
-              <a:rPr lang="en-US" sz="2800" dirty="0"/>
-              <a:t>by an operator</a:t>
-            </a:r>
-            <a:r>
-              <a:rPr lang="en-US" sz="2800" dirty="0" smtClean="0"/>
-              <a:t>.</a:t>
+              <a:t>Class to initialize and configure the application program launched by an operator.</a:t>
             </a:r>
           </a:p>
           <a:p>
             <a:pPr lvl="1"/>
             <a:r>
               <a:rPr lang="en-US" sz="2400" dirty="0"/>
-              <a:t>Class delivers those </a:t>
-            </a:r>
-            <a:r>
-              <a:rPr lang="en-US" sz="2400" dirty="0" smtClean="0"/>
-              <a:t>keyword-value pair </a:t>
-            </a:r>
+              <a:t>Class delivers those keyword-value pair options and positional arguments specified by the application, in its invocation parameter list.</a:t>
+            </a:r>
+          </a:p>
+          <a:p>
+            <a:pPr lvl="1"/>
             <a:r>
               <a:rPr lang="en-US" sz="2400" dirty="0"/>
-              <a:t>options and positional arguments specified by </a:t>
-            </a:r>
-            <a:r>
-              <a:rPr lang="en-US" sz="2400" dirty="0" smtClean="0"/>
-              <a:t>the application</a:t>
-            </a:r>
-            <a:r>
-              <a:rPr lang="en-US" sz="2400" dirty="0"/>
-              <a:t>, in its invocation parameter list</a:t>
-            </a:r>
-            <a:r>
-              <a:rPr lang="en-US" sz="2400" dirty="0" smtClean="0"/>
-              <a:t>.</a:t>
-            </a:r>
-          </a:p>
-          <a:p>
-            <a:pPr lvl="1"/>
-            <a:r>
-              <a:rPr lang="en-US" sz="2400" dirty="0"/>
-              <a:t>Class wraps </a:t>
-            </a:r>
-            <a:r>
-              <a:rPr lang="en-US" sz="2400" dirty="0" smtClean="0"/>
-              <a:t>the </a:t>
-            </a:r>
-            <a:r>
-              <a:rPr lang="en-US" sz="2400" dirty="0"/>
-              <a:t>Command Line Interface application with </a:t>
-            </a:r>
-            <a:r>
-              <a:rPr lang="en-US" sz="2400" dirty="0" smtClean="0"/>
-              <a:t>exception handlers </a:t>
-            </a:r>
-            <a:r>
-              <a:rPr lang="en-US" sz="2400" dirty="0"/>
-              <a:t>to control exit codes and messages that may </a:t>
-            </a:r>
-            <a:r>
-              <a:rPr lang="en-US" sz="2400" dirty="0" smtClean="0"/>
-              <a:t>be used </a:t>
-            </a:r>
-            <a:r>
-              <a:rPr lang="en-US" sz="2400" dirty="0"/>
-              <a:t>to co-ordinate other application programs.</a:t>
+              <a:t>Class wraps the Command Line Interface application with exception handlers to control exit codes and messages that may be used to co-ordinate other application programs.</a:t>
             </a:r>
           </a:p>
         </p:txBody>
@@ -15137,7 +13532,7 @@
             </a:pPr>
             <a:fld id="{65B11A62-63AA-4067-ACEB-AA6A42CE3A38}" type="datetime1">
               <a:rPr lang="en-US" smtClean="0"/>
-              <a:t>11/29/2015</a:t>
+              <a:t>12/23/2016</a:t>
             </a:fld>
             <a:endParaRPr lang="en-US"/>
           </a:p>
@@ -15162,7 +13557,7 @@
               <a:defRPr/>
             </a:pPr>
             <a:r>
-              <a:rPr lang="en-US" smtClean="0"/>
+              <a:rPr lang="en-US"/>
               <a:t>TeamSTARS "tsWxGTUI_PyVx" Toolkit prepared &amp; presented by Richard S. Gordon</a:t>
             </a:r>
             <a:endParaRPr lang="en-US" dirty="0"/>
@@ -15203,13 +13598,6 @@
   <p:clrMapOvr>
     <a:masterClrMapping/>
   </p:clrMapOvr>
-  <p:timing>
-    <p:tnLst>
-      <p:par>
-        <p:cTn id="1" dur="indefinite" restart="never" nodeType="tmRoot"/>
-      </p:par>
-    </p:tnLst>
-  </p:timing>
 </p:sld>
 </file>
 
@@ -15247,30 +13635,20 @@
           <a:p>
             <a:r>
               <a:rPr lang="en-US" sz="3600" dirty="0"/>
-              <a:t>tsCommandLineInterface.py </a:t>
-            </a:r>
-            <a:r>
-              <a:rPr lang="en-US" sz="3600" dirty="0" smtClean="0"/>
-              <a:t>Module </a:t>
-            </a:r>
-            <a:r>
-              <a:rPr lang="en-US" sz="2000" dirty="0" smtClean="0"/>
+              <a:t>tsCommandLineInterface.py Module </a:t>
+            </a:r>
+            <a:r>
+              <a:rPr lang="en-US" sz="2000" dirty="0"/>
               <a:t>(</a:t>
-            </a:r>
-            <a:r>
-              <a:rPr lang="en-US" sz="2000" dirty="0" smtClean="0">
-                <a:hlinkClick r:id="rId2" action="ppaction://hlinksldjump"/>
-              </a:rPr>
-              <a:t>Table </a:t>
             </a:r>
             <a:r>
               <a:rPr lang="en-US" sz="2000" dirty="0">
                 <a:hlinkClick r:id="rId2" action="ppaction://hlinksldjump"/>
               </a:rPr>
-              <a:t>of Contents</a:t>
-            </a:r>
-            <a:r>
-              <a:rPr lang="en-US" sz="2000" dirty="0" smtClean="0"/>
+              <a:t>Table of Contents</a:t>
+            </a:r>
+            <a:r>
+              <a:rPr lang="en-US" sz="2000" dirty="0"/>
               <a:t>)</a:t>
             </a:r>
             <a:endParaRPr lang="en-US" sz="3200" dirty="0"/>
@@ -15293,83 +13671,30 @@
           <a:lstStyle/>
           <a:p>
             <a:r>
-              <a:rPr lang="en-US" dirty="0" smtClean="0"/>
-              <a:t>Class establishes </a:t>
-            </a:r>
-            <a:r>
               <a:rPr lang="en-US" dirty="0"/>
-              <a:t>methods </a:t>
-            </a:r>
-            <a:r>
-              <a:rPr lang="en-US" dirty="0" smtClean="0"/>
-              <a:t>that:</a:t>
+              <a:t>Class establishes methods that:</a:t>
             </a:r>
           </a:p>
           <a:p>
             <a:pPr lvl="1"/>
             <a:r>
-              <a:rPr lang="en-US" dirty="0" smtClean="0"/>
-              <a:t>prompt </a:t>
-            </a:r>
-            <a:r>
               <a:rPr lang="en-US" dirty="0"/>
-              <a:t>or </a:t>
-            </a:r>
-            <a:r>
-              <a:rPr lang="en-US" dirty="0" smtClean="0"/>
-              <a:t>re-prompt </a:t>
-            </a:r>
+              <a:t>prompt or re-prompt the operator for input</a:t>
+            </a:r>
+          </a:p>
+          <a:p>
+            <a:pPr lvl="1"/>
             <a:r>
               <a:rPr lang="en-US" dirty="0"/>
-              <a:t>the operator for </a:t>
-            </a:r>
-            <a:r>
-              <a:rPr lang="en-US" dirty="0" smtClean="0"/>
-              <a:t>input</a:t>
+              <a:t>validate that the operator has supplied the expected number of inputs and that each is of the expected type.\</a:t>
             </a:r>
           </a:p>
           <a:p>
             <a:pPr lvl="1"/>
             <a:r>
-              <a:rPr lang="en-US" dirty="0" smtClean="0"/>
-              <a:t>validate </a:t>
-            </a:r>
-            <a:r>
               <a:rPr lang="en-US" dirty="0"/>
-              <a:t>that the </a:t>
-            </a:r>
-            <a:r>
-              <a:rPr lang="en-US" dirty="0" smtClean="0"/>
-              <a:t>operator has </a:t>
-            </a:r>
-            <a:r>
-              <a:rPr lang="en-US" dirty="0"/>
-              <a:t>supplied the expected number of inputs and </a:t>
-            </a:r>
-            <a:r>
-              <a:rPr lang="en-US" dirty="0" smtClean="0"/>
-              <a:t>that each </a:t>
-            </a:r>
-            <a:r>
-              <a:rPr lang="en-US" dirty="0"/>
-              <a:t>is of the expected type</a:t>
-            </a:r>
-            <a:r>
-              <a:rPr lang="en-US" dirty="0" smtClean="0"/>
-              <a:t>.\</a:t>
-            </a:r>
-          </a:p>
-          <a:p>
-            <a:pPr lvl="1"/>
-            <a:r>
-              <a:rPr lang="en-US" dirty="0"/>
-              <a:t>d</a:t>
-            </a:r>
-            <a:r>
-              <a:rPr lang="en-US" dirty="0" smtClean="0"/>
-              <a:t>oes NOT validate the input value</a:t>
-            </a:r>
-            <a:endParaRPr lang="en-US" dirty="0"/>
+              <a:t>does NOT validate the input value</a:t>
+            </a:r>
           </a:p>
           <a:p>
             <a:endParaRPr lang="en-US" dirty="0"/>
@@ -15396,7 +13721,7 @@
             </a:pPr>
             <a:fld id="{65B11A62-63AA-4067-ACEB-AA6A42CE3A38}" type="datetime1">
               <a:rPr lang="en-US" smtClean="0"/>
-              <a:t>11/29/2015</a:t>
+              <a:t>12/23/2016</a:t>
             </a:fld>
             <a:endParaRPr lang="en-US"/>
           </a:p>
@@ -15421,7 +13746,7 @@
               <a:defRPr/>
             </a:pPr>
             <a:r>
-              <a:rPr lang="en-US" smtClean="0"/>
+              <a:rPr lang="en-US"/>
               <a:t>TeamSTARS "tsWxGTUI_PyVx" Toolkit prepared &amp; presented by Richard S. Gordon</a:t>
             </a:r>
             <a:endParaRPr lang="en-US" dirty="0"/>
@@ -15462,13 +13787,6 @@
   <p:clrMapOvr>
     <a:masterClrMapping/>
   </p:clrMapOvr>
-  <p:timing>
-    <p:tnLst>
-      <p:par>
-        <p:cTn id="1" dur="indefinite" restart="never" nodeType="tmRoot"/>
-      </p:par>
-    </p:tnLst>
-  </p:timing>
 </p:sld>
 </file>
 
@@ -15506,30 +13824,20 @@
           <a:p>
             <a:r>
               <a:rPr lang="en-US" dirty="0"/>
-              <a:t>tsCxGlobals.py </a:t>
-            </a:r>
-            <a:r>
-              <a:rPr lang="en-US" dirty="0" smtClean="0"/>
-              <a:t>Module </a:t>
-            </a:r>
-            <a:r>
-              <a:rPr lang="en-US" sz="2000" dirty="0" smtClean="0"/>
+              <a:t>tsCxGlobals.py Module </a:t>
+            </a:r>
+            <a:r>
+              <a:rPr lang="en-US" sz="2000" dirty="0"/>
               <a:t>(</a:t>
-            </a:r>
-            <a:r>
-              <a:rPr lang="en-US" sz="2000" dirty="0" smtClean="0">
-                <a:hlinkClick r:id="rId2" action="ppaction://hlinksldjump"/>
-              </a:rPr>
-              <a:t>Table </a:t>
             </a:r>
             <a:r>
               <a:rPr lang="en-US" sz="2000" dirty="0">
                 <a:hlinkClick r:id="rId2" action="ppaction://hlinksldjump"/>
               </a:rPr>
-              <a:t>of Contents</a:t>
-            </a:r>
-            <a:r>
-              <a:rPr lang="en-US" sz="2000" dirty="0" smtClean="0"/>
+              <a:t>Table of Contents</a:t>
+            </a:r>
+            <a:r>
+              <a:rPr lang="en-US" sz="2000" dirty="0"/>
               <a:t>)</a:t>
             </a:r>
             <a:endParaRPr lang="en-US" sz="3200" dirty="0"/>
@@ -15552,28 +13860,8 @@
           <a:lstStyle/>
           <a:p>
             <a:r>
-              <a:rPr lang="en-US" dirty="0" smtClean="0"/>
-              <a:t>Module </a:t>
-            </a:r>
-            <a:r>
               <a:rPr lang="en-US" dirty="0"/>
-              <a:t>to establish configuration constants </a:t>
-            </a:r>
-            <a:r>
-              <a:rPr lang="en-US" dirty="0" smtClean="0"/>
-              <a:t>and macro-type </a:t>
-            </a:r>
-            <a:r>
-              <a:rPr lang="en-US" dirty="0"/>
-              <a:t>functions for the Command Line </a:t>
-            </a:r>
-            <a:r>
-              <a:rPr lang="en-US" dirty="0" smtClean="0"/>
-              <a:t>Interface mode </a:t>
-            </a:r>
-            <a:r>
-              <a:rPr lang="en-US" dirty="0"/>
-              <a:t>of the "</a:t>
+              <a:t>Module to establish configuration constants and macro-type functions for the Command Line Interface mode of the "</a:t>
             </a:r>
             <a:r>
               <a:rPr lang="en-US" dirty="0">
@@ -15590,39 +13878,7 @@
             <a:pPr lvl="1"/>
             <a:r>
               <a:rPr lang="en-US" dirty="0"/>
-              <a:t>Module provides a theme-based mechanism for </a:t>
-            </a:r>
-            <a:r>
-              <a:rPr lang="en-US" dirty="0" smtClean="0"/>
-              <a:t>modifying/restoring </a:t>
-            </a:r>
-            <a:r>
-              <a:rPr lang="en-US" dirty="0"/>
-              <a:t>configuration constants as appropriate </a:t>
-            </a:r>
-            <a:r>
-              <a:rPr lang="en-US" dirty="0" smtClean="0"/>
-              <a:t>for </a:t>
-            </a:r>
-            <a:r>
-              <a:rPr lang="en-US" dirty="0"/>
-              <a:t>various </a:t>
-            </a:r>
-            <a:r>
-              <a:rPr lang="en-US" dirty="0" smtClean="0"/>
-              <a:t>user roles </a:t>
-            </a:r>
-            <a:r>
-              <a:rPr lang="en-US" dirty="0"/>
-              <a:t>and </a:t>
-            </a:r>
-            <a:r>
-              <a:rPr lang="en-US" dirty="0" smtClean="0"/>
-              <a:t>activities</a:t>
-            </a:r>
-            <a:r>
-              <a:rPr lang="en-US" dirty="0"/>
-              <a:t>.</a:t>
+              <a:t>Module provides a theme-based mechanism for modifying/restoring configuration constants as appropriate for various user roles and activities.</a:t>
             </a:r>
           </a:p>
           <a:p>
@@ -15650,7 +13906,7 @@
             </a:pPr>
             <a:fld id="{65B11A62-63AA-4067-ACEB-AA6A42CE3A38}" type="datetime1">
               <a:rPr lang="en-US" smtClean="0"/>
-              <a:t>11/29/2015</a:t>
+              <a:t>12/23/2016</a:t>
             </a:fld>
             <a:endParaRPr lang="en-US"/>
           </a:p>
@@ -15675,7 +13931,7 @@
               <a:defRPr/>
             </a:pPr>
             <a:r>
-              <a:rPr lang="en-US" smtClean="0"/>
+              <a:rPr lang="en-US"/>
               <a:t>TeamSTARS "tsWxGTUI_PyVx" Toolkit prepared &amp; presented by Richard S. Gordon</a:t>
             </a:r>
             <a:endParaRPr lang="en-US" dirty="0"/>
@@ -15716,13 +13972,6 @@
   <p:clrMapOvr>
     <a:masterClrMapping/>
   </p:clrMapOvr>
-  <p:timing>
-    <p:tnLst>
-      <p:par>
-        <p:cTn id="1" dur="indefinite" restart="never" nodeType="tmRoot"/>
-      </p:par>
-    </p:tnLst>
-  </p:timing>
 </p:sld>
 </file>
 
